--- a/presentation/presentation.pptx
+++ b/presentation/presentation.pptx
@@ -18,8 +18,8 @@
     <p:sldId id="265" r:id="rId6"/>
     <p:sldId id="267" r:id="rId7"/>
     <p:sldId id="272" r:id="rId8"/>
-    <p:sldId id="260" r:id="rId9"/>
-    <p:sldId id="271" r:id="rId10"/>
+    <p:sldId id="271" r:id="rId9"/>
+    <p:sldId id="260" r:id="rId10"/>
     <p:sldId id="261" r:id="rId11"/>
     <p:sldId id="268" r:id="rId12"/>
     <p:sldId id="258" r:id="rId13"/>
@@ -243,7 +243,7 @@
           <a:p>
             <a:fld id="{A8A94D3D-AA65-9D43-9A3A-80711E35FCEA}" type="datetimeFigureOut">
               <a:rPr lang="de-DE" smtClean="0"/>
-              <a:t>30.10.13</a:t>
+              <a:t>05.11.13</a:t>
             </a:fld>
             <a:endParaRPr lang="de-DE"/>
           </a:p>
@@ -408,7 +408,7 @@
           <a:p>
             <a:fld id="{9168441F-F366-E04D-812C-D98FC549B967}" type="datetimeFigureOut">
               <a:rPr lang="de-DE" smtClean="0"/>
-              <a:t>30.10.13</a:t>
+              <a:t>05.11.13</a:t>
             </a:fld>
             <a:endParaRPr lang="de-DE" dirty="0"/>
           </a:p>
@@ -720,99 +720,6 @@
           <a:bodyPr/>
           <a:lstStyle/>
           <a:p>
-            <a:pPr marL="171450" indent="-171450">
-              <a:buFontTx/>
-              <a:buChar char="-"/>
-            </a:pPr>
-            <a:r>
-              <a:rPr lang="en-US" dirty="0" smtClean="0"/>
-              <a:t>Team project objectives [1 min]</a:t>
-            </a:r>
-          </a:p>
-          <a:p>
-            <a:pPr marL="171450" indent="-171450">
-              <a:buFontTx/>
-              <a:buChar char="-"/>
-            </a:pPr>
-            <a:r>
-              <a:rPr lang="en-US" dirty="0" smtClean="0"/>
-              <a:t>security [5 min]</a:t>
-            </a:r>
-          </a:p>
-          <a:p>
-            <a:pPr marL="171450" indent="-171450">
-              <a:buFontTx/>
-              <a:buChar char="-"/>
-            </a:pPr>
-            <a:r>
-              <a:rPr lang="en-US" dirty="0" smtClean="0"/>
-              <a:t>(write) effect [5 min]</a:t>
-            </a:r>
-          </a:p>
-          <a:p>
-            <a:pPr marL="171450" marR="0" indent="-171450" algn="l" defTabSz="457200" rtl="0" eaLnBrk="1" fontAlgn="auto" latinLnBrk="0" hangingPunct="1">
-              <a:lnSpc>
-                <a:spcPct val="100000"/>
-              </a:lnSpc>
-              <a:spcBef>
-                <a:spcPts val="0"/>
-              </a:spcBef>
-              <a:spcAft>
-                <a:spcPts val="0"/>
-              </a:spcAft>
-              <a:buClrTx/>
-              <a:buSzTx/>
-              <a:buFontTx/>
-              <a:buChar char="-"/>
-              <a:tabLst/>
-              <a:defRPr/>
-            </a:pPr>
-            <a:r>
-              <a:rPr lang="en-US" dirty="0" smtClean="0"/>
-              <a:t>Soot framework [2 min]</a:t>
-            </a:r>
-          </a:p>
-          <a:p>
-            <a:pPr marL="171450" indent="-171450">
-              <a:buFontTx/>
-              <a:buChar char="-"/>
-            </a:pPr>
-            <a:r>
-              <a:rPr lang="en-US" dirty="0" smtClean="0"/>
-              <a:t>analysis [7 min]</a:t>
-            </a:r>
-          </a:p>
-          <a:p>
-            <a:pPr marL="628650" lvl="1" indent="-171450">
-              <a:buFontTx/>
-              <a:buChar char="-"/>
-            </a:pPr>
-            <a:r>
-              <a:rPr lang="en-US" dirty="0" smtClean="0"/>
-              <a:t>Implementation</a:t>
-            </a:r>
-          </a:p>
-          <a:p>
-            <a:pPr marL="628650" lvl="1" indent="-171450">
-              <a:buFontTx/>
-              <a:buChar char="-"/>
-            </a:pPr>
-            <a:r>
-              <a:rPr lang="en-US" dirty="0" smtClean="0"/>
-              <a:t>vulnerabilities / missing</a:t>
-            </a:r>
-          </a:p>
-          <a:p>
-            <a:pPr marL="171450" lvl="0" indent="-171450">
-              <a:buFontTx/>
-              <a:buChar char="-"/>
-            </a:pPr>
-            <a:r>
-              <a:rPr lang="en-US" dirty="0" smtClean="0"/>
-              <a:t>Conclusion [1 min]</a:t>
-            </a:r>
-          </a:p>
-          <a:p>
             <a:endParaRPr lang="en-US" dirty="0"/>
           </a:p>
         </p:txBody>
@@ -897,14 +804,6 @@
           <a:bodyPr/>
           <a:lstStyle/>
           <a:p>
-            <a:r>
-              <a:rPr lang="en-US" dirty="0" smtClean="0"/>
-              <a:t>- forward data flow analysis: “intra” because each method is check in isolation, “inter” by annotations</a:t>
-            </a:r>
-            <a:r>
-              <a:rPr lang="en-US" baseline="0" dirty="0" smtClean="0"/>
-              <a:t>, etc.</a:t>
-            </a:r>
             <a:endParaRPr lang="en-US" dirty="0"/>
           </a:p>
         </p:txBody>
@@ -1144,7 +1043,7 @@
           <a:p>
             <a:fld id="{164768BB-5F08-9247-A67A-BB928A66918D}" type="slidenum">
               <a:rPr lang="de-DE" smtClean="0"/>
-              <a:t>8</a:t>
+              <a:t>9</a:t>
             </a:fld>
             <a:endParaRPr lang="de-DE"/>
           </a:p>
@@ -1154,6 +1053,118 @@
     <p:extLst>
       <p:ext uri="{BB962C8B-B14F-4D97-AF65-F5344CB8AC3E}">
         <p14:creationId xmlns:p14="http://schemas.microsoft.com/office/powerpoint/2010/main" val="1478636704"/>
+      </p:ext>
+    </p:extLst>
+  </p:cSld>
+  <p:clrMapOvr>
+    <a:masterClrMapping/>
+  </p:clrMapOvr>
+</p:notes>
+</file>
+
+<file path=ppt/notesSlides/notesSlide5.xml><?xml version="1.0" encoding="utf-8"?>
+<p:notes xmlns:a="http://schemas.openxmlformats.org/drawingml/2006/main" xmlns:r="http://schemas.openxmlformats.org/officeDocument/2006/relationships" xmlns:p="http://schemas.openxmlformats.org/presentationml/2006/main">
+  <p:cSld>
+    <p:spTree>
+      <p:nvGrpSpPr>
+        <p:cNvPr id="1" name=""/>
+        <p:cNvGrpSpPr/>
+        <p:nvPr/>
+      </p:nvGrpSpPr>
+      <p:grpSpPr>
+        <a:xfrm>
+          <a:off x="0" y="0"/>
+          <a:ext cx="0" cy="0"/>
+          <a:chOff x="0" y="0"/>
+          <a:chExt cx="0" cy="0"/>
+        </a:xfrm>
+      </p:grpSpPr>
+      <p:sp>
+        <p:nvSpPr>
+          <p:cNvPr id="2" name="Folienbildplatzhalter 1"/>
+          <p:cNvSpPr>
+            <a:spLocks noGrp="1" noRot="1" noChangeAspect="1"/>
+          </p:cNvSpPr>
+          <p:nvPr>
+            <p:ph type="sldImg"/>
+          </p:nvPr>
+        </p:nvSpPr>
+        <p:spPr/>
+      </p:sp>
+      <p:sp>
+        <p:nvSpPr>
+          <p:cNvPr id="3" name="Notizenplatzhalter 2"/>
+          <p:cNvSpPr>
+            <a:spLocks noGrp="1"/>
+          </p:cNvSpPr>
+          <p:nvPr>
+            <p:ph type="body" idx="1"/>
+          </p:nvPr>
+        </p:nvSpPr>
+        <p:spPr/>
+        <p:txBody>
+          <a:bodyPr/>
+          <a:lstStyle/>
+          <a:p>
+            <a:pPr marL="0" marR="0" indent="0" algn="l" defTabSz="457200" rtl="0" eaLnBrk="1" fontAlgn="auto" latinLnBrk="0" hangingPunct="1">
+              <a:lnSpc>
+                <a:spcPct val="100000"/>
+              </a:lnSpc>
+              <a:spcBef>
+                <a:spcPts val="0"/>
+              </a:spcBef>
+              <a:spcAft>
+                <a:spcPts val="0"/>
+              </a:spcAft>
+              <a:buClrTx/>
+              <a:buSzTx/>
+              <a:buFontTx/>
+              <a:buNone/>
+              <a:tabLst/>
+              <a:defRPr/>
+            </a:pPr>
+            <a:r>
+              <a:rPr lang="en-US" dirty="0" smtClean="0"/>
+              <a:t>- forward data flow analysis: “intra” because each method is check in isolation, “inter” by annotations</a:t>
+            </a:r>
+            <a:r>
+              <a:rPr lang="en-US" baseline="0" dirty="0" smtClean="0"/>
+              <a:t>, etc.</a:t>
+            </a:r>
+            <a:endParaRPr lang="en-US" dirty="0" smtClean="0"/>
+          </a:p>
+          <a:p>
+            <a:endParaRPr lang="en-US" dirty="0"/>
+          </a:p>
+        </p:txBody>
+      </p:sp>
+      <p:sp>
+        <p:nvSpPr>
+          <p:cNvPr id="4" name="Foliennummernplatzhalter 3"/>
+          <p:cNvSpPr>
+            <a:spLocks noGrp="1"/>
+          </p:cNvSpPr>
+          <p:nvPr>
+            <p:ph type="sldNum" sz="quarter" idx="10"/>
+          </p:nvPr>
+        </p:nvSpPr>
+        <p:spPr/>
+        <p:txBody>
+          <a:bodyPr/>
+          <a:lstStyle/>
+          <a:p>
+            <a:fld id="{164768BB-5F08-9247-A67A-BB928A66918D}" type="slidenum">
+              <a:rPr lang="de-DE" smtClean="0"/>
+              <a:t>14</a:t>
+            </a:fld>
+            <a:endParaRPr lang="de-DE"/>
+          </a:p>
+        </p:txBody>
+      </p:sp>
+    </p:spTree>
+    <p:extLst>
+      <p:ext uri="{BB962C8B-B14F-4D97-AF65-F5344CB8AC3E}">
+        <p14:creationId xmlns:p14="http://schemas.microsoft.com/office/powerpoint/2010/main" val="3331898831"/>
       </p:ext>
     </p:extLst>
   </p:cSld>
@@ -7712,7 +7723,7 @@
           <a:p>
             <a:r>
               <a:rPr lang="en-US" dirty="0" smtClean="0"/>
-              <a:t>Implementing Security Type for Java</a:t>
+              <a:t>Implementing a Security Type System for Java</a:t>
             </a:r>
             <a:endParaRPr lang="en-US" dirty="0"/>
           </a:p>
@@ -7830,7 +7841,7 @@
         <p:spPr>
           <a:xfrm>
             <a:off x="468312" y="981075"/>
-            <a:ext cx="5038045" cy="5145088"/>
+            <a:ext cx="8207376" cy="5145088"/>
           </a:xfrm>
         </p:spPr>
         <p:txBody>
@@ -7838,19 +7849,38 @@
           <a:lstStyle/>
           <a:p>
             <a:r>
+              <a:rPr lang="en-US" dirty="0">
+                <a:solidFill>
+                  <a:srgbClr val="004A99"/>
+                </a:solidFill>
+              </a:rPr>
+              <a:t>s</a:t>
+            </a:r>
+            <a:r>
               <a:rPr lang="en-US" dirty="0" smtClean="0">
                 <a:solidFill>
                   <a:srgbClr val="004A99"/>
                 </a:solidFill>
               </a:rPr>
-              <a:t>write effects </a:t>
-            </a:r>
-            <a:r>
-              <a:rPr lang="en-US" dirty="0" smtClean="0"/>
-              <a:t>affect a specific </a:t>
-            </a:r>
-            <a:r>
-              <a:rPr lang="en-US" dirty="0" smtClean="0">
+              <a:t>ide effects relevant to security:</a:t>
+            </a:r>
+          </a:p>
+          <a:p>
+            <a:pPr lvl="1"/>
+            <a:r>
+              <a:rPr lang="en-US" sz="1800" dirty="0" smtClean="0">
+                <a:solidFill>
+                  <a:srgbClr val="004A99"/>
+                </a:solidFill>
+              </a:rPr>
+              <a:t>write effects</a:t>
+            </a:r>
+            <a:r>
+              <a:rPr lang="en-US" sz="1800" dirty="0" smtClean="0"/>
+              <a:t> affect a specific </a:t>
+            </a:r>
+            <a:r>
+              <a:rPr lang="en-US" sz="1800" dirty="0" smtClean="0">
                 <a:solidFill>
                   <a:srgbClr val="004A99"/>
                 </a:solidFill>
@@ -7861,14 +7891,14 @@
           <a:p>
             <a:pPr lvl="1"/>
             <a:r>
-              <a:rPr lang="en-US" sz="1600" dirty="0" smtClean="0">
+              <a:rPr lang="en-US" sz="1800" dirty="0" smtClean="0">
                 <a:solidFill>
                   <a:srgbClr val="333333"/>
                 </a:solidFill>
               </a:rPr>
               <a:t>triggered by assignments or by method invocations</a:t>
             </a:r>
-            <a:endParaRPr lang="en-US" dirty="0"/>
+            <a:endParaRPr lang="en-US" sz="1800" dirty="0"/>
           </a:p>
           <a:p>
             <a:endParaRPr lang="en-US" dirty="0" smtClean="0"/>
@@ -7890,14 +7920,13 @@
           <a:p>
             <a:pPr lvl="1"/>
             <a:r>
-              <a:rPr lang="en-US" sz="1600" dirty="0"/>
+              <a:rPr lang="en-US" sz="1800" dirty="0"/>
               <a:t>a</a:t>
             </a:r>
             <a:r>
-              <a:rPr lang="en-US" sz="1600" dirty="0" smtClean="0"/>
+              <a:rPr lang="en-US" sz="1800" dirty="0" smtClean="0"/>
               <a:t>ll effects which occur inside the method body</a:t>
             </a:r>
-            <a:endParaRPr lang="en-US" dirty="0" smtClean="0"/>
           </a:p>
           <a:p>
             <a:endParaRPr lang="en-US" i="1" dirty="0"/>
@@ -7923,7 +7952,7 @@
           <a:p>
             <a:pPr lvl="1"/>
             <a:r>
-              <a:rPr lang="en-US" sz="1600" dirty="0">
+              <a:rPr lang="en-US" sz="1800" dirty="0">
                 <a:solidFill>
                   <a:srgbClr val="333333"/>
                 </a:solidFill>
@@ -7931,7 +7960,7 @@
               <a:t>all effects which occur inside the </a:t>
             </a:r>
             <a:r>
-              <a:rPr lang="en-US" sz="1600" i="1" dirty="0" smtClean="0">
+              <a:rPr lang="en-US" sz="1800" i="1" dirty="0" smtClean="0">
                 <a:solidFill>
                   <a:srgbClr val="333333"/>
                 </a:solidFill>
@@ -7939,7 +7968,7 @@
               <a:t>static initializer </a:t>
             </a:r>
             <a:r>
-              <a:rPr lang="en-US" sz="1600" dirty="0" smtClean="0">
+              <a:rPr lang="en-US" sz="1800" dirty="0" smtClean="0">
                 <a:solidFill>
                   <a:srgbClr val="333333"/>
                 </a:solidFill>
@@ -7947,7 +7976,7 @@
               <a:t>method </a:t>
             </a:r>
             <a:r>
-              <a:rPr lang="en-US" sz="1600" dirty="0">
+              <a:rPr lang="en-US" sz="1800" dirty="0">
                 <a:solidFill>
                   <a:srgbClr val="333333"/>
                 </a:solidFill>
@@ -7983,7 +8012,7 @@
                   <a:srgbClr val="333333"/>
                 </a:solidFill>
               </a:rPr>
-              <a:t> context:</a:t>
+              <a:t> context</a:t>
             </a:r>
           </a:p>
           <a:p>
@@ -7991,23 +8020,7 @@
               <a:buNone/>
             </a:pPr>
             <a:r>
-              <a:rPr lang="en-US" sz="1600" dirty="0">
-                <a:solidFill>
-                  <a:srgbClr val="333333"/>
-                </a:solidFill>
-              </a:rPr>
-              <a:t>t</a:t>
-            </a:r>
-            <a:r>
-              <a:rPr lang="en-US" sz="1600" dirty="0" smtClean="0">
-                <a:solidFill>
-                  <a:srgbClr val="333333"/>
-                </a:solidFill>
-              </a:rPr>
-              <a:t>he affected </a:t>
-            </a:r>
-            <a:r>
-              <a:rPr lang="en-US" sz="1600" dirty="0" smtClean="0">
+              <a:rPr lang="en-US" sz="1800" dirty="0" smtClean="0">
                 <a:solidFill>
                   <a:srgbClr val="004A99"/>
                 </a:solidFill>
@@ -8015,27 +8028,27 @@
               <a:t>security level</a:t>
             </a:r>
             <a:r>
-              <a:rPr lang="en-US" sz="1600" dirty="0" smtClean="0">
+              <a:rPr lang="en-US" sz="1800" dirty="0" smtClean="0">
                 <a:solidFill>
                   <a:srgbClr val="333333"/>
                 </a:solidFill>
               </a:rPr>
-              <a:t> of a </a:t>
-            </a:r>
-            <a:r>
-              <a:rPr lang="en-US" sz="1600" dirty="0" smtClean="0">
+              <a:t> of </a:t>
+            </a:r>
+            <a:r>
+              <a:rPr lang="en-US" sz="1800" dirty="0" smtClean="0">
                 <a:solidFill>
                   <a:srgbClr val="004A99"/>
                 </a:solidFill>
               </a:rPr>
-              <a:t>write </a:t>
-            </a:r>
-            <a:r>
-              <a:rPr lang="en-US" sz="1600" dirty="0" smtClean="0"/>
-              <a:t>effects has to be &gt;= </a:t>
-            </a:r>
-            <a:r>
-              <a:rPr lang="en-US" sz="1600" dirty="0">
+              <a:t>write effect</a:t>
+            </a:r>
+            <a:r>
+              <a:rPr lang="en-US" sz="1800" dirty="0" smtClean="0"/>
+              <a:t> &gt;= </a:t>
+            </a:r>
+            <a:r>
+              <a:rPr lang="en-US" sz="1800" dirty="0">
                 <a:solidFill>
                   <a:srgbClr val="004A99"/>
                 </a:solidFill>
@@ -8043,14 +8056,14 @@
               <a:t>security level </a:t>
             </a:r>
             <a:r>
-              <a:rPr lang="en-US" sz="1600" dirty="0">
+              <a:rPr lang="en-US" sz="1800" dirty="0">
                 <a:solidFill>
                   <a:srgbClr val="333333"/>
                 </a:solidFill>
               </a:rPr>
               <a:t>of the context </a:t>
             </a:r>
-            <a:endParaRPr lang="en-US" sz="1600" dirty="0">
+            <a:endParaRPr lang="en-US" sz="1800" dirty="0">
               <a:solidFill>
                 <a:srgbClr val="004A99"/>
               </a:solidFill>
@@ -8241,103 +8254,104 @@
             </a:r>
           </a:p>
           <a:p>
+            <a:pPr algn="just"/>
             <a:endParaRPr lang="en-US" dirty="0" smtClean="0"/>
           </a:p>
           <a:p>
+            <a:pPr algn="just"/>
             <a:r>
               <a:rPr lang="en-US" dirty="0" smtClean="0"/>
-              <a:t>provides abstract classes for different kinds of analyses</a:t>
-            </a:r>
-          </a:p>
-          <a:p>
-            <a:endParaRPr lang="en-US" dirty="0"/>
-          </a:p>
-          <a:p>
-            <a:pPr algn="just"/>
+              <a:t>Intermediate </a:t>
+            </a:r>
             <a:r>
               <a:rPr lang="en-US" dirty="0"/>
-              <a:t>Intermediate representation </a:t>
-            </a:r>
-            <a:r>
-              <a:rPr lang="en-US" i="1" dirty="0" smtClean="0"/>
+              <a:t>representation </a:t>
+            </a:r>
+            <a:r>
+              <a:rPr lang="en-US" i="1" dirty="0"/>
               <a:t>Jimple</a:t>
             </a:r>
           </a:p>
           <a:p>
             <a:pPr lvl="1" algn="just"/>
             <a:r>
-              <a:rPr lang="en-US" dirty="0" smtClean="0"/>
+              <a:rPr lang="en-US" dirty="0"/>
               <a:t>3 address code</a:t>
             </a:r>
           </a:p>
           <a:p>
             <a:pPr lvl="1" algn="just"/>
             <a:r>
-              <a:rPr lang="en-US" dirty="0" smtClean="0">
+              <a:rPr lang="en-US" dirty="0">
                 <a:latin typeface="Consolas"/>
                 <a:cs typeface="Consolas"/>
               </a:rPr>
               <a:t>GOTO</a:t>
             </a:r>
             <a:r>
-              <a:rPr lang="en-US" dirty="0" smtClean="0"/>
+              <a:rPr lang="en-US" dirty="0"/>
               <a:t> instead of </a:t>
             </a:r>
             <a:r>
-              <a:rPr lang="en-US" dirty="0" smtClean="0">
+              <a:rPr lang="en-US" dirty="0">
                 <a:latin typeface="Consolas"/>
                 <a:cs typeface="Consolas"/>
               </a:rPr>
               <a:t>if else</a:t>
             </a:r>
             <a:r>
-              <a:rPr lang="en-US" dirty="0" smtClean="0">
-                <a:latin typeface="Arial"/>
+              <a:rPr lang="en-US" dirty="0">
                 <a:cs typeface="Arial"/>
               </a:rPr>
               <a:t>, </a:t>
             </a:r>
             <a:r>
-              <a:rPr lang="en-US" dirty="0" smtClean="0">
+              <a:rPr lang="en-US" dirty="0">
                 <a:latin typeface="Consolas"/>
                 <a:cs typeface="Consolas"/>
               </a:rPr>
               <a:t>for</a:t>
             </a:r>
             <a:r>
-              <a:rPr lang="en-US" dirty="0" smtClean="0">
-                <a:latin typeface="Arial"/>
+              <a:rPr lang="en-US" dirty="0">
                 <a:cs typeface="Arial"/>
               </a:rPr>
               <a:t>, </a:t>
             </a:r>
             <a:r>
-              <a:rPr lang="en-US" dirty="0" smtClean="0">
+              <a:rPr lang="en-US" dirty="0">
                 <a:latin typeface="Consolas"/>
                 <a:cs typeface="Consolas"/>
               </a:rPr>
               <a:t>while</a:t>
             </a:r>
             <a:r>
-              <a:rPr lang="en-US" dirty="0" smtClean="0">
-                <a:latin typeface="Arial"/>
+              <a:rPr lang="en-US" dirty="0">
                 <a:cs typeface="Arial"/>
               </a:rPr>
               <a:t>, </a:t>
             </a:r>
             <a:r>
-              <a:rPr lang="en-US" dirty="0" smtClean="0">
+              <a:rPr lang="en-US" dirty="0">
                 <a:latin typeface="Consolas"/>
                 <a:cs typeface="Consolas"/>
               </a:rPr>
               <a:t>do</a:t>
             </a:r>
             <a:r>
-              <a:rPr lang="en-US" dirty="0" smtClean="0">
-                <a:latin typeface="Arial"/>
+              <a:rPr lang="en-US" dirty="0">
                 <a:cs typeface="Arial"/>
               </a:rPr>
               <a:t>, etc.</a:t>
+            </a:r>
+          </a:p>
+          <a:p>
+            <a:endParaRPr lang="en-US" dirty="0" smtClean="0"/>
+          </a:p>
+          <a:p>
+            <a:r>
+              <a:rPr lang="en-US" dirty="0" smtClean="0"/>
+              <a:t>provides abstract classes for different kinds of analyses</a:t>
             </a:r>
           </a:p>
           <a:p>
@@ -8538,11 +8552,7 @@
             </a:br>
             <a:r>
               <a:rPr lang="en-US" dirty="0" smtClean="0"/>
-              <a:t>forward </a:t>
-            </a:r>
-            <a:r>
-              <a:rPr lang="en-US" dirty="0" smtClean="0"/>
-              <a:t>dataflow analysis</a:t>
+              <a:t>forward dataflow analysis</a:t>
             </a:r>
           </a:p>
           <a:p>
@@ -8602,6 +8612,124 @@
               </a:rPr>
               <a:t>id functions</a:t>
             </a:r>
+          </a:p>
+          <a:p>
+            <a:pPr lvl="1"/>
+            <a:endParaRPr lang="en-US" dirty="0">
+              <a:cs typeface="Consolas"/>
+            </a:endParaRPr>
+          </a:p>
+          <a:p>
+            <a:pPr lvl="0">
+              <a:buFont typeface="Lucida Grande"/>
+              <a:buChar char="►"/>
+            </a:pPr>
+            <a:r>
+              <a:rPr lang="en-US" dirty="0">
+                <a:solidFill>
+                  <a:srgbClr val="333333"/>
+                </a:solidFill>
+              </a:rPr>
+              <a:t>library fields</a:t>
+            </a:r>
+            <a:br>
+              <a:rPr lang="en-US" dirty="0">
+                <a:solidFill>
+                  <a:srgbClr val="333333"/>
+                </a:solidFill>
+              </a:rPr>
+            </a:br>
+            <a:r>
+              <a:rPr lang="en-US" sz="1600" dirty="0">
+                <a:solidFill>
+                  <a:srgbClr val="333333"/>
+                </a:solidFill>
+                <a:sym typeface="Wingdings"/>
+              </a:rPr>
+              <a:t> weakest </a:t>
+            </a:r>
+            <a:r>
+              <a:rPr lang="en-US" sz="1600" dirty="0">
+                <a:solidFill>
+                  <a:srgbClr val="004A99"/>
+                </a:solidFill>
+                <a:sym typeface="Wingdings"/>
+              </a:rPr>
+              <a:t>security level</a:t>
+            </a:r>
+            <a:endParaRPr lang="en-US" sz="1600" dirty="0">
+              <a:solidFill>
+                <a:srgbClr val="333333"/>
+              </a:solidFill>
+              <a:sym typeface="Wingdings"/>
+            </a:endParaRPr>
+          </a:p>
+          <a:p>
+            <a:pPr>
+              <a:buFont typeface="Lucida Grande"/>
+              <a:buChar char="►"/>
+            </a:pPr>
+            <a:endParaRPr lang="en-US" dirty="0" smtClean="0">
+              <a:solidFill>
+                <a:srgbClr val="333333"/>
+              </a:solidFill>
+              <a:sym typeface="Wingdings"/>
+            </a:endParaRPr>
+          </a:p>
+          <a:p>
+            <a:pPr>
+              <a:buFont typeface="Lucida Grande"/>
+              <a:buChar char="►"/>
+            </a:pPr>
+            <a:r>
+              <a:rPr lang="en-US" dirty="0" smtClean="0">
+                <a:solidFill>
+                  <a:srgbClr val="333333"/>
+                </a:solidFill>
+              </a:rPr>
+              <a:t>library methods</a:t>
+            </a:r>
+            <a:br>
+              <a:rPr lang="en-US" dirty="0" smtClean="0">
+                <a:solidFill>
+                  <a:srgbClr val="333333"/>
+                </a:solidFill>
+              </a:rPr>
+            </a:br>
+            <a:r>
+              <a:rPr lang="en-US" sz="1600" dirty="0" smtClean="0">
+                <a:solidFill>
+                  <a:srgbClr val="333333"/>
+                </a:solidFill>
+                <a:sym typeface="Wingdings"/>
+              </a:rPr>
+              <a:t> strongest </a:t>
+            </a:r>
+            <a:r>
+              <a:rPr lang="en-US" sz="1600" dirty="0" smtClean="0">
+                <a:solidFill>
+                  <a:srgbClr val="004A99"/>
+                </a:solidFill>
+                <a:sym typeface="Wingdings"/>
+              </a:rPr>
+              <a:t>security level </a:t>
+            </a:r>
+            <a:r>
+              <a:rPr lang="en-US" sz="1600" dirty="0" smtClean="0">
+                <a:solidFill>
+                  <a:srgbClr val="333333"/>
+                </a:solidFill>
+                <a:sym typeface="Wingdings"/>
+              </a:rPr>
+              <a:t>of the operands</a:t>
+            </a:r>
+            <a:endParaRPr lang="en-US" sz="1600" dirty="0" smtClean="0">
+              <a:solidFill>
+                <a:srgbClr val="333333"/>
+              </a:solidFill>
+            </a:endParaRPr>
+          </a:p>
+          <a:p>
             <a:endParaRPr lang="en-US" dirty="0" smtClean="0"/>
           </a:p>
           <a:p>
@@ -9845,25 +9973,25 @@
                   </a:solidFill>
                   <a:latin typeface="Courier"/>
                 </a:rPr>
-                <a:t>({ </a:t>
+                <a:t>(</a:t>
+              </a:r>
+              <a:r>
+                <a:rPr lang="en-US" sz="1000" dirty="0" smtClean="0">
+                  <a:solidFill>
+                    <a:srgbClr val="666666"/>
+                  </a:solidFill>
+                  <a:latin typeface="Courier"/>
+                </a:rPr>
+                <a:t>{}</a:t>
               </a:r>
               <a:r>
                 <a:rPr lang="en-US" sz="1000" dirty="0">
                   <a:solidFill>
-                    <a:prstClr val="black"/>
+                    <a:srgbClr val="666666"/>
                   </a:solidFill>
                   <a:latin typeface="Courier"/>
                 </a:rPr>
-                <a:t>…</a:t>
-              </a:r>
-              <a:r>
-                <a:rPr lang="en-US" sz="1000" dirty="0">
-                  <a:solidFill>
-                    <a:srgbClr val="666666"/>
-                  </a:solidFill>
-                  <a:latin typeface="Courier"/>
-                </a:rPr>
-                <a:t> })</a:t>
+                <a:t>)</a:t>
               </a:r>
               <a:endParaRPr lang="en-US" sz="1000" dirty="0">
                 <a:solidFill>
@@ -9977,16 +10105,34 @@
                   </a:solidFill>
                   <a:latin typeface="Courier"/>
                 </a:rPr>
-                <a:t>({ </a:t>
+                <a:t>(</a:t>
+              </a:r>
+              <a:r>
+                <a:rPr lang="en-US" sz="1000" b="0" dirty="0" smtClean="0">
+                  <a:solidFill>
+                    <a:srgbClr val="666666"/>
+                  </a:solidFill>
+                  <a:latin typeface="Courier"/>
+                </a:rPr>
+                <a:t>{</a:t>
               </a:r>
               <a:r>
                 <a:rPr lang="en-US" sz="1000" b="0" dirty="0">
                   <a:solidFill>
-                    <a:prstClr val="black"/>
+                    <a:srgbClr val="BA2121"/>
                   </a:solidFill>
                   <a:latin typeface="Courier"/>
                 </a:rPr>
-                <a:t>…</a:t>
+                <a:t>"high"</a:t>
+              </a:r>
+              <a:r>
+                <a:rPr lang="en-US" sz="1000" b="0" dirty="0" smtClean="0">
+                  <a:solidFill>
+                    <a:srgbClr val="666666"/>
+                  </a:solidFill>
+                  <a:latin typeface="Courier"/>
+                </a:rPr>
+                <a:t>}</a:t>
               </a:r>
               <a:r>
                 <a:rPr lang="en-US" sz="1000" b="0" dirty="0">
@@ -9995,7 +10141,7 @@
                   </a:solidFill>
                   <a:latin typeface="Courier"/>
                 </a:rPr>
-                <a:t> })</a:t>
+                <a:t>)</a:t>
               </a:r>
               <a:endParaRPr lang="en-US" sz="1000" b="0" dirty="0">
                 <a:solidFill>
@@ -10024,32 +10170,38 @@
                 <a:t>ReturnSecurity</a:t>
               </a:r>
               <a:r>
+                <a:rPr lang="en-US" sz="1000" b="0" dirty="0" smtClean="0">
+                  <a:solidFill>
+                    <a:srgbClr val="666666"/>
+                  </a:solidFill>
+                  <a:latin typeface="Courier"/>
+                </a:rPr>
+                <a:t>(</a:t>
+              </a:r>
+              <a:r>
                 <a:rPr lang="en-US" sz="1000" b="0" dirty="0">
                   <a:solidFill>
+                    <a:srgbClr val="BA2121"/>
+                  </a:solidFill>
+                  <a:latin typeface="Courier"/>
+                </a:rPr>
+                <a:t>"high"</a:t>
+              </a:r>
+              <a:r>
+                <a:rPr lang="en-US" sz="1000" b="0" dirty="0" smtClean="0">
+                  <a:solidFill>
                     <a:srgbClr val="666666"/>
                   </a:solidFill>
                   <a:latin typeface="Courier"/>
                 </a:rPr>
-                <a:t>(</a:t>
-              </a:r>
-              <a:r>
-                <a:rPr lang="en-US" sz="1000" b="0" dirty="0">
-                  <a:solidFill>
-                    <a:prstClr val="black"/>
-                  </a:solidFill>
-                  <a:latin typeface="Courier"/>
-                </a:rPr>
-                <a:t>…</a:t>
-              </a:r>
-              <a:r>
-                <a:rPr lang="en-US" sz="1000" b="0" dirty="0">
-                  <a:solidFill>
-                    <a:srgbClr val="666666"/>
-                  </a:solidFill>
-                  <a:latin typeface="Courier"/>
-                </a:rPr>
                 <a:t>)</a:t>
               </a:r>
+              <a:endParaRPr lang="en-US" sz="1000" b="0" dirty="0">
+                <a:solidFill>
+                  <a:srgbClr val="666666"/>
+                </a:solidFill>
+                <a:latin typeface="Courier"/>
+              </a:endParaRPr>
             </a:p>
             <a:p>
               <a:r>
@@ -10077,25 +10229,25 @@
                   </a:solidFill>
                   <a:latin typeface="Courier"/>
                 </a:rPr>
-                <a:t>({ </a:t>
+                <a:t>(</a:t>
+              </a:r>
+              <a:r>
+                <a:rPr lang="en-US" sz="1000" b="0" dirty="0" smtClean="0">
+                  <a:solidFill>
+                    <a:srgbClr val="666666"/>
+                  </a:solidFill>
+                  <a:latin typeface="Courier"/>
+                </a:rPr>
+                <a:t>{}</a:t>
               </a:r>
               <a:r>
                 <a:rPr lang="en-US" sz="1000" b="0" dirty="0">
                   <a:solidFill>
-                    <a:prstClr val="black"/>
+                    <a:srgbClr val="666666"/>
                   </a:solidFill>
                   <a:latin typeface="Courier"/>
                 </a:rPr>
-                <a:t>…</a:t>
-              </a:r>
-              <a:r>
-                <a:rPr lang="en-US" sz="1000" b="0" dirty="0">
-                  <a:solidFill>
-                    <a:srgbClr val="666666"/>
-                  </a:solidFill>
-                  <a:latin typeface="Courier"/>
-                </a:rPr>
-                <a:t> })</a:t>
+                <a:t>)</a:t>
               </a:r>
               <a:endParaRPr lang="en-US" sz="1000" b="0" dirty="0">
                 <a:solidFill>
@@ -10670,7 +10822,9 @@
         </p:nvSpPr>
         <p:spPr/>
         <p:txBody>
-          <a:bodyPr/>
+          <a:bodyPr>
+            <a:normAutofit lnSpcReduction="10000"/>
+          </a:bodyPr>
           <a:lstStyle/>
           <a:p>
             <a:r>
@@ -10695,7 +10849,7 @@
             </a:r>
             <a:r>
               <a:rPr lang="en-US" dirty="0" smtClean="0"/>
-              <a:t> </a:t>
+              <a:t> (security polymorphism)</a:t>
             </a:r>
           </a:p>
           <a:p>
@@ -10704,11 +10858,11 @@
           <a:p>
             <a:r>
               <a:rPr lang="en-US" dirty="0"/>
-              <a:t>e</a:t>
+              <a:t>g</a:t>
             </a:r>
             <a:r>
               <a:rPr lang="en-US" dirty="0" smtClean="0"/>
-              <a:t>xtended </a:t>
+              <a:t>eneralized  </a:t>
             </a:r>
             <a:r>
               <a:rPr lang="en-US" dirty="0" smtClean="0">
@@ -10747,6 +10901,42 @@
             </a:r>
           </a:p>
           <a:p>
+            <a:endParaRPr lang="en-US" dirty="0" smtClean="0"/>
+          </a:p>
+          <a:p>
+            <a:r>
+              <a:rPr lang="en-US" dirty="0">
+                <a:cs typeface="Consolas"/>
+              </a:rPr>
+              <a:t>inheritance</a:t>
+            </a:r>
+          </a:p>
+          <a:p>
+            <a:endParaRPr lang="en-US" dirty="0">
+              <a:cs typeface="Consolas"/>
+            </a:endParaRPr>
+          </a:p>
+          <a:p>
+            <a:r>
+              <a:rPr lang="en-US" dirty="0">
+                <a:cs typeface="Consolas"/>
+              </a:rPr>
+              <a:t>c</a:t>
+            </a:r>
+            <a:r>
+              <a:rPr lang="en-US" dirty="0" smtClean="0">
+                <a:cs typeface="Consolas"/>
+              </a:rPr>
+              <a:t>oncurrency</a:t>
+            </a:r>
+            <a:endParaRPr lang="en-US" dirty="0">
+              <a:cs typeface="Consolas"/>
+            </a:endParaRPr>
+          </a:p>
+          <a:p>
+            <a:pPr marL="0" indent="0">
+              <a:buNone/>
+            </a:pPr>
             <a:endParaRPr lang="en-US" dirty="0"/>
           </a:p>
           <a:p>
@@ -10756,39 +10946,49 @@
             </a:r>
           </a:p>
           <a:p>
+            <a:endParaRPr lang="en-US" dirty="0">
+              <a:latin typeface="Consolas"/>
+              <a:cs typeface="Consolas"/>
+            </a:endParaRPr>
+          </a:p>
+          <a:p>
+            <a:r>
+              <a:rPr lang="en-US" dirty="0">
+                <a:cs typeface="Arial"/>
+              </a:rPr>
+              <a:t>library</a:t>
+            </a:r>
+          </a:p>
+          <a:p>
             <a:endParaRPr lang="en-US" dirty="0"/>
           </a:p>
           <a:p>
             <a:r>
-              <a:rPr lang="en-US" dirty="0"/>
-              <a:t>s</a:t>
-            </a:r>
-            <a:r>
-              <a:rPr lang="en-US" dirty="0" smtClean="0"/>
-              <a:t>ome statements, e.g. </a:t>
+              <a:rPr lang="en-US" dirty="0">
+                <a:latin typeface="Consolas"/>
+                <a:cs typeface="Consolas"/>
+              </a:rPr>
+              <a:t>switch </a:t>
             </a:r>
             <a:r>
               <a:rPr lang="en-US" dirty="0" smtClean="0">
                 <a:latin typeface="Consolas"/>
                 <a:cs typeface="Consolas"/>
               </a:rPr>
-              <a:t>switch case</a:t>
-            </a:r>
-          </a:p>
-          <a:p>
-            <a:endParaRPr lang="en-US" dirty="0">
+              <a:t>case </a:t>
+            </a:r>
+            <a:r>
+              <a:rPr lang="en-US" dirty="0" smtClean="0"/>
+              <a:t>statement</a:t>
+            </a:r>
+            <a:endParaRPr lang="en-US" dirty="0" smtClean="0">
               <a:latin typeface="Consolas"/>
               <a:cs typeface="Consolas"/>
             </a:endParaRPr>
           </a:p>
           <a:p>
-            <a:r>
-              <a:rPr lang="en-US" dirty="0" smtClean="0">
-                <a:cs typeface="Consolas"/>
-              </a:rPr>
-              <a:t>inheritance</a:t>
-            </a:r>
             <a:endParaRPr lang="en-US" dirty="0">
+              <a:latin typeface="Consolas"/>
               <a:cs typeface="Consolas"/>
             </a:endParaRPr>
           </a:p>
@@ -10950,8 +11150,13 @@
           <a:p>
             <a:r>
               <a:rPr lang="en-US" dirty="0" smtClean="0"/>
-              <a:t>static check for security violations</a:t>
-            </a:r>
+              <a:t>static check for violations of the </a:t>
+            </a:r>
+            <a:r>
+              <a:rPr lang="en-US" i="1" dirty="0"/>
+              <a:t>Security Type System</a:t>
+            </a:r>
+            <a:endParaRPr lang="en-US" dirty="0"/>
           </a:p>
           <a:p>
             <a:endParaRPr lang="en-US" dirty="0"/>
@@ -10961,6 +11166,24 @@
               <a:rPr lang="en-US" dirty="0" smtClean="0"/>
               <a:t>based on the Soot Framework</a:t>
             </a:r>
+          </a:p>
+          <a:p>
+            <a:endParaRPr lang="en-US" dirty="0"/>
+          </a:p>
+          <a:p>
+            <a:r>
+              <a:rPr lang="en-US" dirty="0" smtClean="0"/>
+              <a:t>foundation for </a:t>
+            </a:r>
+            <a:r>
+              <a:rPr lang="en-US" i="1" dirty="0"/>
+              <a:t>Gradual </a:t>
+            </a:r>
+            <a:r>
+              <a:rPr lang="en-US" i="1" dirty="0" smtClean="0"/>
+              <a:t>Type System</a:t>
+            </a:r>
+            <a:endParaRPr lang="en-US" i="1" dirty="0" smtClean="0"/>
           </a:p>
           <a:p>
             <a:endParaRPr lang="en-US" dirty="0"/>
@@ -11231,7 +11454,7 @@
         </p:nvGrpSpPr>
         <p:grpSpPr>
           <a:xfrm>
-            <a:off x="3140033" y="2459876"/>
+            <a:off x="1608688" y="2459876"/>
             <a:ext cx="2863935" cy="1938249"/>
             <a:chOff x="3140033" y="2153214"/>
             <a:chExt cx="2863935" cy="1938249"/>
@@ -11317,59 +11540,48 @@
             </a:p>
             <a:p>
               <a:r>
-                <a:rPr lang="en-US" sz="2000" dirty="0" smtClean="0">
-                  <a:latin typeface="Consolas"/>
-                  <a:cs typeface="Consolas"/>
-                </a:rPr>
-                <a:t>if</a:t>
-              </a:r>
-              <a:r>
                 <a:rPr lang="en-US" sz="2000" b="0" dirty="0" smtClean="0">
                   <a:latin typeface="Consolas"/>
                   <a:cs typeface="Consolas"/>
                 </a:rPr>
-                <a:t> </a:t>
+                <a:t>print(</a:t>
               </a:r>
               <a:r>
                 <a:rPr lang="en-US" sz="2000" b="0" dirty="0" err="1" smtClean="0">
                   <a:latin typeface="Consolas"/>
                   <a:cs typeface="Consolas"/>
                 </a:rPr>
-                <a:t>highValue</a:t>
-              </a:r>
-              <a:endParaRPr lang="en-US" sz="2000" dirty="0" smtClean="0">
-                <a:latin typeface="Consolas"/>
-                <a:cs typeface="Consolas"/>
-              </a:endParaRPr>
+                <a:t>lowValue</a:t>
+              </a:r>
+              <a:r>
+                <a:rPr lang="en-US" sz="2000" b="0" dirty="0" smtClean="0">
+                  <a:latin typeface="Consolas"/>
+                  <a:cs typeface="Consolas"/>
+                </a:rPr>
+                <a:t>)</a:t>
+              </a:r>
             </a:p>
             <a:p>
               <a:r>
-                <a:rPr lang="en-US" sz="2000" dirty="0">
-                  <a:latin typeface="Consolas"/>
-                  <a:cs typeface="Consolas"/>
-                </a:rPr>
-                <a:t> </a:t>
-              </a:r>
-              <a:r>
-                <a:rPr lang="en-US" sz="2000" dirty="0" smtClean="0">
-                  <a:latin typeface="Consolas"/>
-                  <a:cs typeface="Consolas"/>
-                </a:rPr>
-                <a:t>  </a:t>
+                <a:rPr lang="en-US" sz="2000" b="0" dirty="0">
+                  <a:latin typeface="Consolas"/>
+                  <a:cs typeface="Consolas"/>
+                </a:rPr>
+                <a:t>p</a:t>
               </a:r>
               <a:r>
                 <a:rPr lang="en-US" sz="2000" b="0" dirty="0" smtClean="0">
                   <a:latin typeface="Consolas"/>
                   <a:cs typeface="Consolas"/>
                 </a:rPr>
-                <a:t>print(</a:t>
+                <a:t>rint(</a:t>
               </a:r>
               <a:r>
                 <a:rPr lang="en-US" sz="2000" b="0" dirty="0" err="1" smtClean="0">
                   <a:latin typeface="Consolas"/>
                   <a:cs typeface="Consolas"/>
                 </a:rPr>
-                <a:t>lowValue</a:t>
+                <a:t>highValue</a:t>
               </a:r>
               <a:r>
                 <a:rPr lang="en-US" sz="2000" b="0" dirty="0" smtClean="0">
@@ -11431,6 +11643,214 @@
           </p:txBody>
         </p:sp>
       </p:grpSp>
+      <p:grpSp>
+        <p:nvGrpSpPr>
+          <p:cNvPr id="7" name="Gruppierung 6"/>
+          <p:cNvGrpSpPr/>
+          <p:nvPr/>
+        </p:nvGrpSpPr>
+        <p:grpSpPr>
+          <a:xfrm>
+            <a:off x="4671377" y="2459876"/>
+            <a:ext cx="2863935" cy="1938249"/>
+            <a:chOff x="3140033" y="2153214"/>
+            <a:chExt cx="2863935" cy="1938249"/>
+          </a:xfrm>
+        </p:grpSpPr>
+        <p:sp>
+          <p:nvSpPr>
+            <p:cNvPr id="8" name="Textfeld 7"/>
+            <p:cNvSpPr txBox="1"/>
+            <p:nvPr/>
+          </p:nvSpPr>
+          <p:spPr>
+            <a:xfrm>
+              <a:off x="3210540" y="2460247"/>
+              <a:ext cx="2722921" cy="1631216"/>
+            </a:xfrm>
+            <a:prstGeom prst="rect">
+              <a:avLst/>
+            </a:prstGeom>
+            <a:noFill/>
+            <a:ln>
+              <a:solidFill>
+                <a:srgbClr val="9A9B9C"/>
+              </a:solidFill>
+            </a:ln>
+          </p:spPr>
+          <p:txBody>
+            <a:bodyPr wrap="none" rtlCol="0">
+              <a:spAutoFit/>
+            </a:bodyPr>
+            <a:lstStyle/>
+            <a:p>
+              <a:r>
+                <a:rPr lang="en-US" sz="2000" b="0" dirty="0" err="1" smtClean="0">
+                  <a:latin typeface="Consolas"/>
+                  <a:cs typeface="Consolas"/>
+                </a:rPr>
+                <a:t>lowValue</a:t>
+              </a:r>
+              <a:r>
+                <a:rPr lang="en-US" sz="2000" b="0" i="1" dirty="0" err="1" smtClean="0">
+                  <a:latin typeface="Consolas"/>
+                  <a:cs typeface="Consolas"/>
+                </a:rPr>
+                <a:t>^L</a:t>
+              </a:r>
+              <a:r>
+                <a:rPr lang="en-US" sz="2000" b="0" dirty="0" smtClean="0">
+                  <a:latin typeface="Consolas"/>
+                  <a:cs typeface="Consolas"/>
+                </a:rPr>
+                <a:t> = 42</a:t>
+              </a:r>
+            </a:p>
+            <a:p>
+              <a:r>
+                <a:rPr lang="en-US" sz="2000" b="0" dirty="0" err="1" smtClean="0">
+                  <a:latin typeface="Consolas"/>
+                  <a:cs typeface="Consolas"/>
+                </a:rPr>
+                <a:t>highValue</a:t>
+              </a:r>
+              <a:r>
+                <a:rPr lang="en-US" sz="2000" b="0" i="1" dirty="0" err="1" smtClean="0">
+                  <a:latin typeface="Consolas"/>
+                  <a:cs typeface="Consolas"/>
+                </a:rPr>
+                <a:t>^H</a:t>
+              </a:r>
+              <a:r>
+                <a:rPr lang="en-US" sz="2000" b="0" dirty="0" smtClean="0">
+                  <a:latin typeface="Consolas"/>
+                  <a:cs typeface="Consolas"/>
+                </a:rPr>
+                <a:t> = true</a:t>
+              </a:r>
+            </a:p>
+            <a:p>
+              <a:endParaRPr lang="en-US" sz="2000" b="0" dirty="0">
+                <a:latin typeface="Consolas"/>
+                <a:cs typeface="Consolas"/>
+              </a:endParaRPr>
+            </a:p>
+            <a:p>
+              <a:r>
+                <a:rPr lang="en-US" sz="2000" dirty="0" smtClean="0">
+                  <a:latin typeface="Consolas"/>
+                  <a:cs typeface="Consolas"/>
+                </a:rPr>
+                <a:t>if</a:t>
+              </a:r>
+              <a:r>
+                <a:rPr lang="en-US" sz="2000" b="0" dirty="0" smtClean="0">
+                  <a:latin typeface="Consolas"/>
+                  <a:cs typeface="Consolas"/>
+                </a:rPr>
+                <a:t> </a:t>
+              </a:r>
+              <a:r>
+                <a:rPr lang="en-US" sz="2000" b="0" dirty="0" err="1" smtClean="0">
+                  <a:latin typeface="Consolas"/>
+                  <a:cs typeface="Consolas"/>
+                </a:rPr>
+                <a:t>highValue</a:t>
+              </a:r>
+              <a:endParaRPr lang="en-US" sz="2000" dirty="0" smtClean="0">
+                <a:latin typeface="Consolas"/>
+                <a:cs typeface="Consolas"/>
+              </a:endParaRPr>
+            </a:p>
+            <a:p>
+              <a:r>
+                <a:rPr lang="en-US" sz="2000" dirty="0">
+                  <a:latin typeface="Consolas"/>
+                  <a:cs typeface="Consolas"/>
+                </a:rPr>
+                <a:t> </a:t>
+              </a:r>
+              <a:r>
+                <a:rPr lang="en-US" sz="2000" dirty="0" smtClean="0">
+                  <a:latin typeface="Consolas"/>
+                  <a:cs typeface="Consolas"/>
+                </a:rPr>
+                <a:t>  </a:t>
+              </a:r>
+              <a:r>
+                <a:rPr lang="en-US" sz="2000" b="0" dirty="0" smtClean="0">
+                  <a:latin typeface="Consolas"/>
+                  <a:cs typeface="Consolas"/>
+                </a:rPr>
+                <a:t>print(</a:t>
+              </a:r>
+              <a:r>
+                <a:rPr lang="en-US" sz="2000" b="0" dirty="0" err="1" smtClean="0">
+                  <a:latin typeface="Consolas"/>
+                  <a:cs typeface="Consolas"/>
+                </a:rPr>
+                <a:t>lowValue</a:t>
+              </a:r>
+              <a:r>
+                <a:rPr lang="en-US" sz="2000" b="0" dirty="0" smtClean="0">
+                  <a:latin typeface="Consolas"/>
+                  <a:cs typeface="Consolas"/>
+                </a:rPr>
+                <a:t>)</a:t>
+              </a:r>
+            </a:p>
+          </p:txBody>
+        </p:sp>
+        <p:sp>
+          <p:nvSpPr>
+            <p:cNvPr id="9" name="Textfeld 8"/>
+            <p:cNvSpPr txBox="1"/>
+            <p:nvPr/>
+          </p:nvSpPr>
+          <p:spPr>
+            <a:xfrm>
+              <a:off x="3140033" y="2153214"/>
+              <a:ext cx="2863935" cy="307777"/>
+            </a:xfrm>
+            <a:prstGeom prst="rect">
+              <a:avLst/>
+            </a:prstGeom>
+            <a:noFill/>
+          </p:spPr>
+          <p:txBody>
+            <a:bodyPr wrap="square" rtlCol="0">
+              <a:spAutoFit/>
+            </a:bodyPr>
+            <a:lstStyle/>
+            <a:p>
+              <a:r>
+                <a:rPr lang="en-US" b="0" dirty="0">
+                  <a:solidFill>
+                    <a:srgbClr val="9A9B9C"/>
+                  </a:solidFill>
+                  <a:latin typeface="+mn-lt"/>
+                </a:rPr>
+                <a:t>p</a:t>
+              </a:r>
+              <a:r>
+                <a:rPr lang="en-US" b="0" dirty="0" smtClean="0">
+                  <a:solidFill>
+                    <a:srgbClr val="9A9B9C"/>
+                  </a:solidFill>
+                  <a:latin typeface="+mn-lt"/>
+                </a:rPr>
+                <a:t>seudo-code:</a:t>
+              </a:r>
+              <a:endParaRPr lang="en-US" b="0" dirty="0">
+                <a:solidFill>
+                  <a:srgbClr val="9A9B9C"/>
+                </a:solidFill>
+                <a:latin typeface="+mn-lt"/>
+              </a:endParaRPr>
+            </a:p>
+          </p:txBody>
+        </p:sp>
+      </p:grpSp>
     </p:spTree>
     <p:extLst>
       <p:ext uri="{BB962C8B-B14F-4D97-AF65-F5344CB8AC3E}">
@@ -11444,7 +11864,75 @@
   <p:timing>
     <p:tnLst>
       <p:par>
-        <p:cTn xmlns:p14="http://schemas.microsoft.com/office/powerpoint/2010/main" id="1" dur="indefinite" restart="never" nodeType="tmRoot"/>
+        <p:cTn xmlns:p14="http://schemas.microsoft.com/office/powerpoint/2010/main" id="1" dur="indefinite" restart="never" nodeType="tmRoot">
+          <p:childTnLst>
+            <p:seq concurrent="1" nextAc="seek">
+              <p:cTn id="2" dur="indefinite" nodeType="mainSeq">
+                <p:childTnLst>
+                  <p:par>
+                    <p:cTn id="3" fill="hold">
+                      <p:stCondLst>
+                        <p:cond delay="indefinite"/>
+                      </p:stCondLst>
+                      <p:childTnLst>
+                        <p:par>
+                          <p:cTn id="4" fill="hold">
+                            <p:stCondLst>
+                              <p:cond delay="0"/>
+                            </p:stCondLst>
+                            <p:childTnLst>
+                              <p:par>
+                                <p:cTn id="5" presetID="1" presetClass="entr" presetSubtype="0" fill="hold" nodeType="clickEffect">
+                                  <p:stCondLst>
+                                    <p:cond delay="0"/>
+                                  </p:stCondLst>
+                                  <p:childTnLst>
+                                    <p:set>
+                                      <p:cBhvr>
+                                        <p:cTn id="6" dur="1" fill="hold">
+                                          <p:stCondLst>
+                                            <p:cond delay="0"/>
+                                          </p:stCondLst>
+                                        </p:cTn>
+                                        <p:tgtEl>
+                                          <p:spTgt spid="7"/>
+                                        </p:tgtEl>
+                                        <p:attrNameLst>
+                                          <p:attrName>style.visibility</p:attrName>
+                                        </p:attrNameLst>
+                                      </p:cBhvr>
+                                      <p:to>
+                                        <p:strVal val="visible"/>
+                                      </p:to>
+                                    </p:set>
+                                  </p:childTnLst>
+                                </p:cTn>
+                              </p:par>
+                            </p:childTnLst>
+                          </p:cTn>
+                        </p:par>
+                      </p:childTnLst>
+                    </p:cTn>
+                  </p:par>
+                </p:childTnLst>
+              </p:cTn>
+              <p:prevCondLst>
+                <p:cond evt="onPrev" delay="0">
+                  <p:tgtEl>
+                    <p:sldTgt/>
+                  </p:tgtEl>
+                </p:cond>
+              </p:prevCondLst>
+              <p:nextCondLst>
+                <p:cond evt="onNext" delay="0">
+                  <p:tgtEl>
+                    <p:sldTgt/>
+                  </p:tgtEl>
+                </p:cond>
+              </p:nextCondLst>
+            </p:seq>
+          </p:childTnLst>
+        </p:cTn>
       </p:par>
     </p:tnLst>
   </p:timing>
@@ -11516,8 +12004,12 @@
           </a:p>
           <a:p>
             <a:r>
+              <a:rPr lang="en-US" b="1" dirty="0"/>
+              <a:t>guidelines for “Java-like language </a:t>
+            </a:r>
+            <a:r>
               <a:rPr lang="en-US" b="1" dirty="0" smtClean="0"/>
-              <a:t>theory</a:t>
+              <a:t>constructs“</a:t>
             </a:r>
           </a:p>
           <a:p>
@@ -11548,12 +12040,8 @@
           </a:p>
           <a:p>
             <a:r>
-              <a:rPr lang="en-US" b="1" dirty="0"/>
-              <a:t>a</a:t>
-            </a:r>
-            <a:r>
               <a:rPr lang="en-US" b="1" dirty="0" smtClean="0"/>
-              <a:t>nalysis</a:t>
+              <a:t>Analysis</a:t>
             </a:r>
           </a:p>
           <a:p>
@@ -11567,7 +12055,7 @@
             <a:pPr lvl="1"/>
             <a:r>
               <a:rPr lang="en-US" dirty="0" smtClean="0"/>
-              <a:t>vulnerabilities / missing</a:t>
+              <a:t>missing</a:t>
             </a:r>
           </a:p>
           <a:p>
@@ -11759,15 +12247,23 @@
             </a:r>
           </a:p>
           <a:p>
-            <a:endParaRPr lang="en-US" dirty="0"/>
-          </a:p>
-          <a:p>
+            <a:endParaRPr lang="en-US" dirty="0" smtClean="0"/>
+          </a:p>
+          <a:p>
+            <a:pPr lvl="1"/>
             <a:r>
               <a:rPr lang="en-US" dirty="0" smtClean="0"/>
-              <a:t>(intra-procedural) data flow analysis</a:t>
-            </a:r>
-          </a:p>
-          <a:p>
+              <a:t>supports </a:t>
+            </a:r>
+            <a:r>
+              <a:rPr lang="en-US" dirty="0"/>
+              <a:t>implementing secure programs</a:t>
+            </a:r>
+          </a:p>
+          <a:p>
+            <a:pPr marL="0" indent="0">
+              <a:buNone/>
+            </a:pPr>
             <a:endParaRPr lang="en-US" dirty="0"/>
           </a:p>
           <a:p>
@@ -11777,9 +12273,31 @@
             </a:r>
             <a:r>
               <a:rPr lang="en-US" i="1" dirty="0" smtClean="0"/>
-              <a:t>Security Type</a:t>
+              <a:t>Security Type System</a:t>
             </a:r>
             <a:endParaRPr lang="en-US" dirty="0" smtClean="0"/>
+          </a:p>
+          <a:p>
+            <a:endParaRPr lang="en-US" dirty="0" smtClean="0"/>
+          </a:p>
+          <a:p>
+            <a:r>
+              <a:rPr lang="en-US" dirty="0"/>
+              <a:t>b</a:t>
+            </a:r>
+            <a:r>
+              <a:rPr lang="en-US" dirty="0" smtClean="0"/>
+              <a:t>asis for a </a:t>
+            </a:r>
+            <a:r>
+              <a:rPr lang="en-US" i="1" dirty="0" smtClean="0"/>
+              <a:t>Gradual </a:t>
+            </a:r>
+            <a:r>
+              <a:rPr lang="en-US" i="1" dirty="0" smtClean="0"/>
+              <a:t>Type System</a:t>
+            </a:r>
+            <a:endParaRPr lang="en-US" i="1" dirty="0"/>
           </a:p>
           <a:p>
             <a:endParaRPr lang="en-US" dirty="0"/>
@@ -11845,8 +12363,20 @@
           <a:lstStyle/>
           <a:p>
             <a:r>
-              <a:rPr lang="en-US" dirty="0" err="1" smtClean="0"/>
-              <a:t>THeory</a:t>
+              <a:rPr lang="en-US" dirty="0"/>
+              <a:t>guidelines for </a:t>
+            </a:r>
+            <a:r>
+              <a:rPr lang="en-US" dirty="0" smtClean="0"/>
+              <a:t>“Java</a:t>
+            </a:r>
+            <a:r>
+              <a:rPr lang="en-US" dirty="0"/>
+              <a:t>-like </a:t>
+            </a:r>
+            <a:r>
+              <a:rPr lang="en-US" dirty="0" smtClean="0"/>
+              <a:t>language constructs“</a:t>
             </a:r>
             <a:endParaRPr lang="en-US" dirty="0"/>
           </a:p>
@@ -11908,38 +12438,1577 @@
           <a:chExt cx="0" cy="0"/>
         </a:xfrm>
       </p:grpSpPr>
-      <p:sp>
-        <p:nvSpPr>
-          <p:cNvPr id="2" name="Titel 1"/>
-          <p:cNvSpPr>
-            <a:spLocks noGrp="1"/>
-          </p:cNvSpPr>
-          <p:nvPr>
-            <p:ph type="title"/>
-          </p:nvPr>
-        </p:nvSpPr>
-        <p:spPr>
+      <p:grpSp>
+        <p:nvGrpSpPr>
+          <p:cNvPr id="19" name="Gruppierung 18"/>
+          <p:cNvGrpSpPr/>
+          <p:nvPr/>
+        </p:nvGrpSpPr>
+        <p:grpSpPr>
           <a:xfrm>
-            <a:off x="459751" y="985491"/>
-            <a:ext cx="5019392" cy="504642"/>
+            <a:off x="5143502" y="1223405"/>
+            <a:ext cx="3532189" cy="4153337"/>
+            <a:chOff x="5005348" y="1181714"/>
+            <a:chExt cx="3670342" cy="4153337"/>
           </a:xfrm>
-        </p:spPr>
-        <p:txBody>
-          <a:bodyPr/>
-          <a:lstStyle/>
-          <a:p>
-            <a:r>
-              <a:rPr lang="en-US" dirty="0"/>
-              <a:t>s</a:t>
-            </a:r>
-            <a:r>
-              <a:rPr lang="en-US" dirty="0" smtClean="0"/>
-              <a:t>ecurity level</a:t>
-            </a:r>
-            <a:endParaRPr lang="en-US" dirty="0"/>
-          </a:p>
-        </p:txBody>
-      </p:sp>
+        </p:grpSpPr>
+        <p:sp>
+          <p:nvSpPr>
+            <p:cNvPr id="20" name="Textfeld 19"/>
+            <p:cNvSpPr txBox="1"/>
+            <p:nvPr/>
+          </p:nvSpPr>
+          <p:spPr>
+            <a:xfrm>
+              <a:off x="5005348" y="1549399"/>
+              <a:ext cx="3670341" cy="3785652"/>
+            </a:xfrm>
+            <a:prstGeom prst="rect">
+              <a:avLst/>
+            </a:prstGeom>
+            <a:solidFill>
+              <a:srgbClr val="FFFFFF"/>
+            </a:solidFill>
+            <a:ln>
+              <a:solidFill>
+                <a:srgbClr val="9A9B9C"/>
+              </a:solidFill>
+            </a:ln>
+          </p:spPr>
+          <p:txBody>
+            <a:bodyPr wrap="square" rtlCol="0">
+              <a:spAutoFit/>
+            </a:bodyPr>
+            <a:lstStyle/>
+            <a:p>
+              <a:r>
+                <a:rPr lang="en-US" sz="1600" dirty="0" smtClean="0">
+                  <a:latin typeface="Consolas"/>
+                  <a:cs typeface="Consolas"/>
+                </a:rPr>
+                <a:t>class</a:t>
+              </a:r>
+              <a:r>
+                <a:rPr lang="en-US" sz="1600" b="0" dirty="0" smtClean="0">
+                  <a:latin typeface="Consolas"/>
+                  <a:cs typeface="Consolas"/>
+                </a:rPr>
+                <a:t> A {</a:t>
+              </a:r>
+            </a:p>
+            <a:p>
+              <a:r>
+                <a:rPr lang="en-US" sz="1600" b="0" dirty="0" smtClean="0">
+                  <a:solidFill>
+                    <a:srgbClr val="999999"/>
+                  </a:solidFill>
+                  <a:latin typeface="Consolas"/>
+                  <a:cs typeface="Consolas"/>
+                </a:rPr>
+                <a:t>  </a:t>
+              </a:r>
+            </a:p>
+            <a:p>
+              <a:r>
+                <a:rPr lang="en-US" sz="1600" b="0" dirty="0">
+                  <a:solidFill>
+                    <a:srgbClr val="999999"/>
+                  </a:solidFill>
+                  <a:latin typeface="Consolas"/>
+                  <a:cs typeface="Consolas"/>
+                </a:rPr>
+                <a:t> </a:t>
+              </a:r>
+              <a:r>
+                <a:rPr lang="en-US" sz="1600" b="0" dirty="0" smtClean="0">
+                  <a:solidFill>
+                    <a:srgbClr val="999999"/>
+                  </a:solidFill>
+                  <a:latin typeface="Consolas"/>
+                  <a:cs typeface="Consolas"/>
+                </a:rPr>
+                <a:t> </a:t>
+              </a:r>
+              <a:r>
+                <a:rPr lang="en-US" sz="1600" b="0" dirty="0" smtClean="0">
+                  <a:solidFill>
+                    <a:schemeClr val="tx1">
+                      <a:lumMod val="50000"/>
+                      <a:lumOff val="50000"/>
+                    </a:schemeClr>
+                  </a:solidFill>
+                  <a:latin typeface="Consolas"/>
+                  <a:cs typeface="Consolas"/>
+                </a:rPr>
+                <a:t>/</a:t>
+              </a:r>
+              <a:r>
+                <a:rPr lang="en-US" sz="1600" b="0" dirty="0">
+                  <a:solidFill>
+                    <a:schemeClr val="tx1">
+                      <a:lumMod val="50000"/>
+                      <a:lumOff val="50000"/>
+                    </a:schemeClr>
+                  </a:solidFill>
+                  <a:latin typeface="Consolas"/>
+                  <a:cs typeface="Consolas"/>
+                </a:rPr>
+                <a:t>/ </a:t>
+              </a:r>
+              <a:r>
+                <a:rPr lang="en-US" sz="1600" b="0" dirty="0" smtClean="0">
+                  <a:solidFill>
+                    <a:schemeClr val="tx1">
+                      <a:lumMod val="50000"/>
+                      <a:lumOff val="50000"/>
+                    </a:schemeClr>
+                  </a:solidFill>
+                  <a:latin typeface="Consolas"/>
+                  <a:cs typeface="Consolas"/>
+                </a:rPr>
+                <a:t>constant</a:t>
+              </a:r>
+              <a:endParaRPr lang="en-US" sz="1600" b="0" dirty="0">
+                <a:solidFill>
+                  <a:schemeClr val="tx1">
+                    <a:lumMod val="50000"/>
+                    <a:lumOff val="50000"/>
+                  </a:schemeClr>
+                </a:solidFill>
+                <a:latin typeface="Consolas"/>
+                <a:cs typeface="Consolas"/>
+              </a:endParaRPr>
+            </a:p>
+            <a:p>
+              <a:r>
+                <a:rPr lang="en-US" sz="1600" b="0" dirty="0">
+                  <a:solidFill>
+                    <a:srgbClr val="333333"/>
+                  </a:solidFill>
+                  <a:latin typeface="Consolas"/>
+                  <a:cs typeface="Consolas"/>
+                </a:rPr>
+                <a:t>  </a:t>
+              </a:r>
+              <a:r>
+                <a:rPr lang="en-US" sz="1600" b="0" dirty="0" err="1">
+                  <a:solidFill>
+                    <a:srgbClr val="333333"/>
+                  </a:solidFill>
+                  <a:latin typeface="Consolas"/>
+                  <a:cs typeface="Consolas"/>
+                </a:rPr>
+                <a:t>field</a:t>
+              </a:r>
+              <a:r>
+                <a:rPr lang="en-US" sz="1600" b="0" i="1" dirty="0" err="1">
+                  <a:solidFill>
+                    <a:srgbClr val="333333"/>
+                  </a:solidFill>
+                  <a:latin typeface="Consolas"/>
+                  <a:cs typeface="Consolas"/>
+                </a:rPr>
+                <a:t>^L</a:t>
+              </a:r>
+              <a:r>
+                <a:rPr lang="en-US" sz="1600" b="0" dirty="0">
+                  <a:solidFill>
+                    <a:srgbClr val="333333"/>
+                  </a:solidFill>
+                  <a:latin typeface="Consolas"/>
+                  <a:cs typeface="Consolas"/>
+                </a:rPr>
+                <a:t> = </a:t>
+              </a:r>
+              <a:r>
+                <a:rPr lang="en-US" sz="1600" b="0" dirty="0" smtClean="0">
+                  <a:solidFill>
+                    <a:srgbClr val="333333"/>
+                  </a:solidFill>
+                  <a:latin typeface="Consolas"/>
+                  <a:cs typeface="Consolas"/>
+                </a:rPr>
+                <a:t>42</a:t>
+              </a:r>
+            </a:p>
+            <a:p>
+              <a:r>
+                <a:rPr lang="en-US" sz="1600" b="0" dirty="0">
+                  <a:solidFill>
+                    <a:srgbClr val="333333"/>
+                  </a:solidFill>
+                  <a:latin typeface="Consolas"/>
+                  <a:cs typeface="Consolas"/>
+                </a:rPr>
+                <a:t> </a:t>
+              </a:r>
+              <a:r>
+                <a:rPr lang="en-US" sz="1600" b="0" dirty="0" smtClean="0">
+                  <a:solidFill>
+                    <a:srgbClr val="333333"/>
+                  </a:solidFill>
+                  <a:latin typeface="Consolas"/>
+                  <a:cs typeface="Consolas"/>
+                </a:rPr>
+                <a:t> </a:t>
+              </a:r>
+              <a:r>
+                <a:rPr lang="en-US" sz="1600" b="0" dirty="0" smtClean="0">
+                  <a:solidFill>
+                    <a:srgbClr val="999999"/>
+                  </a:solidFill>
+                  <a:latin typeface="Consolas"/>
+                  <a:cs typeface="Consolas"/>
+                </a:rPr>
+                <a:t>// </a:t>
+              </a:r>
+              <a:r>
+                <a:rPr lang="en-US" sz="1600" b="0" dirty="0" smtClean="0">
+                  <a:solidFill>
+                    <a:srgbClr val="999999"/>
+                  </a:solidFill>
+                  <a:latin typeface="Consolas"/>
+                  <a:cs typeface="Consolas"/>
+                  <a:sym typeface="Wingdings"/>
+                </a:rPr>
+                <a:t>--&gt; </a:t>
+              </a:r>
+              <a:r>
+                <a:rPr lang="en-US" sz="1600" b="0" i="1" dirty="0" smtClean="0">
+                  <a:solidFill>
+                    <a:srgbClr val="999999"/>
+                  </a:solidFill>
+                  <a:latin typeface="Consolas"/>
+                  <a:cs typeface="Consolas"/>
+                  <a:sym typeface="Wingdings"/>
+                </a:rPr>
+                <a:t>^L</a:t>
+              </a:r>
+              <a:endParaRPr lang="en-US" sz="1600" b="0" i="1" dirty="0" smtClean="0">
+                <a:solidFill>
+                  <a:srgbClr val="999999"/>
+                </a:solidFill>
+                <a:latin typeface="Consolas"/>
+                <a:cs typeface="Consolas"/>
+              </a:endParaRPr>
+            </a:p>
+            <a:p>
+              <a:endParaRPr lang="en-US" sz="1600" b="0" i="1" dirty="0" smtClean="0">
+                <a:solidFill>
+                  <a:schemeClr val="tx1">
+                    <a:lumMod val="50000"/>
+                    <a:lumOff val="50000"/>
+                  </a:schemeClr>
+                </a:solidFill>
+                <a:latin typeface="Consolas"/>
+                <a:cs typeface="Consolas"/>
+              </a:endParaRPr>
+            </a:p>
+            <a:p>
+              <a:r>
+                <a:rPr lang="en-US" sz="1600" b="0" dirty="0" smtClean="0">
+                  <a:latin typeface="Consolas"/>
+                  <a:cs typeface="Consolas"/>
+                </a:rPr>
+                <a:t>  method()</a:t>
+              </a:r>
+              <a:r>
+                <a:rPr lang="en-US" sz="1600" b="0" i="1" dirty="0" smtClean="0">
+                  <a:latin typeface="Consolas"/>
+                  <a:cs typeface="Consolas"/>
+                </a:rPr>
+                <a:t>^H</a:t>
+              </a:r>
+              <a:r>
+                <a:rPr lang="en-US" sz="1600" b="0" dirty="0" smtClean="0">
+                  <a:latin typeface="Consolas"/>
+                  <a:cs typeface="Consolas"/>
+                </a:rPr>
+                <a:t> {</a:t>
+              </a:r>
+              <a:endParaRPr lang="en-US" sz="1600" b="0" dirty="0" smtClean="0">
+                <a:solidFill>
+                  <a:schemeClr val="tx1">
+                    <a:lumMod val="50000"/>
+                    <a:lumOff val="50000"/>
+                  </a:schemeClr>
+                </a:solidFill>
+                <a:latin typeface="Consolas"/>
+                <a:cs typeface="Consolas"/>
+              </a:endParaRPr>
+            </a:p>
+            <a:p>
+              <a:r>
+                <a:rPr lang="en-US" sz="1600" b="0" dirty="0" smtClean="0">
+                  <a:solidFill>
+                    <a:srgbClr val="333333"/>
+                  </a:solidFill>
+                  <a:latin typeface="Consolas"/>
+                  <a:cs typeface="Consolas"/>
+                </a:rPr>
+                <a:t>    ...	</a:t>
+              </a:r>
+            </a:p>
+            <a:p>
+              <a:endParaRPr lang="en-US" sz="1600" b="0" dirty="0" smtClean="0">
+                <a:solidFill>
+                  <a:srgbClr val="333333"/>
+                </a:solidFill>
+                <a:latin typeface="Consolas"/>
+                <a:cs typeface="Consolas"/>
+              </a:endParaRPr>
+            </a:p>
+            <a:p>
+              <a:r>
+                <a:rPr lang="en-US" sz="1600" b="0" dirty="0" smtClean="0">
+                  <a:solidFill>
+                    <a:srgbClr val="333333"/>
+                  </a:solidFill>
+                  <a:latin typeface="Consolas"/>
+                  <a:cs typeface="Consolas"/>
+                </a:rPr>
+                <a:t>    </a:t>
+              </a:r>
+              <a:r>
+                <a:rPr lang="en-US" sz="1600" b="0" dirty="0" smtClean="0">
+                  <a:solidFill>
+                    <a:srgbClr val="999999"/>
+                  </a:solidFill>
+                  <a:latin typeface="Consolas"/>
+                  <a:cs typeface="Consolas"/>
+                </a:rPr>
+                <a:t>// expression</a:t>
+              </a:r>
+              <a:endParaRPr lang="en-US" sz="1600" b="0" dirty="0">
+                <a:solidFill>
+                  <a:srgbClr val="999999"/>
+                </a:solidFill>
+                <a:latin typeface="Consolas"/>
+                <a:cs typeface="Consolas"/>
+              </a:endParaRPr>
+            </a:p>
+            <a:p>
+              <a:r>
+                <a:rPr lang="en-US" sz="1600" b="0" dirty="0" smtClean="0">
+                  <a:solidFill>
+                    <a:srgbClr val="333333"/>
+                  </a:solidFill>
+                  <a:latin typeface="Consolas"/>
+                  <a:cs typeface="Consolas"/>
+                </a:rPr>
+                <a:t>    </a:t>
+              </a:r>
+              <a:r>
+                <a:rPr lang="en-US" sz="1600" b="0" dirty="0" err="1" smtClean="0">
+                  <a:solidFill>
+                    <a:srgbClr val="333333"/>
+                  </a:solidFill>
+                  <a:latin typeface="Consolas"/>
+                  <a:cs typeface="Consolas"/>
+                </a:rPr>
+                <a:t>local</a:t>
+              </a:r>
+              <a:r>
+                <a:rPr lang="en-US" sz="1600" b="0" i="1" dirty="0" err="1">
+                  <a:solidFill>
+                    <a:srgbClr val="333333"/>
+                  </a:solidFill>
+                  <a:latin typeface="Consolas"/>
+                  <a:cs typeface="Consolas"/>
+                </a:rPr>
+                <a:t>^H</a:t>
+              </a:r>
+              <a:r>
+                <a:rPr lang="en-US" sz="1600" b="0" dirty="0">
+                  <a:solidFill>
+                    <a:srgbClr val="333333"/>
+                  </a:solidFill>
+                  <a:latin typeface="Consolas"/>
+                  <a:cs typeface="Consolas"/>
+                </a:rPr>
+                <a:t> = </a:t>
+              </a:r>
+              <a:r>
+                <a:rPr lang="en-US" sz="1600" b="0" dirty="0" smtClean="0">
+                  <a:solidFill>
+                    <a:srgbClr val="333333"/>
+                  </a:solidFill>
+                  <a:latin typeface="Consolas"/>
+                  <a:cs typeface="Consolas"/>
+                </a:rPr>
+                <a:t>42 + </a:t>
+              </a:r>
+              <a:r>
+                <a:rPr lang="en-US" sz="1600" b="0" dirty="0" err="1" smtClean="0">
+                  <a:solidFill>
+                    <a:srgbClr val="333333"/>
+                  </a:solidFill>
+                  <a:latin typeface="Consolas"/>
+                  <a:cs typeface="Consolas"/>
+                </a:rPr>
+                <a:t>high</a:t>
+              </a:r>
+              <a:r>
+                <a:rPr lang="en-US" sz="1600" b="0" i="1" dirty="0" err="1" smtClean="0">
+                  <a:solidFill>
+                    <a:srgbClr val="333333"/>
+                  </a:solidFill>
+                  <a:latin typeface="Consolas"/>
+                  <a:cs typeface="Consolas"/>
+                </a:rPr>
+                <a:t>^H</a:t>
+              </a:r>
+              <a:endParaRPr lang="en-US" sz="1600" b="0" i="1" dirty="0" smtClean="0">
+                <a:solidFill>
+                  <a:srgbClr val="333333"/>
+                </a:solidFill>
+                <a:latin typeface="Consolas"/>
+                <a:cs typeface="Consolas"/>
+              </a:endParaRPr>
+            </a:p>
+            <a:p>
+              <a:r>
+                <a:rPr lang="en-US" sz="1600" b="0" i="1" dirty="0">
+                  <a:solidFill>
+                    <a:srgbClr val="333333"/>
+                  </a:solidFill>
+                  <a:latin typeface="Consolas"/>
+                  <a:cs typeface="Consolas"/>
+                </a:rPr>
+                <a:t> </a:t>
+              </a:r>
+              <a:r>
+                <a:rPr lang="en-US" sz="1600" b="0" i="1" dirty="0" smtClean="0">
+                  <a:solidFill>
+                    <a:srgbClr val="333333"/>
+                  </a:solidFill>
+                  <a:latin typeface="Consolas"/>
+                  <a:cs typeface="Consolas"/>
+                </a:rPr>
+                <a:t>   </a:t>
+              </a:r>
+              <a:r>
+                <a:rPr lang="en-US" sz="1600" b="0" i="1" dirty="0" smtClean="0">
+                  <a:solidFill>
+                    <a:schemeClr val="tx1">
+                      <a:lumMod val="50000"/>
+                      <a:lumOff val="50000"/>
+                    </a:schemeClr>
+                  </a:solidFill>
+                  <a:latin typeface="Consolas"/>
+                  <a:cs typeface="Consolas"/>
+                </a:rPr>
+                <a:t>// --&gt; ^H</a:t>
+              </a:r>
+              <a:endParaRPr lang="en-US" sz="1600" b="0" i="1" dirty="0">
+                <a:solidFill>
+                  <a:schemeClr val="tx1">
+                    <a:lumMod val="50000"/>
+                    <a:lumOff val="50000"/>
+                  </a:schemeClr>
+                </a:solidFill>
+                <a:latin typeface="Consolas"/>
+                <a:cs typeface="Consolas"/>
+              </a:endParaRPr>
+            </a:p>
+            <a:p>
+              <a:r>
+                <a:rPr lang="en-US" sz="1600" b="0" dirty="0" smtClean="0">
+                  <a:solidFill>
+                    <a:srgbClr val="333333"/>
+                  </a:solidFill>
+                  <a:latin typeface="Consolas"/>
+                  <a:cs typeface="Consolas"/>
+                </a:rPr>
+                <a:t>  }</a:t>
+              </a:r>
+            </a:p>
+            <a:p>
+              <a:endParaRPr lang="en-US" sz="1600" b="0" dirty="0" smtClean="0">
+                <a:solidFill>
+                  <a:srgbClr val="333333"/>
+                </a:solidFill>
+                <a:latin typeface="Consolas"/>
+                <a:cs typeface="Consolas"/>
+              </a:endParaRPr>
+            </a:p>
+            <a:p>
+              <a:r>
+                <a:rPr lang="en-US" sz="1600" b="0" dirty="0" smtClean="0">
+                  <a:solidFill>
+                    <a:srgbClr val="333333"/>
+                  </a:solidFill>
+                  <a:latin typeface="Consolas"/>
+                  <a:cs typeface="Consolas"/>
+                </a:rPr>
+                <a:t>}</a:t>
+              </a:r>
+            </a:p>
+          </p:txBody>
+        </p:sp>
+        <p:sp>
+          <p:nvSpPr>
+            <p:cNvPr id="21" name="Textfeld 20"/>
+            <p:cNvSpPr txBox="1"/>
+            <p:nvPr/>
+          </p:nvSpPr>
+          <p:spPr>
+            <a:xfrm>
+              <a:off x="5005349" y="1181714"/>
+              <a:ext cx="3670341" cy="307777"/>
+            </a:xfrm>
+            <a:prstGeom prst="rect">
+              <a:avLst/>
+            </a:prstGeom>
+            <a:solidFill>
+              <a:srgbClr val="FFFFFF"/>
+            </a:solidFill>
+          </p:spPr>
+          <p:txBody>
+            <a:bodyPr wrap="square" rtlCol="0" anchor="b" anchorCtr="0">
+              <a:spAutoFit/>
+            </a:bodyPr>
+            <a:lstStyle/>
+            <a:p>
+              <a:r>
+                <a:rPr lang="en-US" b="0" dirty="0">
+                  <a:solidFill>
+                    <a:srgbClr val="9A9B9C"/>
+                  </a:solidFill>
+                  <a:latin typeface="+mn-lt"/>
+                </a:rPr>
+                <a:t>p</a:t>
+              </a:r>
+              <a:r>
+                <a:rPr lang="en-US" b="0" dirty="0" smtClean="0">
+                  <a:solidFill>
+                    <a:srgbClr val="9A9B9C"/>
+                  </a:solidFill>
+                  <a:latin typeface="+mn-lt"/>
+                </a:rPr>
+                <a:t>seudo-code for constants &amp; expressions:</a:t>
+              </a:r>
+              <a:endParaRPr lang="en-US" b="0" dirty="0">
+                <a:solidFill>
+                  <a:srgbClr val="9A9B9C"/>
+                </a:solidFill>
+                <a:latin typeface="+mn-lt"/>
+              </a:endParaRPr>
+            </a:p>
+          </p:txBody>
+        </p:sp>
+      </p:grpSp>
+      <p:grpSp>
+        <p:nvGrpSpPr>
+          <p:cNvPr id="22" name="Gruppierung 21"/>
+          <p:cNvGrpSpPr/>
+          <p:nvPr/>
+        </p:nvGrpSpPr>
+        <p:grpSpPr>
+          <a:xfrm>
+            <a:off x="5143499" y="1223405"/>
+            <a:ext cx="3532189" cy="3414673"/>
+            <a:chOff x="5005348" y="1181714"/>
+            <a:chExt cx="3670342" cy="3414673"/>
+          </a:xfrm>
+          <a:solidFill>
+            <a:schemeClr val="bg1"/>
+          </a:solidFill>
+        </p:grpSpPr>
+        <p:sp>
+          <p:nvSpPr>
+            <p:cNvPr id="23" name="Textfeld 22"/>
+            <p:cNvSpPr txBox="1"/>
+            <p:nvPr/>
+          </p:nvSpPr>
+          <p:spPr>
+            <a:xfrm>
+              <a:off x="5005348" y="1549399"/>
+              <a:ext cx="3670341" cy="3046988"/>
+            </a:xfrm>
+            <a:prstGeom prst="rect">
+              <a:avLst/>
+            </a:prstGeom>
+            <a:grpFill/>
+            <a:ln>
+              <a:solidFill>
+                <a:srgbClr val="9A9B9C"/>
+              </a:solidFill>
+            </a:ln>
+          </p:spPr>
+          <p:txBody>
+            <a:bodyPr wrap="square" rtlCol="0">
+              <a:spAutoFit/>
+            </a:bodyPr>
+            <a:lstStyle/>
+            <a:p>
+              <a:r>
+                <a:rPr lang="en-US" sz="1600" dirty="0" smtClean="0">
+                  <a:latin typeface="Consolas"/>
+                  <a:cs typeface="Consolas"/>
+                </a:rPr>
+                <a:t>class</a:t>
+              </a:r>
+              <a:r>
+                <a:rPr lang="en-US" sz="1600" b="0" dirty="0" smtClean="0">
+                  <a:latin typeface="Consolas"/>
+                  <a:cs typeface="Consolas"/>
+                </a:rPr>
+                <a:t> A {</a:t>
+              </a:r>
+            </a:p>
+            <a:p>
+              <a:r>
+                <a:rPr lang="en-US" sz="1600" b="0" dirty="0" smtClean="0">
+                  <a:solidFill>
+                    <a:srgbClr val="999999"/>
+                  </a:solidFill>
+                  <a:latin typeface="Consolas"/>
+                  <a:cs typeface="Consolas"/>
+                </a:rPr>
+                <a:t>  </a:t>
+              </a:r>
+            </a:p>
+            <a:p>
+              <a:r>
+                <a:rPr lang="en-US" sz="1600" b="0" dirty="0">
+                  <a:solidFill>
+                    <a:srgbClr val="999999"/>
+                  </a:solidFill>
+                  <a:latin typeface="Consolas"/>
+                  <a:cs typeface="Consolas"/>
+                </a:rPr>
+                <a:t> </a:t>
+              </a:r>
+              <a:r>
+                <a:rPr lang="en-US" sz="1600" b="0" dirty="0" smtClean="0">
+                  <a:solidFill>
+                    <a:srgbClr val="999999"/>
+                  </a:solidFill>
+                  <a:latin typeface="Consolas"/>
+                  <a:cs typeface="Consolas"/>
+                </a:rPr>
+                <a:t> /</a:t>
+              </a:r>
+              <a:r>
+                <a:rPr lang="en-US" sz="1600" b="0" dirty="0" smtClean="0">
+                  <a:solidFill>
+                    <a:schemeClr val="tx1">
+                      <a:lumMod val="50000"/>
+                      <a:lumOff val="50000"/>
+                    </a:schemeClr>
+                  </a:solidFill>
+                  <a:latin typeface="Consolas"/>
+                  <a:cs typeface="Consolas"/>
+                </a:rPr>
+                <a:t>/ method</a:t>
+              </a:r>
+            </a:p>
+            <a:p>
+              <a:r>
+                <a:rPr lang="en-US" sz="1600" b="0" dirty="0" smtClean="0">
+                  <a:latin typeface="Consolas"/>
+                  <a:cs typeface="Consolas"/>
+                </a:rPr>
+                <a:t>  </a:t>
+              </a:r>
+              <a:r>
+                <a:rPr lang="en-US" sz="1600" b="0" dirty="0">
+                  <a:latin typeface="Consolas"/>
+                  <a:cs typeface="Consolas"/>
+                </a:rPr>
+                <a:t>method</a:t>
+              </a:r>
+              <a:r>
+                <a:rPr lang="en-US" sz="1600" b="0" dirty="0" smtClean="0">
+                  <a:latin typeface="Consolas"/>
+                  <a:cs typeface="Consolas"/>
+                </a:rPr>
+                <a:t>(a1</a:t>
+              </a:r>
+              <a:r>
+                <a:rPr lang="en-US" sz="1600" b="0" i="1" dirty="0">
+                  <a:latin typeface="Consolas"/>
+                  <a:cs typeface="Consolas"/>
+                </a:rPr>
+                <a:t>^L</a:t>
+              </a:r>
+              <a:r>
+                <a:rPr lang="en-US" sz="1600" b="0" dirty="0">
+                  <a:latin typeface="Consolas"/>
+                  <a:cs typeface="Consolas"/>
+                </a:rPr>
+                <a:t>, </a:t>
+              </a:r>
+              <a:r>
+                <a:rPr lang="en-US" sz="1600" b="0" dirty="0" smtClean="0">
+                  <a:latin typeface="Consolas"/>
+                  <a:cs typeface="Consolas"/>
+                </a:rPr>
+                <a:t>a2</a:t>
+              </a:r>
+              <a:r>
+                <a:rPr lang="en-US" sz="1600" b="0" i="1" dirty="0">
+                  <a:latin typeface="Consolas"/>
+                  <a:cs typeface="Consolas"/>
+                </a:rPr>
+                <a:t>^H</a:t>
+              </a:r>
+              <a:r>
+                <a:rPr lang="en-US" sz="1600" b="0" dirty="0" smtClean="0">
+                  <a:latin typeface="Consolas"/>
+                  <a:cs typeface="Consolas"/>
+                </a:rPr>
+                <a:t>)</a:t>
+              </a:r>
+              <a:r>
+                <a:rPr lang="en-US" sz="1600" b="0" i="1" dirty="0" smtClean="0">
+                  <a:latin typeface="Consolas"/>
+                  <a:cs typeface="Consolas"/>
+                </a:rPr>
+                <a:t>^H</a:t>
+              </a:r>
+              <a:r>
+                <a:rPr lang="en-US" sz="1600" b="0" dirty="0" smtClean="0">
+                  <a:latin typeface="Consolas"/>
+                  <a:cs typeface="Consolas"/>
+                </a:rPr>
+                <a:t> {</a:t>
+              </a:r>
+              <a:endParaRPr lang="en-US" sz="1600" b="0" dirty="0" smtClean="0">
+                <a:solidFill>
+                  <a:schemeClr val="tx1">
+                    <a:lumMod val="50000"/>
+                    <a:lumOff val="50000"/>
+                  </a:schemeClr>
+                </a:solidFill>
+                <a:latin typeface="Consolas"/>
+                <a:cs typeface="Consolas"/>
+              </a:endParaRPr>
+            </a:p>
+            <a:p>
+              <a:r>
+                <a:rPr lang="en-US" sz="1600" b="0" dirty="0" smtClean="0">
+                  <a:solidFill>
+                    <a:srgbClr val="333333"/>
+                  </a:solidFill>
+                  <a:latin typeface="Consolas"/>
+                  <a:cs typeface="Consolas"/>
+                </a:rPr>
+                <a:t>    ...	</a:t>
+              </a:r>
+              <a:endParaRPr lang="en-US" sz="1600" b="0" dirty="0">
+                <a:solidFill>
+                  <a:srgbClr val="333333"/>
+                </a:solidFill>
+                <a:latin typeface="Consolas"/>
+                <a:cs typeface="Consolas"/>
+              </a:endParaRPr>
+            </a:p>
+            <a:p>
+              <a:r>
+                <a:rPr lang="en-US" sz="1600" b="0" dirty="0">
+                  <a:solidFill>
+                    <a:srgbClr val="333333"/>
+                  </a:solidFill>
+                  <a:latin typeface="Consolas"/>
+                  <a:cs typeface="Consolas"/>
+                </a:rPr>
+                <a:t>   </a:t>
+              </a:r>
+              <a:r>
+                <a:rPr lang="en-US" sz="1600" b="0" dirty="0" smtClean="0">
+                  <a:solidFill>
+                    <a:srgbClr val="333333"/>
+                  </a:solidFill>
+                  <a:latin typeface="Consolas"/>
+                  <a:cs typeface="Consolas"/>
+                </a:rPr>
+                <a:t> </a:t>
+              </a:r>
+              <a:r>
+                <a:rPr lang="en-US" sz="1600" dirty="0" smtClean="0">
+                  <a:solidFill>
+                    <a:srgbClr val="333333"/>
+                  </a:solidFill>
+                  <a:latin typeface="Consolas"/>
+                  <a:cs typeface="Consolas"/>
+                </a:rPr>
+                <a:t>return</a:t>
+              </a:r>
+              <a:r>
+                <a:rPr lang="en-US" sz="1600" b="0" dirty="0" smtClean="0">
+                  <a:solidFill>
+                    <a:srgbClr val="333333"/>
+                  </a:solidFill>
+                  <a:latin typeface="Consolas"/>
+                  <a:cs typeface="Consolas"/>
+                </a:rPr>
+                <a:t> </a:t>
+              </a:r>
+              <a:r>
+                <a:rPr lang="en-US" sz="1600" b="0" dirty="0">
+                  <a:solidFill>
+                    <a:srgbClr val="333333"/>
+                  </a:solidFill>
+                  <a:latin typeface="Consolas"/>
+                  <a:cs typeface="Consolas"/>
+                </a:rPr>
+                <a:t>p1</a:t>
+              </a:r>
+              <a:r>
+                <a:rPr lang="en-US" sz="1600" b="0" i="1" dirty="0">
+                  <a:solidFill>
+                    <a:srgbClr val="333333"/>
+                  </a:solidFill>
+                  <a:latin typeface="Consolas"/>
+                  <a:cs typeface="Consolas"/>
+                </a:rPr>
+                <a:t>^</a:t>
+              </a:r>
+              <a:r>
+                <a:rPr lang="en-US" sz="1600" b="0" i="1" dirty="0" smtClean="0">
+                  <a:solidFill>
+                    <a:srgbClr val="333333"/>
+                  </a:solidFill>
+                  <a:latin typeface="Consolas"/>
+                  <a:cs typeface="Consolas"/>
+                </a:rPr>
+                <a:t>L</a:t>
+              </a:r>
+            </a:p>
+            <a:p>
+              <a:r>
+                <a:rPr lang="en-US" sz="1600" b="0" i="1" dirty="0" smtClean="0">
+                  <a:solidFill>
+                    <a:srgbClr val="333333"/>
+                  </a:solidFill>
+                  <a:latin typeface="Consolas"/>
+                  <a:cs typeface="Consolas"/>
+                </a:rPr>
+                <a:t>  </a:t>
+              </a:r>
+              <a:r>
+                <a:rPr lang="en-US" sz="1600" b="0" dirty="0" smtClean="0">
+                  <a:solidFill>
+                    <a:srgbClr val="333333"/>
+                  </a:solidFill>
+                  <a:latin typeface="Consolas"/>
+                  <a:cs typeface="Consolas"/>
+                </a:rPr>
+                <a:t>}</a:t>
+              </a:r>
+              <a:endParaRPr lang="en-US" sz="1600" b="0" dirty="0">
+                <a:solidFill>
+                  <a:srgbClr val="333333"/>
+                </a:solidFill>
+                <a:latin typeface="Consolas"/>
+                <a:cs typeface="Consolas"/>
+              </a:endParaRPr>
+            </a:p>
+            <a:p>
+              <a:endParaRPr lang="en-US" sz="1600" b="0" dirty="0">
+                <a:solidFill>
+                  <a:srgbClr val="333333"/>
+                </a:solidFill>
+                <a:latin typeface="Consolas"/>
+                <a:cs typeface="Consolas"/>
+              </a:endParaRPr>
+            </a:p>
+            <a:p>
+              <a:r>
+                <a:rPr lang="en-US" sz="1600" b="0" dirty="0" smtClean="0">
+                  <a:solidFill>
+                    <a:srgbClr val="333333"/>
+                  </a:solidFill>
+                  <a:latin typeface="Consolas"/>
+                  <a:cs typeface="Consolas"/>
+                </a:rPr>
+                <a:t>  </a:t>
+              </a:r>
+              <a:r>
+                <a:rPr lang="en-US" sz="1600" b="0" dirty="0" err="1" smtClean="0">
+                  <a:solidFill>
+                    <a:srgbClr val="333333"/>
+                  </a:solidFill>
+                  <a:latin typeface="Consolas"/>
+                  <a:cs typeface="Consolas"/>
+                </a:rPr>
+                <a:t>field</a:t>
+              </a:r>
+              <a:r>
+                <a:rPr lang="en-US" sz="1600" b="0" i="1" dirty="0" err="1">
+                  <a:solidFill>
+                    <a:srgbClr val="333333"/>
+                  </a:solidFill>
+                  <a:latin typeface="Consolas"/>
+                  <a:cs typeface="Consolas"/>
+                </a:rPr>
+                <a:t>^H</a:t>
+              </a:r>
+              <a:r>
+                <a:rPr lang="en-US" sz="1600" b="0" dirty="0">
+                  <a:solidFill>
+                    <a:srgbClr val="333333"/>
+                  </a:solidFill>
+                  <a:latin typeface="Consolas"/>
+                  <a:cs typeface="Consolas"/>
+                </a:rPr>
+                <a:t> = meth(</a:t>
+              </a:r>
+              <a:r>
+                <a:rPr lang="en-US" sz="1600" b="0" dirty="0" err="1">
+                  <a:solidFill>
+                    <a:srgbClr val="333333"/>
+                  </a:solidFill>
+                  <a:latin typeface="Consolas"/>
+                  <a:cs typeface="Consolas"/>
+                </a:rPr>
+                <a:t>v</a:t>
+              </a:r>
+              <a:r>
+                <a:rPr lang="en-US" sz="1600" b="0" i="1" dirty="0" err="1">
+                  <a:solidFill>
+                    <a:srgbClr val="333333"/>
+                  </a:solidFill>
+                  <a:latin typeface="Consolas"/>
+                  <a:cs typeface="Consolas"/>
+                </a:rPr>
+                <a:t>^L</a:t>
+              </a:r>
+              <a:r>
+                <a:rPr lang="en-US" sz="1600" b="0" dirty="0">
+                  <a:solidFill>
+                    <a:srgbClr val="333333"/>
+                  </a:solidFill>
+                  <a:latin typeface="Consolas"/>
+                  <a:cs typeface="Consolas"/>
+                </a:rPr>
+                <a:t>, </a:t>
+              </a:r>
+              <a:r>
+                <a:rPr lang="en-US" sz="1600" b="0" dirty="0" err="1">
+                  <a:solidFill>
+                    <a:srgbClr val="333333"/>
+                  </a:solidFill>
+                  <a:latin typeface="Consolas"/>
+                  <a:cs typeface="Consolas"/>
+                </a:rPr>
+                <a:t>v</a:t>
+              </a:r>
+              <a:r>
+                <a:rPr lang="en-US" sz="1600" b="0" i="1" dirty="0" err="1">
+                  <a:solidFill>
+                    <a:srgbClr val="333333"/>
+                  </a:solidFill>
+                  <a:latin typeface="Consolas"/>
+                  <a:cs typeface="Consolas"/>
+                </a:rPr>
+                <a:t>^L</a:t>
+              </a:r>
+              <a:r>
+                <a:rPr lang="en-US" sz="1600" b="0" dirty="0">
+                  <a:solidFill>
+                    <a:srgbClr val="333333"/>
+                  </a:solidFill>
+                  <a:latin typeface="Consolas"/>
+                  <a:cs typeface="Consolas"/>
+                </a:rPr>
+                <a:t>)</a:t>
+              </a:r>
+            </a:p>
+            <a:p>
+              <a:r>
+                <a:rPr lang="en-US" sz="1600" b="0" dirty="0" smtClean="0">
+                  <a:solidFill>
+                    <a:schemeClr val="tx1">
+                      <a:lumMod val="50000"/>
+                      <a:lumOff val="50000"/>
+                    </a:schemeClr>
+                  </a:solidFill>
+                  <a:latin typeface="Consolas"/>
+                  <a:cs typeface="Consolas"/>
+                </a:rPr>
+                <a:t>  /</a:t>
+              </a:r>
+              <a:r>
+                <a:rPr lang="en-US" sz="1600" b="0" dirty="0">
+                  <a:solidFill>
+                    <a:schemeClr val="tx1">
+                      <a:lumMod val="50000"/>
+                      <a:lumOff val="50000"/>
+                    </a:schemeClr>
+                  </a:solidFill>
+                  <a:latin typeface="Consolas"/>
+                  <a:cs typeface="Consolas"/>
+                </a:rPr>
+                <a:t>/ --&gt; </a:t>
+              </a:r>
+              <a:r>
+                <a:rPr lang="en-US" sz="1600" b="0" i="1" dirty="0">
+                  <a:solidFill>
+                    <a:schemeClr val="tx1">
+                      <a:lumMod val="50000"/>
+                      <a:lumOff val="50000"/>
+                    </a:schemeClr>
+                  </a:solidFill>
+                  <a:latin typeface="Consolas"/>
+                  <a:cs typeface="Consolas"/>
+                </a:rPr>
+                <a:t>^H</a:t>
+              </a:r>
+            </a:p>
+            <a:p>
+              <a:endParaRPr lang="en-US" sz="1600" b="0" dirty="0" smtClean="0">
+                <a:solidFill>
+                  <a:srgbClr val="333333"/>
+                </a:solidFill>
+                <a:latin typeface="Consolas"/>
+                <a:cs typeface="Consolas"/>
+              </a:endParaRPr>
+            </a:p>
+            <a:p>
+              <a:r>
+                <a:rPr lang="en-US" sz="1600" b="0" dirty="0" smtClean="0">
+                  <a:solidFill>
+                    <a:srgbClr val="333333"/>
+                  </a:solidFill>
+                  <a:latin typeface="Consolas"/>
+                  <a:cs typeface="Consolas"/>
+                </a:rPr>
+                <a:t>}</a:t>
+              </a:r>
+            </a:p>
+          </p:txBody>
+        </p:sp>
+        <p:sp>
+          <p:nvSpPr>
+            <p:cNvPr id="24" name="Textfeld 23"/>
+            <p:cNvSpPr txBox="1"/>
+            <p:nvPr/>
+          </p:nvSpPr>
+          <p:spPr>
+            <a:xfrm>
+              <a:off x="5005349" y="1181714"/>
+              <a:ext cx="3670341" cy="307777"/>
+            </a:xfrm>
+            <a:prstGeom prst="rect">
+              <a:avLst/>
+            </a:prstGeom>
+            <a:grpFill/>
+          </p:spPr>
+          <p:txBody>
+            <a:bodyPr wrap="square" rtlCol="0" anchor="b" anchorCtr="0">
+              <a:spAutoFit/>
+            </a:bodyPr>
+            <a:lstStyle/>
+            <a:p>
+              <a:r>
+                <a:rPr lang="en-US" b="0" dirty="0">
+                  <a:solidFill>
+                    <a:srgbClr val="9A9B9C"/>
+                  </a:solidFill>
+                  <a:latin typeface="+mn-lt"/>
+                </a:rPr>
+                <a:t>p</a:t>
+              </a:r>
+              <a:r>
+                <a:rPr lang="en-US" b="0" dirty="0" smtClean="0">
+                  <a:solidFill>
+                    <a:srgbClr val="9A9B9C"/>
+                  </a:solidFill>
+                  <a:latin typeface="+mn-lt"/>
+                </a:rPr>
+                <a:t>seudo-code for methods:</a:t>
+              </a:r>
+              <a:endParaRPr lang="en-US" b="0" dirty="0">
+                <a:solidFill>
+                  <a:srgbClr val="9A9B9C"/>
+                </a:solidFill>
+                <a:latin typeface="+mn-lt"/>
+              </a:endParaRPr>
+            </a:p>
+          </p:txBody>
+        </p:sp>
+      </p:grpSp>
+      <p:grpSp>
+        <p:nvGrpSpPr>
+          <p:cNvPr id="3" name="Gruppierung 2"/>
+          <p:cNvGrpSpPr/>
+          <p:nvPr/>
+        </p:nvGrpSpPr>
+        <p:grpSpPr>
+          <a:xfrm>
+            <a:off x="5143499" y="1223405"/>
+            <a:ext cx="3532188" cy="4153337"/>
+            <a:chOff x="5005349" y="1181714"/>
+            <a:chExt cx="3670341" cy="4153337"/>
+          </a:xfrm>
+          <a:solidFill>
+            <a:srgbClr val="FFFFFF"/>
+          </a:solidFill>
+        </p:grpSpPr>
+        <p:sp>
+          <p:nvSpPr>
+            <p:cNvPr id="8" name="Textfeld 7"/>
+            <p:cNvSpPr txBox="1"/>
+            <p:nvPr/>
+          </p:nvSpPr>
+          <p:spPr>
+            <a:xfrm>
+              <a:off x="5005349" y="1549399"/>
+              <a:ext cx="3670341" cy="3785652"/>
+            </a:xfrm>
+            <a:prstGeom prst="rect">
+              <a:avLst/>
+            </a:prstGeom>
+            <a:solidFill>
+              <a:srgbClr val="FFFFFF"/>
+            </a:solidFill>
+            <a:ln>
+              <a:solidFill>
+                <a:srgbClr val="9A9B9C"/>
+              </a:solidFill>
+            </a:ln>
+          </p:spPr>
+          <p:txBody>
+            <a:bodyPr wrap="square" rtlCol="0">
+              <a:spAutoFit/>
+            </a:bodyPr>
+            <a:lstStyle/>
+            <a:p>
+              <a:r>
+                <a:rPr lang="en-US" sz="1600" dirty="0" smtClean="0">
+                  <a:latin typeface="Consolas"/>
+                  <a:cs typeface="Consolas"/>
+                </a:rPr>
+                <a:t>class </a:t>
+              </a:r>
+              <a:r>
+                <a:rPr lang="en-US" sz="1600" b="0" dirty="0">
+                  <a:latin typeface="Consolas"/>
+                  <a:cs typeface="Consolas"/>
+                </a:rPr>
+                <a:t>A</a:t>
+              </a:r>
+              <a:r>
+                <a:rPr lang="en-US" sz="1600" dirty="0" smtClean="0">
+                  <a:latin typeface="Consolas"/>
+                  <a:cs typeface="Consolas"/>
+                </a:rPr>
+                <a:t> </a:t>
+              </a:r>
+              <a:r>
+                <a:rPr lang="en-US" sz="1600" b="0" dirty="0" smtClean="0">
+                  <a:latin typeface="Consolas"/>
+                  <a:cs typeface="Consolas"/>
+                </a:rPr>
+                <a:t>{</a:t>
+              </a:r>
+            </a:p>
+            <a:p>
+              <a:r>
+                <a:rPr lang="en-US" sz="1600" b="0" dirty="0" smtClean="0">
+                  <a:solidFill>
+                    <a:srgbClr val="999999"/>
+                  </a:solidFill>
+                  <a:latin typeface="Consolas"/>
+                  <a:cs typeface="Consolas"/>
+                </a:rPr>
+                <a:t> </a:t>
+              </a:r>
+            </a:p>
+            <a:p>
+              <a:r>
+                <a:rPr lang="en-US" sz="1600" b="0" dirty="0" smtClean="0">
+                  <a:solidFill>
+                    <a:schemeClr val="tx1">
+                      <a:lumMod val="50000"/>
+                      <a:lumOff val="50000"/>
+                    </a:schemeClr>
+                  </a:solidFill>
+                  <a:latin typeface="Consolas"/>
+                  <a:cs typeface="Consolas"/>
+                </a:rPr>
+                <a:t>  // field</a:t>
+              </a:r>
+            </a:p>
+            <a:p>
+              <a:r>
+                <a:rPr lang="en-US" sz="1600" b="0" dirty="0" smtClean="0">
+                  <a:solidFill>
+                    <a:srgbClr val="333333"/>
+                  </a:solidFill>
+                  <a:latin typeface="Consolas"/>
+                  <a:cs typeface="Consolas"/>
+                </a:rPr>
+                <a:t>  </a:t>
+              </a:r>
+              <a:r>
+                <a:rPr lang="en-US" sz="1600" b="0" dirty="0" err="1" smtClean="0">
+                  <a:solidFill>
+                    <a:srgbClr val="333333"/>
+                  </a:solidFill>
+                  <a:latin typeface="Consolas"/>
+                  <a:cs typeface="Consolas"/>
+                </a:rPr>
+                <a:t>field</a:t>
+              </a:r>
+              <a:r>
+                <a:rPr lang="en-US" sz="1600" b="0" i="1" dirty="0" err="1" smtClean="0">
+                  <a:solidFill>
+                    <a:srgbClr val="333333"/>
+                  </a:solidFill>
+                  <a:latin typeface="Consolas"/>
+                  <a:cs typeface="Consolas"/>
+                </a:rPr>
+                <a:t>^L</a:t>
+              </a:r>
+              <a:r>
+                <a:rPr lang="en-US" sz="1600" b="0" dirty="0" smtClean="0">
+                  <a:solidFill>
+                    <a:srgbClr val="333333"/>
+                  </a:solidFill>
+                  <a:latin typeface="Consolas"/>
+                  <a:cs typeface="Consolas"/>
+                </a:rPr>
+                <a:t> = 42   </a:t>
+              </a:r>
+              <a:r>
+                <a:rPr lang="en-US" sz="1600" b="0" dirty="0" smtClean="0">
+                  <a:solidFill>
+                    <a:schemeClr val="tx1">
+                      <a:lumMod val="50000"/>
+                      <a:lumOff val="50000"/>
+                    </a:schemeClr>
+                  </a:solidFill>
+                  <a:latin typeface="Consolas"/>
+                  <a:cs typeface="Consolas"/>
+                </a:rPr>
+                <a:t>// --&gt; </a:t>
+              </a:r>
+              <a:r>
+                <a:rPr lang="en-US" sz="1600" b="0" i="1" dirty="0" smtClean="0">
+                  <a:solidFill>
+                    <a:schemeClr val="tx1">
+                      <a:lumMod val="50000"/>
+                      <a:lumOff val="50000"/>
+                    </a:schemeClr>
+                  </a:solidFill>
+                  <a:latin typeface="Consolas"/>
+                  <a:cs typeface="Consolas"/>
+                </a:rPr>
+                <a:t>^L</a:t>
+              </a:r>
+            </a:p>
+            <a:p>
+              <a:endParaRPr lang="en-US" sz="1600" b="0" i="1" dirty="0" smtClean="0">
+                <a:solidFill>
+                  <a:schemeClr val="tx1">
+                    <a:lumMod val="50000"/>
+                    <a:lumOff val="50000"/>
+                  </a:schemeClr>
+                </a:solidFill>
+                <a:latin typeface="Consolas"/>
+                <a:cs typeface="Consolas"/>
+              </a:endParaRPr>
+            </a:p>
+            <a:p>
+              <a:r>
+                <a:rPr lang="en-US" sz="1600" b="0" dirty="0" smtClean="0">
+                  <a:solidFill>
+                    <a:schemeClr val="tx1">
+                      <a:lumMod val="50000"/>
+                      <a:lumOff val="50000"/>
+                    </a:schemeClr>
+                  </a:solidFill>
+                  <a:latin typeface="Consolas"/>
+                  <a:cs typeface="Consolas"/>
+                </a:rPr>
+                <a:t>  // method</a:t>
+              </a:r>
+            </a:p>
+            <a:p>
+              <a:r>
+                <a:rPr lang="en-US" sz="1600" b="0" dirty="0" smtClean="0">
+                  <a:latin typeface="Consolas"/>
+                  <a:cs typeface="Consolas"/>
+                </a:rPr>
+                <a:t>  method()</a:t>
+              </a:r>
+              <a:r>
+                <a:rPr lang="en-US" sz="1600" b="0" i="1" dirty="0" smtClean="0">
+                  <a:latin typeface="Consolas"/>
+                  <a:cs typeface="Consolas"/>
+                </a:rPr>
+                <a:t>^H</a:t>
+              </a:r>
+              <a:r>
+                <a:rPr lang="en-US" sz="1600" b="0" dirty="0" smtClean="0">
+                  <a:latin typeface="Consolas"/>
+                  <a:cs typeface="Consolas"/>
+                </a:rPr>
+                <a:t> {   </a:t>
+              </a:r>
+              <a:r>
+                <a:rPr lang="en-US" sz="1600" b="0" dirty="0" smtClean="0">
+                  <a:solidFill>
+                    <a:schemeClr val="tx1">
+                      <a:lumMod val="50000"/>
+                      <a:lumOff val="50000"/>
+                    </a:schemeClr>
+                  </a:solidFill>
+                  <a:latin typeface="Consolas"/>
+                  <a:cs typeface="Consolas"/>
+                </a:rPr>
+                <a:t>// return</a:t>
+              </a:r>
+            </a:p>
+            <a:p>
+              <a:r>
+                <a:rPr lang="en-US" sz="1600" b="0" dirty="0" smtClean="0">
+                  <a:solidFill>
+                    <a:srgbClr val="333333"/>
+                  </a:solidFill>
+                  <a:latin typeface="Consolas"/>
+                  <a:cs typeface="Consolas"/>
+                </a:rPr>
+                <a:t>    ...	         </a:t>
+              </a:r>
+              <a:r>
+                <a:rPr lang="en-US" sz="1600" b="0" dirty="0" smtClean="0">
+                  <a:solidFill>
+                    <a:schemeClr val="tx1">
+                      <a:lumMod val="50000"/>
+                      <a:lumOff val="50000"/>
+                    </a:schemeClr>
+                  </a:solidFill>
+                  <a:latin typeface="Consolas"/>
+                  <a:cs typeface="Consolas"/>
+                </a:rPr>
+                <a:t>// --&gt; </a:t>
+              </a:r>
+              <a:r>
+                <a:rPr lang="en-US" sz="1600" b="0" i="1" dirty="0" smtClean="0">
+                  <a:solidFill>
+                    <a:schemeClr val="tx1">
+                      <a:lumMod val="50000"/>
+                      <a:lumOff val="50000"/>
+                    </a:schemeClr>
+                  </a:solidFill>
+                  <a:latin typeface="Consolas"/>
+                  <a:cs typeface="Consolas"/>
+                </a:rPr>
+                <a:t>^H</a:t>
+              </a:r>
+            </a:p>
+            <a:p>
+              <a:endParaRPr lang="en-US" sz="1600" b="0" dirty="0">
+                <a:solidFill>
+                  <a:srgbClr val="333333"/>
+                </a:solidFill>
+                <a:latin typeface="Consolas"/>
+                <a:cs typeface="Consolas"/>
+              </a:endParaRPr>
+            </a:p>
+            <a:p>
+              <a:r>
+                <a:rPr lang="en-US" sz="1600" b="0" dirty="0" smtClean="0">
+                  <a:solidFill>
+                    <a:srgbClr val="333333"/>
+                  </a:solidFill>
+                  <a:latin typeface="Consolas"/>
+                  <a:cs typeface="Consolas"/>
+                </a:rPr>
+                <a:t>    </a:t>
+              </a:r>
+              <a:r>
+                <a:rPr lang="en-US" sz="1600" b="0" dirty="0">
+                  <a:solidFill>
+                    <a:srgbClr val="999999"/>
+                  </a:solidFill>
+                  <a:latin typeface="Consolas"/>
+                  <a:cs typeface="Consolas"/>
+                </a:rPr>
+                <a:t>// local</a:t>
+              </a:r>
+            </a:p>
+            <a:p>
+              <a:r>
+                <a:rPr lang="en-US" sz="1600" b="0" dirty="0" smtClean="0">
+                  <a:solidFill>
+                    <a:srgbClr val="333333"/>
+                  </a:solidFill>
+                  <a:latin typeface="Consolas"/>
+                  <a:cs typeface="Consolas"/>
+                </a:rPr>
+                <a:t>    </a:t>
+              </a:r>
+              <a:r>
+                <a:rPr lang="en-US" sz="1600" b="0" dirty="0" err="1" smtClean="0">
+                  <a:solidFill>
+                    <a:srgbClr val="333333"/>
+                  </a:solidFill>
+                  <a:latin typeface="Consolas"/>
+                  <a:cs typeface="Consolas"/>
+                </a:rPr>
+                <a:t>local</a:t>
+              </a:r>
+              <a:r>
+                <a:rPr lang="en-US" sz="1600" b="0" i="1" dirty="0" err="1">
+                  <a:solidFill>
+                    <a:srgbClr val="333333"/>
+                  </a:solidFill>
+                  <a:latin typeface="Consolas"/>
+                  <a:cs typeface="Consolas"/>
+                </a:rPr>
+                <a:t>^H</a:t>
+              </a:r>
+              <a:r>
+                <a:rPr lang="en-US" sz="1600" b="0" dirty="0">
+                  <a:solidFill>
+                    <a:srgbClr val="333333"/>
+                  </a:solidFill>
+                  <a:latin typeface="Consolas"/>
+                  <a:cs typeface="Consolas"/>
+                </a:rPr>
+                <a:t> = </a:t>
+              </a:r>
+              <a:r>
+                <a:rPr lang="en-US" sz="1600" b="0" dirty="0" smtClean="0">
+                  <a:solidFill>
+                    <a:srgbClr val="333333"/>
+                  </a:solidFill>
+                  <a:latin typeface="Consolas"/>
+                  <a:cs typeface="Consolas"/>
+                </a:rPr>
+                <a:t>42 </a:t>
+              </a:r>
+              <a:r>
+                <a:rPr lang="en-US" sz="1600" b="0" dirty="0" smtClean="0">
+                  <a:solidFill>
+                    <a:srgbClr val="999999"/>
+                  </a:solidFill>
+                  <a:latin typeface="Consolas"/>
+                  <a:cs typeface="Consolas"/>
+                </a:rPr>
+                <a:t>/</a:t>
+              </a:r>
+              <a:r>
+                <a:rPr lang="en-US" sz="1600" b="0" dirty="0">
+                  <a:solidFill>
+                    <a:srgbClr val="999999"/>
+                  </a:solidFill>
+                  <a:latin typeface="Consolas"/>
+                  <a:cs typeface="Consolas"/>
+                </a:rPr>
+                <a:t>/ --&gt; </a:t>
+              </a:r>
+              <a:r>
+                <a:rPr lang="en-US" sz="1600" b="0" i="1" dirty="0">
+                  <a:solidFill>
+                    <a:srgbClr val="999999"/>
+                  </a:solidFill>
+                  <a:latin typeface="Consolas"/>
+                  <a:cs typeface="Consolas"/>
+                </a:rPr>
+                <a:t>^H</a:t>
+              </a:r>
+            </a:p>
+            <a:p>
+              <a:endParaRPr lang="en-US" sz="1600" b="0" dirty="0">
+                <a:solidFill>
+                  <a:srgbClr val="333333"/>
+                </a:solidFill>
+                <a:latin typeface="Consolas"/>
+                <a:cs typeface="Consolas"/>
+              </a:endParaRPr>
+            </a:p>
+            <a:p>
+              <a:r>
+                <a:rPr lang="en-US" sz="1600" b="0" dirty="0" smtClean="0">
+                  <a:solidFill>
+                    <a:srgbClr val="333333"/>
+                  </a:solidFill>
+                  <a:latin typeface="Consolas"/>
+                  <a:cs typeface="Consolas"/>
+                </a:rPr>
+                <a:t>  }</a:t>
+              </a:r>
+            </a:p>
+            <a:p>
+              <a:endParaRPr lang="en-US" sz="1600" b="0" dirty="0" smtClean="0">
+                <a:solidFill>
+                  <a:srgbClr val="333333"/>
+                </a:solidFill>
+                <a:latin typeface="Consolas"/>
+                <a:cs typeface="Consolas"/>
+              </a:endParaRPr>
+            </a:p>
+            <a:p>
+              <a:r>
+                <a:rPr lang="en-US" sz="1600" b="0" dirty="0" smtClean="0">
+                  <a:solidFill>
+                    <a:srgbClr val="333333"/>
+                  </a:solidFill>
+                  <a:latin typeface="Consolas"/>
+                  <a:cs typeface="Consolas"/>
+                </a:rPr>
+                <a:t>}</a:t>
+              </a:r>
+            </a:p>
+          </p:txBody>
+        </p:sp>
+        <p:sp>
+          <p:nvSpPr>
+            <p:cNvPr id="9" name="Textfeld 8"/>
+            <p:cNvSpPr txBox="1"/>
+            <p:nvPr/>
+          </p:nvSpPr>
+          <p:spPr>
+            <a:xfrm>
+              <a:off x="5005349" y="1181714"/>
+              <a:ext cx="3670341" cy="307777"/>
+            </a:xfrm>
+            <a:prstGeom prst="rect">
+              <a:avLst/>
+            </a:prstGeom>
+            <a:grpFill/>
+          </p:spPr>
+          <p:txBody>
+            <a:bodyPr wrap="square" rtlCol="0" anchor="b" anchorCtr="0">
+              <a:spAutoFit/>
+            </a:bodyPr>
+            <a:lstStyle/>
+            <a:p>
+              <a:r>
+                <a:rPr lang="en-US" b="0" dirty="0">
+                  <a:solidFill>
+                    <a:srgbClr val="9A9B9C"/>
+                  </a:solidFill>
+                  <a:latin typeface="+mn-lt"/>
+                </a:rPr>
+                <a:t>p</a:t>
+              </a:r>
+              <a:r>
+                <a:rPr lang="en-US" b="0" dirty="0" smtClean="0">
+                  <a:solidFill>
+                    <a:srgbClr val="9A9B9C"/>
+                  </a:solidFill>
+                  <a:latin typeface="+mn-lt"/>
+                </a:rPr>
+                <a:t>seudo-code for fields, methods, locals:</a:t>
+              </a:r>
+              <a:endParaRPr lang="en-US" b="0" dirty="0">
+                <a:solidFill>
+                  <a:srgbClr val="9A9B9C"/>
+                </a:solidFill>
+                <a:latin typeface="+mn-lt"/>
+              </a:endParaRPr>
+            </a:p>
+          </p:txBody>
+        </p:sp>
+      </p:grpSp>
       <p:sp>
         <p:nvSpPr>
           <p:cNvPr id="5" name="Textplatzhalter 4"/>
@@ -11953,12 +14022,282 @@
         <p:spPr>
           <a:xfrm>
             <a:off x="457199" y="1549400"/>
-            <a:ext cx="5203372" cy="4576763"/>
+            <a:ext cx="4686303" cy="4576763"/>
           </a:xfrm>
         </p:spPr>
         <p:txBody>
           <a:bodyPr/>
           <a:lstStyle/>
+          <a:p>
+            <a:pPr marL="357188" indent="-357188">
+              <a:buClr>
+                <a:srgbClr val="5781BD"/>
+              </a:buClr>
+              <a:buFont typeface="Lucida Grande"/>
+              <a:buChar char="►"/>
+            </a:pPr>
+            <a:r>
+              <a:rPr lang="en-US" sz="2000" dirty="0">
+                <a:solidFill>
+                  <a:srgbClr val="333333"/>
+                </a:solidFill>
+              </a:rPr>
+              <a:t>locals, fields, methods</a:t>
+            </a:r>
+            <a:br>
+              <a:rPr lang="en-US" sz="2000" dirty="0">
+                <a:solidFill>
+                  <a:srgbClr val="333333"/>
+                </a:solidFill>
+              </a:rPr>
+            </a:br>
+            <a:r>
+              <a:rPr lang="en-US" sz="1600" dirty="0">
+                <a:solidFill>
+                  <a:srgbClr val="333333"/>
+                </a:solidFill>
+                <a:sym typeface="Wingdings"/>
+              </a:rPr>
+              <a:t> </a:t>
+            </a:r>
+            <a:r>
+              <a:rPr lang="en-US" sz="1600" dirty="0">
+                <a:solidFill>
+                  <a:srgbClr val="004A99"/>
+                </a:solidFill>
+                <a:sym typeface="Wingdings"/>
+              </a:rPr>
+              <a:t>security level </a:t>
+            </a:r>
+            <a:r>
+              <a:rPr lang="en-US" sz="1600" dirty="0" smtClean="0">
+                <a:solidFill>
+                  <a:srgbClr val="333333"/>
+                </a:solidFill>
+                <a:sym typeface="Wingdings"/>
+              </a:rPr>
+              <a:t>definable</a:t>
+            </a:r>
+          </a:p>
+          <a:p>
+            <a:pPr>
+              <a:buClr>
+                <a:srgbClr val="5781BD"/>
+              </a:buClr>
+            </a:pPr>
+            <a:endParaRPr lang="en-US" sz="1600" dirty="0">
+              <a:solidFill>
+                <a:srgbClr val="333333"/>
+              </a:solidFill>
+            </a:endParaRPr>
+          </a:p>
+          <a:p>
+            <a:pPr marL="814388" lvl="1" indent="-357188">
+              <a:buClr>
+                <a:srgbClr val="5781BD"/>
+              </a:buClr>
+              <a:buFont typeface="Lucida Grande"/>
+              <a:buChar char="►"/>
+            </a:pPr>
+            <a:r>
+              <a:rPr lang="en-US" sz="1800" dirty="0">
+                <a:solidFill>
+                  <a:srgbClr val="333333"/>
+                </a:solidFill>
+              </a:rPr>
+              <a:t>m</a:t>
+            </a:r>
+            <a:r>
+              <a:rPr lang="en-US" sz="1800" dirty="0" smtClean="0">
+                <a:solidFill>
+                  <a:srgbClr val="333333"/>
+                </a:solidFill>
+              </a:rPr>
+              <a:t>ethod parameter</a:t>
+            </a:r>
+            <a:r>
+              <a:rPr lang="en-US" sz="1800" dirty="0">
+                <a:solidFill>
+                  <a:srgbClr val="333333"/>
+                </a:solidFill>
+              </a:rPr>
+              <a:t/>
+            </a:r>
+            <a:br>
+              <a:rPr lang="en-US" sz="1800" dirty="0">
+                <a:solidFill>
+                  <a:srgbClr val="333333"/>
+                </a:solidFill>
+              </a:rPr>
+            </a:br>
+            <a:r>
+              <a:rPr lang="en-US" sz="1600" dirty="0">
+                <a:solidFill>
+                  <a:srgbClr val="333333"/>
+                </a:solidFill>
+                <a:sym typeface="Wingdings"/>
+              </a:rPr>
+              <a:t> </a:t>
+            </a:r>
+            <a:r>
+              <a:rPr lang="en-US" sz="1600" dirty="0" smtClean="0">
+                <a:solidFill>
+                  <a:srgbClr val="333333"/>
+                </a:solidFill>
+                <a:sym typeface="Wingdings"/>
+              </a:rPr>
+              <a:t>argument level &lt;</a:t>
+            </a:r>
+            <a:r>
+              <a:rPr lang="en-US" sz="1600" dirty="0">
+                <a:solidFill>
+                  <a:srgbClr val="333333"/>
+                </a:solidFill>
+                <a:sym typeface="Wingdings"/>
+              </a:rPr>
+              <a:t>= parameter </a:t>
+            </a:r>
+            <a:r>
+              <a:rPr lang="en-US" sz="1600" dirty="0" smtClean="0">
+                <a:solidFill>
+                  <a:srgbClr val="333333"/>
+                </a:solidFill>
+                <a:sym typeface="Wingdings"/>
+              </a:rPr>
+              <a:t>level</a:t>
+            </a:r>
+          </a:p>
+          <a:p>
+            <a:pPr marL="814388" lvl="1" indent="-357188">
+              <a:buClr>
+                <a:srgbClr val="5781BD"/>
+              </a:buClr>
+              <a:buFont typeface="Lucida Grande"/>
+              <a:buChar char="►"/>
+            </a:pPr>
+            <a:endParaRPr lang="en-US" sz="1800" dirty="0">
+              <a:solidFill>
+                <a:srgbClr val="333333"/>
+              </a:solidFill>
+            </a:endParaRPr>
+          </a:p>
+          <a:p>
+            <a:pPr marL="814388" lvl="1" indent="-357188">
+              <a:buClr>
+                <a:srgbClr val="5781BD"/>
+              </a:buClr>
+              <a:buFont typeface="Lucida Grande"/>
+              <a:buChar char="►"/>
+            </a:pPr>
+            <a:r>
+              <a:rPr lang="en-US" sz="1800" dirty="0" smtClean="0">
+                <a:solidFill>
+                  <a:srgbClr val="333333"/>
+                </a:solidFill>
+              </a:rPr>
+              <a:t>return </a:t>
+            </a:r>
+            <a:r>
+              <a:rPr lang="en-US" sz="1800" dirty="0">
+                <a:solidFill>
+                  <a:srgbClr val="333333"/>
+                </a:solidFill>
+              </a:rPr>
+              <a:t>statement</a:t>
+            </a:r>
+            <a:br>
+              <a:rPr lang="en-US" sz="1800" dirty="0">
+                <a:solidFill>
+                  <a:srgbClr val="333333"/>
+                </a:solidFill>
+              </a:rPr>
+            </a:br>
+            <a:r>
+              <a:rPr lang="en-US" sz="1600" dirty="0">
+                <a:solidFill>
+                  <a:srgbClr val="333333"/>
+                </a:solidFill>
+                <a:sym typeface="Wingdings"/>
+              </a:rPr>
+              <a:t>  </a:t>
+            </a:r>
+            <a:r>
+              <a:rPr lang="en-US" sz="1600" dirty="0">
+                <a:solidFill>
+                  <a:srgbClr val="004A99"/>
+                </a:solidFill>
+                <a:sym typeface="Wingdings"/>
+              </a:rPr>
+              <a:t>security level</a:t>
+            </a:r>
+            <a:r>
+              <a:rPr lang="en-US" sz="1600" dirty="0">
+                <a:solidFill>
+                  <a:srgbClr val="333333"/>
+                </a:solidFill>
+                <a:sym typeface="Wingdings"/>
+              </a:rPr>
+              <a:t> of returned value </a:t>
+            </a:r>
+            <a:br>
+              <a:rPr lang="en-US" sz="1600" dirty="0">
+                <a:solidFill>
+                  <a:srgbClr val="333333"/>
+                </a:solidFill>
+                <a:sym typeface="Wingdings"/>
+              </a:rPr>
+            </a:br>
+            <a:r>
+              <a:rPr lang="en-US" sz="1600" dirty="0">
+                <a:solidFill>
+                  <a:srgbClr val="333333"/>
+                </a:solidFill>
+                <a:sym typeface="Wingdings"/>
+              </a:rPr>
+              <a:t>	   </a:t>
+            </a:r>
+            <a:r>
+              <a:rPr lang="en-US" sz="1600" dirty="0" smtClean="0">
+                <a:solidFill>
+                  <a:srgbClr val="333333"/>
+                </a:solidFill>
+                <a:sym typeface="Wingdings"/>
+              </a:rPr>
+              <a:t> &lt;</a:t>
+            </a:r>
+            <a:r>
+              <a:rPr lang="en-US" sz="1600" dirty="0">
+                <a:solidFill>
+                  <a:srgbClr val="333333"/>
+                </a:solidFill>
+                <a:sym typeface="Wingdings"/>
+              </a:rPr>
+              <a:t>= specified return </a:t>
+            </a:r>
+            <a:r>
+              <a:rPr lang="en-US" sz="1600" dirty="0" smtClean="0">
+                <a:sym typeface="Wingdings"/>
+              </a:rPr>
+              <a:t>level</a:t>
+            </a:r>
+            <a:endParaRPr lang="en-US" sz="1800" dirty="0" smtClean="0">
+              <a:solidFill>
+                <a:srgbClr val="333333"/>
+              </a:solidFill>
+            </a:endParaRPr>
+          </a:p>
+          <a:p>
+            <a:pPr lvl="0">
+              <a:buClr>
+                <a:srgbClr val="5781BD"/>
+              </a:buClr>
+            </a:pPr>
+            <a:endParaRPr lang="en-US" sz="2000" dirty="0">
+              <a:solidFill>
+                <a:srgbClr val="333333"/>
+              </a:solidFill>
+            </a:endParaRPr>
+          </a:p>
           <a:p>
             <a:pPr marL="357188" lvl="0" indent="-357188">
               <a:buClr>
@@ -11968,20 +14307,12 @@
               <a:buChar char="►"/>
             </a:pPr>
             <a:r>
-              <a:rPr lang="en-US" sz="2000" dirty="0">
+              <a:rPr lang="en-US" sz="2000" dirty="0" smtClean="0">
                 <a:solidFill>
                   <a:srgbClr val="333333"/>
                 </a:solidFill>
               </a:rPr>
-              <a:t>c</a:t>
-            </a:r>
-            <a:r>
-              <a:rPr lang="en-US" sz="2000" dirty="0" smtClean="0">
-                <a:solidFill>
-                  <a:srgbClr val="333333"/>
-                </a:solidFill>
-              </a:rPr>
-              <a:t>onstants</a:t>
+              <a:t>constants</a:t>
             </a:r>
             <a:br>
               <a:rPr lang="en-US" sz="2000" dirty="0" smtClean="0">
@@ -12109,242 +14440,7 @@
               <a:buFont typeface="Lucida Grande"/>
               <a:buChar char="►"/>
             </a:pPr>
-            <a:r>
-              <a:rPr lang="en-US" sz="2000" dirty="0">
-                <a:solidFill>
-                  <a:srgbClr val="333333"/>
-                </a:solidFill>
-              </a:rPr>
-              <a:t>l</a:t>
-            </a:r>
-            <a:r>
-              <a:rPr lang="en-US" sz="2000" dirty="0" smtClean="0">
-                <a:solidFill>
-                  <a:srgbClr val="333333"/>
-                </a:solidFill>
-              </a:rPr>
-              <a:t>ocals, fields, methods</a:t>
-            </a:r>
-            <a:br>
-              <a:rPr lang="en-US" sz="2000" dirty="0" smtClean="0">
-                <a:solidFill>
-                  <a:srgbClr val="333333"/>
-                </a:solidFill>
-              </a:rPr>
-            </a:br>
-            <a:r>
-              <a:rPr lang="en-US" sz="1600" dirty="0" smtClean="0">
-                <a:solidFill>
-                  <a:srgbClr val="333333"/>
-                </a:solidFill>
-                <a:sym typeface="Wingdings"/>
-              </a:rPr>
-              <a:t> </a:t>
-            </a:r>
-            <a:r>
-              <a:rPr lang="en-US" sz="1600" dirty="0" smtClean="0">
-                <a:solidFill>
-                  <a:srgbClr val="004A99"/>
-                </a:solidFill>
-                <a:sym typeface="Wingdings"/>
-              </a:rPr>
-              <a:t>security </a:t>
-            </a:r>
-            <a:r>
-              <a:rPr lang="en-US" sz="1600" dirty="0">
-                <a:solidFill>
-                  <a:srgbClr val="004A99"/>
-                </a:solidFill>
-                <a:sym typeface="Wingdings"/>
-              </a:rPr>
-              <a:t>level </a:t>
-            </a:r>
-            <a:r>
-              <a:rPr lang="en-US" sz="1600" dirty="0">
-                <a:solidFill>
-                  <a:srgbClr val="333333"/>
-                </a:solidFill>
-                <a:sym typeface="Wingdings"/>
-              </a:rPr>
-              <a:t>definable</a:t>
-            </a:r>
-            <a:endParaRPr lang="en-US" sz="1600" dirty="0" smtClean="0">
-              <a:solidFill>
-                <a:srgbClr val="333333"/>
-              </a:solidFill>
-            </a:endParaRPr>
-          </a:p>
-          <a:p>
-            <a:pPr marL="357188" lvl="0" indent="-357188">
-              <a:buClr>
-                <a:srgbClr val="5781BD"/>
-              </a:buClr>
-              <a:buFont typeface="Lucida Grande"/>
-              <a:buChar char="►"/>
-            </a:pPr>
             <a:endParaRPr lang="en-US" sz="2000" dirty="0">
-              <a:solidFill>
-                <a:srgbClr val="333333"/>
-              </a:solidFill>
-            </a:endParaRPr>
-          </a:p>
-          <a:p>
-            <a:pPr marL="357188" lvl="0" indent="-357188">
-              <a:buClr>
-                <a:srgbClr val="5781BD"/>
-              </a:buClr>
-              <a:buFont typeface="Lucida Grande"/>
-              <a:buChar char="►"/>
-            </a:pPr>
-            <a:r>
-              <a:rPr lang="en-US" sz="2000" dirty="0">
-                <a:solidFill>
-                  <a:srgbClr val="333333"/>
-                </a:solidFill>
-              </a:rPr>
-              <a:t>l</a:t>
-            </a:r>
-            <a:r>
-              <a:rPr lang="en-US" sz="2000" dirty="0" smtClean="0">
-                <a:solidFill>
-                  <a:srgbClr val="333333"/>
-                </a:solidFill>
-              </a:rPr>
-              <a:t>ibrary fields</a:t>
-            </a:r>
-            <a:br>
-              <a:rPr lang="en-US" sz="2000" dirty="0" smtClean="0">
-                <a:solidFill>
-                  <a:srgbClr val="333333"/>
-                </a:solidFill>
-              </a:rPr>
-            </a:br>
-            <a:r>
-              <a:rPr lang="en-US" sz="1600" dirty="0" smtClean="0">
-                <a:solidFill>
-                  <a:srgbClr val="333333"/>
-                </a:solidFill>
-                <a:sym typeface="Wingdings"/>
-              </a:rPr>
-              <a:t> </a:t>
-            </a:r>
-            <a:r>
-              <a:rPr lang="en-US" sz="1600" dirty="0">
-                <a:solidFill>
-                  <a:srgbClr val="333333"/>
-                </a:solidFill>
-                <a:sym typeface="Wingdings"/>
-              </a:rPr>
-              <a:t>weakest </a:t>
-            </a:r>
-            <a:r>
-              <a:rPr lang="en-US" sz="1600" dirty="0">
-                <a:solidFill>
-                  <a:srgbClr val="004A99"/>
-                </a:solidFill>
-                <a:sym typeface="Wingdings"/>
-              </a:rPr>
-              <a:t>security </a:t>
-            </a:r>
-            <a:r>
-              <a:rPr lang="en-US" sz="1600" dirty="0" smtClean="0">
-                <a:solidFill>
-                  <a:srgbClr val="004A99"/>
-                </a:solidFill>
-                <a:sym typeface="Wingdings"/>
-              </a:rPr>
-              <a:t>level</a:t>
-            </a:r>
-            <a:endParaRPr lang="en-US" sz="1600" dirty="0" smtClean="0">
-              <a:solidFill>
-                <a:srgbClr val="333333"/>
-              </a:solidFill>
-              <a:sym typeface="Wingdings"/>
-            </a:endParaRPr>
-          </a:p>
-          <a:p>
-            <a:pPr marL="357188" indent="-357188">
-              <a:buClr>
-                <a:srgbClr val="5781BD"/>
-              </a:buClr>
-              <a:buFont typeface="Lucida Grande"/>
-              <a:buChar char="►"/>
-            </a:pPr>
-            <a:endParaRPr lang="en-US" sz="2000" dirty="0">
-              <a:solidFill>
-                <a:srgbClr val="333333"/>
-              </a:solidFill>
-              <a:sym typeface="Wingdings"/>
-            </a:endParaRPr>
-          </a:p>
-          <a:p>
-            <a:pPr marL="357188" indent="-357188">
-              <a:buClr>
-                <a:srgbClr val="5781BD"/>
-              </a:buClr>
-              <a:buFont typeface="Lucida Grande"/>
-              <a:buChar char="►"/>
-            </a:pPr>
-            <a:r>
-              <a:rPr lang="en-US" sz="2000" dirty="0">
-                <a:solidFill>
-                  <a:srgbClr val="333333"/>
-                </a:solidFill>
-              </a:rPr>
-              <a:t>l</a:t>
-            </a:r>
-            <a:r>
-              <a:rPr lang="en-US" sz="2000" dirty="0" smtClean="0">
-                <a:solidFill>
-                  <a:srgbClr val="333333"/>
-                </a:solidFill>
-              </a:rPr>
-              <a:t>ibrary methods</a:t>
-            </a:r>
-            <a:br>
-              <a:rPr lang="en-US" sz="2000" dirty="0" smtClean="0">
-                <a:solidFill>
-                  <a:srgbClr val="333333"/>
-                </a:solidFill>
-              </a:rPr>
-            </a:br>
-            <a:r>
-              <a:rPr lang="en-US" sz="1600" dirty="0" smtClean="0">
-                <a:solidFill>
-                  <a:srgbClr val="333333"/>
-                </a:solidFill>
-                <a:sym typeface="Wingdings"/>
-              </a:rPr>
-              <a:t> </a:t>
-            </a:r>
-            <a:r>
-              <a:rPr lang="en-US" sz="1600" dirty="0">
-                <a:solidFill>
-                  <a:srgbClr val="333333"/>
-                </a:solidFill>
-                <a:sym typeface="Wingdings"/>
-              </a:rPr>
-              <a:t>strongest </a:t>
-            </a:r>
-            <a:r>
-              <a:rPr lang="en-US" sz="1600" dirty="0">
-                <a:solidFill>
-                  <a:srgbClr val="004A99"/>
-                </a:solidFill>
-                <a:sym typeface="Wingdings"/>
-              </a:rPr>
-              <a:t>security level </a:t>
-            </a:r>
-            <a:r>
-              <a:rPr lang="en-US" sz="1600" dirty="0">
-                <a:solidFill>
-                  <a:srgbClr val="333333"/>
-                </a:solidFill>
-                <a:sym typeface="Wingdings"/>
-              </a:rPr>
-              <a:t>of the operands</a:t>
-            </a:r>
-            <a:endParaRPr lang="en-US" sz="1600" dirty="0" smtClean="0">
               <a:solidFill>
                 <a:srgbClr val="333333"/>
               </a:solidFill>
@@ -12538,492 +14634,6 @@
           </a:p>
         </p:txBody>
       </p:sp>
-      <p:grpSp>
-        <p:nvGrpSpPr>
-          <p:cNvPr id="3" name="Gruppierung 2"/>
-          <p:cNvGrpSpPr/>
-          <p:nvPr/>
-        </p:nvGrpSpPr>
-        <p:grpSpPr>
-          <a:xfrm>
-            <a:off x="5660571" y="1181714"/>
-            <a:ext cx="3015118" cy="4153337"/>
-            <a:chOff x="5542642" y="1181714"/>
-            <a:chExt cx="3133047" cy="4153337"/>
-          </a:xfrm>
-        </p:grpSpPr>
-        <p:sp>
-          <p:nvSpPr>
-            <p:cNvPr id="8" name="Textfeld 7"/>
-            <p:cNvSpPr txBox="1"/>
-            <p:nvPr/>
-          </p:nvSpPr>
-          <p:spPr>
-            <a:xfrm>
-              <a:off x="5542642" y="1549399"/>
-              <a:ext cx="3133046" cy="3785652"/>
-            </a:xfrm>
-            <a:prstGeom prst="rect">
-              <a:avLst/>
-            </a:prstGeom>
-            <a:noFill/>
-            <a:ln>
-              <a:solidFill>
-                <a:srgbClr val="9A9B9C"/>
-              </a:solidFill>
-            </a:ln>
-          </p:spPr>
-          <p:txBody>
-            <a:bodyPr wrap="square" rtlCol="0">
-              <a:spAutoFit/>
-            </a:bodyPr>
-            <a:lstStyle/>
-            <a:p>
-              <a:r>
-                <a:rPr lang="en-US" sz="1600" b="0" dirty="0" smtClean="0">
-                  <a:solidFill>
-                    <a:srgbClr val="999999"/>
-                  </a:solidFill>
-                  <a:latin typeface="Consolas"/>
-                  <a:cs typeface="Consolas"/>
-                </a:rPr>
-                <a:t>// constant</a:t>
-              </a:r>
-            </a:p>
-            <a:p>
-              <a:r>
-                <a:rPr lang="en-US" sz="1600" b="0" dirty="0" smtClean="0">
-                  <a:latin typeface="Consolas"/>
-                  <a:cs typeface="Consolas"/>
-                </a:rPr>
-                <a:t>42             </a:t>
-              </a:r>
-              <a:r>
-                <a:rPr lang="en-US" sz="1600" b="0" dirty="0" smtClean="0">
-                  <a:solidFill>
-                    <a:srgbClr val="999999"/>
-                  </a:solidFill>
-                  <a:latin typeface="Consolas"/>
-                  <a:cs typeface="Consolas"/>
-                </a:rPr>
-                <a:t>// --&gt; </a:t>
-              </a:r>
-              <a:r>
-                <a:rPr lang="en-US" sz="1600" b="0" i="1" dirty="0" smtClean="0">
-                  <a:solidFill>
-                    <a:srgbClr val="999999"/>
-                  </a:solidFill>
-                  <a:latin typeface="Consolas"/>
-                  <a:cs typeface="Consolas"/>
-                </a:rPr>
-                <a:t>^L</a:t>
-              </a:r>
-            </a:p>
-            <a:p>
-              <a:endParaRPr lang="en-US" sz="1600" b="0" dirty="0" smtClean="0">
-                <a:solidFill>
-                  <a:srgbClr val="333333"/>
-                </a:solidFill>
-                <a:latin typeface="Consolas"/>
-                <a:cs typeface="Consolas"/>
-              </a:endParaRPr>
-            </a:p>
-            <a:p>
-              <a:r>
-                <a:rPr lang="en-US" sz="1600" b="0" dirty="0" smtClean="0">
-                  <a:solidFill>
-                    <a:srgbClr val="999999"/>
-                  </a:solidFill>
-                  <a:latin typeface="Consolas"/>
-                  <a:cs typeface="Consolas"/>
-                </a:rPr>
-                <a:t>// expression</a:t>
-              </a:r>
-              <a:endParaRPr lang="en-US" sz="1600" b="0" dirty="0">
-                <a:solidFill>
-                  <a:srgbClr val="999999"/>
-                </a:solidFill>
-                <a:latin typeface="Consolas"/>
-                <a:cs typeface="Consolas"/>
-              </a:endParaRPr>
-            </a:p>
-            <a:p>
-              <a:r>
-                <a:rPr lang="en-US" sz="1600" b="0" dirty="0" smtClean="0">
-                  <a:solidFill>
-                    <a:srgbClr val="333333"/>
-                  </a:solidFill>
-                  <a:latin typeface="Consolas"/>
-                  <a:cs typeface="Consolas"/>
-                </a:rPr>
-                <a:t>42 + </a:t>
-              </a:r>
-              <a:r>
-                <a:rPr lang="en-US" sz="1600" b="0" dirty="0" err="1" smtClean="0">
-                  <a:solidFill>
-                    <a:srgbClr val="333333"/>
-                  </a:solidFill>
-                  <a:latin typeface="Consolas"/>
-                  <a:cs typeface="Consolas"/>
-                </a:rPr>
-                <a:t>high</a:t>
-              </a:r>
-              <a:r>
-                <a:rPr lang="en-US" sz="1600" b="0" i="1" dirty="0" err="1" smtClean="0">
-                  <a:solidFill>
-                    <a:srgbClr val="333333"/>
-                  </a:solidFill>
-                  <a:latin typeface="Consolas"/>
-                  <a:cs typeface="Consolas"/>
-                </a:rPr>
-                <a:t>^H</a:t>
-              </a:r>
-              <a:r>
-                <a:rPr lang="en-US" sz="1600" b="0" i="1" dirty="0" smtClean="0">
-                  <a:solidFill>
-                    <a:srgbClr val="333333"/>
-                  </a:solidFill>
-                  <a:latin typeface="Consolas"/>
-                  <a:cs typeface="Consolas"/>
-                </a:rPr>
-                <a:t>    </a:t>
-              </a:r>
-              <a:r>
-                <a:rPr lang="en-US" sz="1600" b="0" dirty="0" smtClean="0">
-                  <a:solidFill>
-                    <a:srgbClr val="999999"/>
-                  </a:solidFill>
-                  <a:latin typeface="Consolas"/>
-                  <a:cs typeface="Consolas"/>
-                </a:rPr>
-                <a:t>// --&gt; </a:t>
-              </a:r>
-              <a:r>
-                <a:rPr lang="en-US" sz="1600" b="0" i="1" dirty="0" smtClean="0">
-                  <a:solidFill>
-                    <a:srgbClr val="999999"/>
-                  </a:solidFill>
-                  <a:latin typeface="Consolas"/>
-                  <a:cs typeface="Consolas"/>
-                </a:rPr>
-                <a:t>^H</a:t>
-              </a:r>
-            </a:p>
-            <a:p>
-              <a:endParaRPr lang="en-US" sz="1600" b="0" dirty="0" smtClean="0">
-                <a:solidFill>
-                  <a:srgbClr val="333333"/>
-                </a:solidFill>
-                <a:latin typeface="Consolas"/>
-                <a:cs typeface="Consolas"/>
-              </a:endParaRPr>
-            </a:p>
-            <a:p>
-              <a:r>
-                <a:rPr lang="en-US" sz="1600" b="0" dirty="0" smtClean="0">
-                  <a:solidFill>
-                    <a:srgbClr val="999999"/>
-                  </a:solidFill>
-                  <a:latin typeface="Consolas"/>
-                  <a:cs typeface="Consolas"/>
-                </a:rPr>
-                <a:t>// local</a:t>
-              </a:r>
-              <a:endParaRPr lang="en-US" sz="1600" b="0" dirty="0">
-                <a:solidFill>
-                  <a:srgbClr val="999999"/>
-                </a:solidFill>
-                <a:latin typeface="Consolas"/>
-                <a:cs typeface="Consolas"/>
-              </a:endParaRPr>
-            </a:p>
-            <a:p>
-              <a:r>
-                <a:rPr lang="en-US" sz="1600" b="0" dirty="0" err="1" smtClean="0">
-                  <a:solidFill>
-                    <a:srgbClr val="333333"/>
-                  </a:solidFill>
-                  <a:latin typeface="Consolas"/>
-                  <a:cs typeface="Consolas"/>
-                </a:rPr>
-                <a:t>local</a:t>
-              </a:r>
-              <a:r>
-                <a:rPr lang="en-US" sz="1600" b="0" i="1" dirty="0" err="1" smtClean="0">
-                  <a:solidFill>
-                    <a:srgbClr val="333333"/>
-                  </a:solidFill>
-                  <a:latin typeface="Consolas"/>
-                  <a:cs typeface="Consolas"/>
-                </a:rPr>
-                <a:t>^H</a:t>
-              </a:r>
-              <a:r>
-                <a:rPr lang="en-US" sz="1600" b="0" dirty="0" smtClean="0">
-                  <a:solidFill>
-                    <a:srgbClr val="333333"/>
-                  </a:solidFill>
-                  <a:latin typeface="Consolas"/>
-                  <a:cs typeface="Consolas"/>
-                </a:rPr>
-                <a:t> = 42   </a:t>
-              </a:r>
-              <a:r>
-                <a:rPr lang="en-US" sz="1600" b="0" dirty="0" smtClean="0">
-                  <a:solidFill>
-                    <a:srgbClr val="999999"/>
-                  </a:solidFill>
-                  <a:latin typeface="Consolas"/>
-                  <a:cs typeface="Consolas"/>
-                </a:rPr>
-                <a:t>// --&gt; </a:t>
-              </a:r>
-              <a:r>
-                <a:rPr lang="en-US" sz="1600" b="0" i="1" dirty="0" smtClean="0">
-                  <a:solidFill>
-                    <a:srgbClr val="999999"/>
-                  </a:solidFill>
-                  <a:latin typeface="Consolas"/>
-                  <a:cs typeface="Consolas"/>
-                </a:rPr>
-                <a:t>^H</a:t>
-              </a:r>
-            </a:p>
-            <a:p>
-              <a:endParaRPr lang="en-US" sz="1600" b="0" dirty="0" smtClean="0">
-                <a:solidFill>
-                  <a:srgbClr val="333333"/>
-                </a:solidFill>
-                <a:latin typeface="Consolas"/>
-                <a:cs typeface="Consolas"/>
-              </a:endParaRPr>
-            </a:p>
-            <a:p>
-              <a:r>
-                <a:rPr lang="en-US" sz="1600" b="0" dirty="0" smtClean="0">
-                  <a:solidFill>
-                    <a:schemeClr val="tx1">
-                      <a:lumMod val="50000"/>
-                      <a:lumOff val="50000"/>
-                    </a:schemeClr>
-                  </a:solidFill>
-                  <a:latin typeface="Consolas"/>
-                  <a:cs typeface="Consolas"/>
-                </a:rPr>
-                <a:t>// field</a:t>
-              </a:r>
-            </a:p>
-            <a:p>
-              <a:r>
-                <a:rPr lang="en-US" sz="1600" b="0" dirty="0" err="1" smtClean="0">
-                  <a:solidFill>
-                    <a:srgbClr val="333333"/>
-                  </a:solidFill>
-                  <a:latin typeface="Consolas"/>
-                  <a:cs typeface="Consolas"/>
-                </a:rPr>
-                <a:t>field</a:t>
-              </a:r>
-              <a:r>
-                <a:rPr lang="en-US" sz="1600" b="0" i="1" dirty="0" err="1" smtClean="0">
-                  <a:solidFill>
-                    <a:srgbClr val="333333"/>
-                  </a:solidFill>
-                  <a:latin typeface="Consolas"/>
-                  <a:cs typeface="Consolas"/>
-                </a:rPr>
-                <a:t>^L</a:t>
-              </a:r>
-              <a:r>
-                <a:rPr lang="en-US" sz="1600" b="0" dirty="0" smtClean="0">
-                  <a:solidFill>
-                    <a:srgbClr val="333333"/>
-                  </a:solidFill>
-                  <a:latin typeface="Consolas"/>
-                  <a:cs typeface="Consolas"/>
-                </a:rPr>
-                <a:t> = 42   </a:t>
-              </a:r>
-              <a:r>
-                <a:rPr lang="en-US" sz="1600" b="0" dirty="0" smtClean="0">
-                  <a:solidFill>
-                    <a:schemeClr val="tx1">
-                      <a:lumMod val="50000"/>
-                      <a:lumOff val="50000"/>
-                    </a:schemeClr>
-                  </a:solidFill>
-                  <a:latin typeface="Consolas"/>
-                  <a:cs typeface="Consolas"/>
-                </a:rPr>
-                <a:t>// --&gt; </a:t>
-              </a:r>
-              <a:r>
-                <a:rPr lang="en-US" sz="1600" b="0" i="1" dirty="0" smtClean="0">
-                  <a:solidFill>
-                    <a:schemeClr val="tx1">
-                      <a:lumMod val="50000"/>
-                      <a:lumOff val="50000"/>
-                    </a:schemeClr>
-                  </a:solidFill>
-                  <a:latin typeface="Consolas"/>
-                  <a:cs typeface="Consolas"/>
-                </a:rPr>
-                <a:t>^L</a:t>
-              </a:r>
-            </a:p>
-            <a:p>
-              <a:endParaRPr lang="en-US" sz="1600" b="0" i="1" dirty="0" smtClean="0">
-                <a:solidFill>
-                  <a:schemeClr val="tx1">
-                    <a:lumMod val="50000"/>
-                    <a:lumOff val="50000"/>
-                  </a:schemeClr>
-                </a:solidFill>
-                <a:latin typeface="Consolas"/>
-                <a:cs typeface="Consolas"/>
-              </a:endParaRPr>
-            </a:p>
-            <a:p>
-              <a:r>
-                <a:rPr lang="en-US" sz="1600" b="0" dirty="0" smtClean="0">
-                  <a:solidFill>
-                    <a:schemeClr val="tx1">
-                      <a:lumMod val="50000"/>
-                      <a:lumOff val="50000"/>
-                    </a:schemeClr>
-                  </a:solidFill>
-                  <a:latin typeface="Consolas"/>
-                  <a:cs typeface="Consolas"/>
-                </a:rPr>
-                <a:t>// method</a:t>
-              </a:r>
-            </a:p>
-            <a:p>
-              <a:r>
-                <a:rPr lang="en-US" sz="1600" b="0" dirty="0" smtClean="0">
-                  <a:latin typeface="Consolas"/>
-                  <a:cs typeface="Consolas"/>
-                </a:rPr>
-                <a:t>method()</a:t>
-              </a:r>
-              <a:r>
-                <a:rPr lang="en-US" sz="1600" b="0" i="1" dirty="0" smtClean="0">
-                  <a:latin typeface="Consolas"/>
-                  <a:cs typeface="Consolas"/>
-                </a:rPr>
-                <a:t>^H</a:t>
-              </a:r>
-              <a:r>
-                <a:rPr lang="en-US" sz="1600" b="0" dirty="0" smtClean="0">
-                  <a:latin typeface="Consolas"/>
-                  <a:cs typeface="Consolas"/>
-                </a:rPr>
-                <a:t>     </a:t>
-              </a:r>
-              <a:r>
-                <a:rPr lang="en-US" sz="1600" b="0" dirty="0" smtClean="0">
-                  <a:solidFill>
-                    <a:schemeClr val="tx1">
-                      <a:lumMod val="50000"/>
-                      <a:lumOff val="50000"/>
-                    </a:schemeClr>
-                  </a:solidFill>
-                  <a:latin typeface="Consolas"/>
-                  <a:cs typeface="Consolas"/>
-                </a:rPr>
-                <a:t>// return</a:t>
-              </a:r>
-            </a:p>
-            <a:p>
-              <a:r>
-                <a:rPr lang="en-US" sz="1600" b="0" dirty="0" smtClean="0">
-                  <a:solidFill>
-                    <a:srgbClr val="333333"/>
-                  </a:solidFill>
-                  <a:latin typeface="Consolas"/>
-                  <a:cs typeface="Consolas"/>
-                </a:rPr>
-                <a:t>   ...	       </a:t>
-              </a:r>
-              <a:r>
-                <a:rPr lang="en-US" sz="1600" b="0" dirty="0" smtClean="0">
-                  <a:solidFill>
-                    <a:schemeClr val="tx1">
-                      <a:lumMod val="50000"/>
-                      <a:lumOff val="50000"/>
-                    </a:schemeClr>
-                  </a:solidFill>
-                  <a:latin typeface="Consolas"/>
-                  <a:cs typeface="Consolas"/>
-                </a:rPr>
-                <a:t>// --&gt; </a:t>
-              </a:r>
-              <a:r>
-                <a:rPr lang="en-US" sz="1600" b="0" i="1" dirty="0" smtClean="0">
-                  <a:solidFill>
-                    <a:schemeClr val="tx1">
-                      <a:lumMod val="50000"/>
-                      <a:lumOff val="50000"/>
-                    </a:schemeClr>
-                  </a:solidFill>
-                  <a:latin typeface="Consolas"/>
-                  <a:cs typeface="Consolas"/>
-                </a:rPr>
-                <a:t>^H</a:t>
-              </a:r>
-            </a:p>
-          </p:txBody>
-        </p:sp>
-        <p:sp>
-          <p:nvSpPr>
-            <p:cNvPr id="9" name="Textfeld 8"/>
-            <p:cNvSpPr txBox="1"/>
-            <p:nvPr/>
-          </p:nvSpPr>
-          <p:spPr>
-            <a:xfrm>
-              <a:off x="5542643" y="1181714"/>
-              <a:ext cx="3133046" cy="307777"/>
-            </a:xfrm>
-            <a:prstGeom prst="rect">
-              <a:avLst/>
-            </a:prstGeom>
-            <a:noFill/>
-          </p:spPr>
-          <p:txBody>
-            <a:bodyPr wrap="square" rtlCol="0" anchor="b" anchorCtr="0">
-              <a:spAutoFit/>
-            </a:bodyPr>
-            <a:lstStyle/>
-            <a:p>
-              <a:r>
-                <a:rPr lang="en-US" b="0" dirty="0">
-                  <a:solidFill>
-                    <a:srgbClr val="9A9B9C"/>
-                  </a:solidFill>
-                  <a:latin typeface="+mn-lt"/>
-                </a:rPr>
-                <a:t>p</a:t>
-              </a:r>
-              <a:r>
-                <a:rPr lang="en-US" b="0" dirty="0" smtClean="0">
-                  <a:solidFill>
-                    <a:srgbClr val="9A9B9C"/>
-                  </a:solidFill>
-                  <a:latin typeface="+mn-lt"/>
-                </a:rPr>
-                <a:t>seudo-code:</a:t>
-              </a:r>
-              <a:endParaRPr lang="en-US" b="0" dirty="0">
-                <a:solidFill>
-                  <a:srgbClr val="9A9B9C"/>
-                </a:solidFill>
-                <a:latin typeface="+mn-lt"/>
-              </a:endParaRPr>
-            </a:p>
-          </p:txBody>
-        </p:sp>
-      </p:grpSp>
     </p:spTree>
     <p:extLst>
       <p:ext uri="{BB962C8B-B14F-4D97-AF65-F5344CB8AC3E}">
@@ -13037,7 +14647,174 @@
   <p:timing>
     <p:tnLst>
       <p:par>
-        <p:cTn xmlns:p14="http://schemas.microsoft.com/office/powerpoint/2010/main" id="1" dur="indefinite" restart="never" nodeType="tmRoot"/>
+        <p:cTn xmlns:p14="http://schemas.microsoft.com/office/powerpoint/2010/main" id="1" dur="indefinite" restart="never" nodeType="tmRoot">
+          <p:childTnLst>
+            <p:seq concurrent="1" nextAc="seek">
+              <p:cTn id="2" dur="indefinite" nodeType="mainSeq">
+                <p:childTnLst>
+                  <p:par>
+                    <p:cTn id="3" fill="hold">
+                      <p:stCondLst>
+                        <p:cond delay="indefinite"/>
+                      </p:stCondLst>
+                      <p:childTnLst>
+                        <p:par>
+                          <p:cTn id="4" fill="hold">
+                            <p:stCondLst>
+                              <p:cond delay="0"/>
+                            </p:stCondLst>
+                            <p:childTnLst>
+                              <p:par>
+                                <p:cTn id="5" presetID="1" presetClass="exit" presetSubtype="0" fill="hold" nodeType="clickEffect">
+                                  <p:stCondLst>
+                                    <p:cond delay="0"/>
+                                  </p:stCondLst>
+                                  <p:childTnLst>
+                                    <p:set>
+                                      <p:cBhvr>
+                                        <p:cTn id="6" dur="1" fill="hold">
+                                          <p:stCondLst>
+                                            <p:cond delay="0"/>
+                                          </p:stCondLst>
+                                        </p:cTn>
+                                        <p:tgtEl>
+                                          <p:spTgt spid="3"/>
+                                        </p:tgtEl>
+                                        <p:attrNameLst>
+                                          <p:attrName>style.visibility</p:attrName>
+                                        </p:attrNameLst>
+                                      </p:cBhvr>
+                                      <p:to>
+                                        <p:strVal val="hidden"/>
+                                      </p:to>
+                                    </p:set>
+                                  </p:childTnLst>
+                                </p:cTn>
+                              </p:par>
+                              <p:par>
+                                <p:cTn id="7" presetID="1" presetClass="entr" presetSubtype="0" fill="hold" nodeType="withEffect">
+                                  <p:stCondLst>
+                                    <p:cond delay="0"/>
+                                  </p:stCondLst>
+                                  <p:childTnLst>
+                                    <p:set>
+                                      <p:cBhvr>
+                                        <p:cTn id="8" dur="1" fill="hold">
+                                          <p:stCondLst>
+                                            <p:cond delay="0"/>
+                                          </p:stCondLst>
+                                        </p:cTn>
+                                        <p:tgtEl>
+                                          <p:spTgt spid="22"/>
+                                        </p:tgtEl>
+                                        <p:attrNameLst>
+                                          <p:attrName>style.visibility</p:attrName>
+                                        </p:attrNameLst>
+                                      </p:cBhvr>
+                                      <p:to>
+                                        <p:strVal val="visible"/>
+                                      </p:to>
+                                    </p:set>
+                                  </p:childTnLst>
+                                </p:cTn>
+                              </p:par>
+                            </p:childTnLst>
+                          </p:cTn>
+                        </p:par>
+                      </p:childTnLst>
+                    </p:cTn>
+                  </p:par>
+                  <p:par>
+                    <p:cTn id="9" fill="hold">
+                      <p:stCondLst>
+                        <p:cond delay="indefinite"/>
+                      </p:stCondLst>
+                      <p:childTnLst>
+                        <p:par>
+                          <p:cTn id="10" fill="hold">
+                            <p:stCondLst>
+                              <p:cond delay="0"/>
+                            </p:stCondLst>
+                            <p:childTnLst>
+                              <p:par>
+                                <p:cTn id="11" presetID="1" presetClass="exit" presetSubtype="0" fill="hold" nodeType="clickEffect">
+                                  <p:stCondLst>
+                                    <p:cond delay="0"/>
+                                  </p:stCondLst>
+                                  <p:childTnLst>
+                                    <p:set>
+                                      <p:cBhvr>
+                                        <p:cTn id="12" dur="1" fill="hold">
+                                          <p:stCondLst>
+                                            <p:cond delay="0"/>
+                                          </p:stCondLst>
+                                        </p:cTn>
+                                        <p:tgtEl>
+                                          <p:spTgt spid="22"/>
+                                        </p:tgtEl>
+                                        <p:attrNameLst>
+                                          <p:attrName>style.visibility</p:attrName>
+                                        </p:attrNameLst>
+                                      </p:cBhvr>
+                                      <p:to>
+                                        <p:strVal val="hidden"/>
+                                      </p:to>
+                                    </p:set>
+                                  </p:childTnLst>
+                                </p:cTn>
+                              </p:par>
+                              <p:par>
+                                <p:cTn id="13" presetID="1" presetClass="entr" presetSubtype="0" fill="hold" nodeType="withEffect">
+                                  <p:stCondLst>
+                                    <p:cond delay="0"/>
+                                  </p:stCondLst>
+                                  <p:childTnLst>
+                                    <p:set>
+                                      <p:cBhvr>
+                                        <p:cTn id="14" dur="1" fill="hold">
+                                          <p:stCondLst>
+                                            <p:cond delay="0"/>
+                                          </p:stCondLst>
+                                        </p:cTn>
+                                        <p:tgtEl>
+                                          <p:spTgt spid="19"/>
+                                        </p:tgtEl>
+                                        <p:attrNameLst>
+                                          <p:attrName>style.visibility</p:attrName>
+                                        </p:attrNameLst>
+                                      </p:cBhvr>
+                                      <p:to>
+                                        <p:strVal val="visible"/>
+                                      </p:to>
+                                    </p:set>
+                                  </p:childTnLst>
+                                </p:cTn>
+                              </p:par>
+                            </p:childTnLst>
+                          </p:cTn>
+                        </p:par>
+                      </p:childTnLst>
+                    </p:cTn>
+                  </p:par>
+                </p:childTnLst>
+              </p:cTn>
+              <p:prevCondLst>
+                <p:cond evt="onPrev" delay="0">
+                  <p:tgtEl>
+                    <p:sldTgt/>
+                  </p:tgtEl>
+                </p:cond>
+              </p:prevCondLst>
+              <p:nextCondLst>
+                <p:cond evt="onNext" delay="0">
+                  <p:tgtEl>
+                    <p:sldTgt/>
+                  </p:tgtEl>
+                </p:cond>
+              </p:nextCondLst>
+            </p:seq>
+          </p:childTnLst>
+        </p:cTn>
       </p:par>
     </p:tnLst>
   </p:timing>
@@ -13063,34 +14840,6 @@
       </p:grpSpPr>
       <p:sp>
         <p:nvSpPr>
-          <p:cNvPr id="2" name="Titel 1"/>
-          <p:cNvSpPr>
-            <a:spLocks noGrp="1"/>
-          </p:cNvSpPr>
-          <p:nvPr>
-            <p:ph type="title"/>
-          </p:nvPr>
-        </p:nvSpPr>
-        <p:spPr>
-          <a:xfrm>
-            <a:off x="459752" y="985491"/>
-            <a:ext cx="5019392" cy="504642"/>
-          </a:xfrm>
-        </p:spPr>
-        <p:txBody>
-          <a:bodyPr/>
-          <a:lstStyle/>
-          <a:p>
-            <a:r>
-              <a:rPr lang="en-US" dirty="0" smtClean="0"/>
-              <a:t>assignment</a:t>
-            </a:r>
-            <a:endParaRPr lang="en-US" dirty="0"/>
-          </a:p>
-        </p:txBody>
-      </p:sp>
-      <p:sp>
-        <p:nvSpPr>
           <p:cNvPr id="5" name="Textplatzhalter 4"/>
           <p:cNvSpPr>
             <a:spLocks noGrp="1"/>
@@ -13102,12 +14851,77 @@
         <p:spPr>
           <a:xfrm>
             <a:off x="457199" y="1549400"/>
-            <a:ext cx="5203371" cy="4576763"/>
+            <a:ext cx="4686301" cy="4764314"/>
           </a:xfrm>
         </p:spPr>
         <p:txBody>
           <a:bodyPr/>
           <a:lstStyle/>
+          <a:p>
+            <a:pPr marL="357188" indent="-357188">
+              <a:buClr>
+                <a:srgbClr val="5781BD"/>
+              </a:buClr>
+              <a:buFont typeface="Lucida Grande"/>
+              <a:buChar char="►"/>
+            </a:pPr>
+            <a:r>
+              <a:rPr lang="en-US" sz="2000" dirty="0" smtClean="0">
+                <a:solidFill>
+                  <a:srgbClr val="333333"/>
+                </a:solidFill>
+              </a:rPr>
+              <a:t>objects</a:t>
+            </a:r>
+            <a:br>
+              <a:rPr lang="en-US" sz="2000" dirty="0" smtClean="0">
+                <a:solidFill>
+                  <a:srgbClr val="333333"/>
+                </a:solidFill>
+              </a:rPr>
+            </a:br>
+            <a:r>
+              <a:rPr lang="en-US" sz="1800" dirty="0" smtClean="0">
+                <a:solidFill>
+                  <a:srgbClr val="333333"/>
+                </a:solidFill>
+                <a:sym typeface="Wingdings"/>
+              </a:rPr>
+              <a:t> </a:t>
+            </a:r>
+            <a:r>
+              <a:rPr lang="en-US" sz="1800" dirty="0" smtClean="0">
+                <a:solidFill>
+                  <a:srgbClr val="004A99"/>
+                </a:solidFill>
+              </a:rPr>
+              <a:t>security level</a:t>
+            </a:r>
+            <a:r>
+              <a:rPr lang="en-US" sz="1800" dirty="0" smtClean="0"/>
+              <a:t> of an instance trumps </a:t>
+            </a:r>
+            <a:br>
+              <a:rPr lang="en-US" sz="1800" dirty="0" smtClean="0"/>
+            </a:br>
+            <a:r>
+              <a:rPr lang="en-US" sz="1800" dirty="0" smtClean="0"/>
+              <a:t>     the level of </a:t>
+            </a:r>
+            <a:r>
+              <a:rPr lang="en-US" sz="1800" dirty="0"/>
+              <a:t>a </a:t>
+            </a:r>
+            <a:r>
+              <a:rPr lang="en-US" sz="1800" dirty="0" smtClean="0"/>
+              <a:t>field or method</a:t>
+            </a:r>
+            <a:endParaRPr lang="en-US" sz="1800" dirty="0" smtClean="0">
+              <a:solidFill>
+                <a:srgbClr val="333333"/>
+              </a:solidFill>
+            </a:endParaRPr>
+          </a:p>
           <a:p>
             <a:pPr marL="357188" lvl="0" indent="-357188">
               <a:buClr>
@@ -13116,31 +14930,7 @@
               <a:buFont typeface="Lucida Grande"/>
               <a:buChar char="►"/>
             </a:pPr>
-            <a:r>
-              <a:rPr lang="en-US" sz="2000" dirty="0" smtClean="0">
-                <a:solidFill>
-                  <a:srgbClr val="333333"/>
-                </a:solidFill>
-              </a:rPr>
-              <a:t>locals</a:t>
-            </a:r>
-            <a:br>
-              <a:rPr lang="en-US" sz="2000" dirty="0" smtClean="0">
-                <a:solidFill>
-                  <a:srgbClr val="333333"/>
-                </a:solidFill>
-              </a:rPr>
-            </a:br>
-            <a:r>
-              <a:rPr lang="en-US" sz="1600" dirty="0" smtClean="0">
-                <a:solidFill>
-                  <a:srgbClr val="333333"/>
-                </a:solidFill>
-                <a:sym typeface="Wingdings"/>
-              </a:rPr>
-              <a:t> no restrictions</a:t>
-            </a:r>
-            <a:endParaRPr lang="en-US" sz="1600" dirty="0">
+            <a:endParaRPr lang="en-US" sz="2000" dirty="0" smtClean="0">
               <a:solidFill>
                 <a:srgbClr val="333333"/>
               </a:solidFill>
@@ -13168,53 +14958,86 @@
               <a:buFont typeface="Lucida Grande"/>
               <a:buChar char="►"/>
             </a:pPr>
-            <a:r>
-              <a:rPr lang="en-US" sz="2000" dirty="0" smtClean="0">
-                <a:solidFill>
-                  <a:srgbClr val="333333"/>
-                </a:solidFill>
-              </a:rPr>
-              <a:t>fields</a:t>
-            </a:r>
-            <a:br>
-              <a:rPr lang="en-US" sz="2000" dirty="0" smtClean="0">
-                <a:solidFill>
-                  <a:srgbClr val="333333"/>
-                </a:solidFill>
-              </a:rPr>
-            </a:br>
-            <a:r>
-              <a:rPr lang="en-US" sz="1600" dirty="0" smtClean="0">
-                <a:solidFill>
-                  <a:srgbClr val="333333"/>
-                </a:solidFill>
-                <a:sym typeface="Wingdings"/>
-              </a:rPr>
-              <a:t> </a:t>
-            </a:r>
-            <a:r>
-              <a:rPr lang="en-US" sz="1600" dirty="0" smtClean="0">
-                <a:solidFill>
-                  <a:srgbClr val="004A99"/>
-                </a:solidFill>
-                <a:sym typeface="Wingdings"/>
-              </a:rPr>
-              <a:t>security level</a:t>
-            </a:r>
-            <a:r>
-              <a:rPr lang="en-US" sz="1600" dirty="0" smtClean="0">
-                <a:solidFill>
-                  <a:srgbClr val="333333"/>
-                </a:solidFill>
-                <a:sym typeface="Wingdings"/>
-              </a:rPr>
-              <a:t> of assigned value &lt;= level of field</a:t>
-            </a:r>
-            <a:endParaRPr lang="en-US" sz="1600" dirty="0">
+            <a:endParaRPr lang="en-US" sz="2000" dirty="0">
               <a:solidFill>
                 <a:srgbClr val="333333"/>
               </a:solidFill>
             </a:endParaRPr>
+          </a:p>
+          <a:p>
+            <a:pPr>
+              <a:buClr>
+                <a:srgbClr val="5781BD"/>
+              </a:buClr>
+            </a:pPr>
+            <a:r>
+              <a:rPr lang="en-US" sz="3200" dirty="0">
+                <a:solidFill>
+                  <a:srgbClr val="C1002A"/>
+                </a:solidFill>
+              </a:rPr>
+              <a:t>⚠</a:t>
+            </a:r>
+            <a:r>
+              <a:rPr lang="en-US" sz="2800" dirty="0">
+                <a:solidFill>
+                  <a:srgbClr val="333333"/>
+                </a:solidFill>
+              </a:rPr>
+              <a:t> </a:t>
+            </a:r>
+            <a:r>
+              <a:rPr lang="en-US" sz="2000" dirty="0">
+                <a:solidFill>
+                  <a:srgbClr val="333333"/>
+                </a:solidFill>
+              </a:rPr>
+              <a:t>context:</a:t>
+            </a:r>
+          </a:p>
+          <a:p>
+            <a:pPr>
+              <a:buClr>
+                <a:srgbClr val="5781BD"/>
+              </a:buClr>
+            </a:pPr>
+            <a:r>
+              <a:rPr lang="en-US" sz="1800" dirty="0">
+                <a:solidFill>
+                  <a:srgbClr val="004A99"/>
+                </a:solidFill>
+              </a:rPr>
+              <a:t>security level </a:t>
+            </a:r>
+            <a:r>
+              <a:rPr lang="en-US" sz="1800" dirty="0">
+                <a:solidFill>
+                  <a:srgbClr val="333333"/>
+                </a:solidFill>
+              </a:rPr>
+              <a:t>of the context must be taken into account for return </a:t>
+            </a:r>
+            <a:r>
+              <a:rPr lang="en-US" sz="1800" dirty="0" smtClean="0">
+                <a:solidFill>
+                  <a:srgbClr val="333333"/>
+                </a:solidFill>
+              </a:rPr>
+              <a:t>statement as well as for assignments.</a:t>
+            </a:r>
+            <a:endParaRPr lang="en-US" sz="1800" dirty="0">
+              <a:solidFill>
+                <a:srgbClr val="333333"/>
+              </a:solidFill>
+            </a:endParaRPr>
+          </a:p>
+          <a:p>
+            <a:pPr>
+              <a:buClr>
+                <a:srgbClr val="5781BD"/>
+              </a:buClr>
+            </a:pPr>
+            <a:endParaRPr lang="en-US" sz="2000" dirty="0" smtClean="0"/>
           </a:p>
           <a:p>
             <a:pPr marL="357188" lvl="0" indent="-357188">
@@ -13224,187 +15047,7 @@
               <a:buFont typeface="Lucida Grande"/>
               <a:buChar char="►"/>
             </a:pPr>
-            <a:endParaRPr lang="en-US" sz="2000" dirty="0">
-              <a:solidFill>
-                <a:srgbClr val="333333"/>
-              </a:solidFill>
-            </a:endParaRPr>
-          </a:p>
-          <a:p>
-            <a:pPr marL="357188" indent="-357188">
-              <a:buClr>
-                <a:srgbClr val="5781BD"/>
-              </a:buClr>
-              <a:buFont typeface="Lucida Grande"/>
-              <a:buChar char="►"/>
-            </a:pPr>
-            <a:r>
-              <a:rPr lang="en-US" sz="2000" dirty="0" smtClean="0">
-                <a:solidFill>
-                  <a:srgbClr val="333333"/>
-                </a:solidFill>
-              </a:rPr>
-              <a:t>array</a:t>
-            </a:r>
-            <a:br>
-              <a:rPr lang="en-US" sz="2000" dirty="0" smtClean="0">
-                <a:solidFill>
-                  <a:srgbClr val="333333"/>
-                </a:solidFill>
-              </a:rPr>
-            </a:br>
-            <a:r>
-              <a:rPr lang="en-US" sz="1600" dirty="0">
-                <a:solidFill>
-                  <a:srgbClr val="333333"/>
-                </a:solidFill>
-                <a:sym typeface="Wingdings"/>
-              </a:rPr>
-              <a:t> </a:t>
-            </a:r>
-            <a:r>
-              <a:rPr lang="en-US" sz="1600" dirty="0" smtClean="0">
-                <a:solidFill>
-                  <a:srgbClr val="004A99"/>
-                </a:solidFill>
-                <a:sym typeface="Wingdings"/>
-              </a:rPr>
-              <a:t>security </a:t>
-            </a:r>
-            <a:r>
-              <a:rPr lang="en-US" sz="1600" dirty="0">
-                <a:solidFill>
-                  <a:srgbClr val="004A99"/>
-                </a:solidFill>
-                <a:sym typeface="Wingdings"/>
-              </a:rPr>
-              <a:t>level </a:t>
-            </a:r>
-            <a:r>
-              <a:rPr lang="en-US" sz="1600" dirty="0">
-                <a:solidFill>
-                  <a:srgbClr val="333333"/>
-                </a:solidFill>
-                <a:sym typeface="Wingdings"/>
-              </a:rPr>
-              <a:t>of assigned value </a:t>
-            </a:r>
-            <a:r>
-              <a:rPr lang="en-US" sz="1600" dirty="0" smtClean="0">
-                <a:solidFill>
-                  <a:srgbClr val="333333"/>
-                </a:solidFill>
-                <a:sym typeface="Wingdings"/>
-              </a:rPr>
-              <a:t>== weakest </a:t>
-            </a:r>
-            <a:br>
-              <a:rPr lang="en-US" sz="1600" dirty="0" smtClean="0">
-                <a:solidFill>
-                  <a:srgbClr val="333333"/>
-                </a:solidFill>
-                <a:sym typeface="Wingdings"/>
-              </a:rPr>
-            </a:br>
-            <a:r>
-              <a:rPr lang="en-US" sz="1600" dirty="0">
-                <a:solidFill>
-                  <a:srgbClr val="333333"/>
-                </a:solidFill>
-                <a:sym typeface="Wingdings"/>
-              </a:rPr>
-              <a:t> </a:t>
-            </a:r>
-            <a:r>
-              <a:rPr lang="en-US" sz="1600" dirty="0" smtClean="0">
-                <a:solidFill>
-                  <a:srgbClr val="333333"/>
-                </a:solidFill>
-                <a:sym typeface="Wingdings"/>
-              </a:rPr>
-              <a:t>   </a:t>
-            </a:r>
-            <a:r>
-              <a:rPr lang="en-US" sz="1600" dirty="0" smtClean="0">
-                <a:solidFill>
-                  <a:srgbClr val="004A99"/>
-                </a:solidFill>
-                <a:sym typeface="Wingdings"/>
-              </a:rPr>
-              <a:t>security level </a:t>
-            </a:r>
-            <a:r>
-              <a:rPr lang="en-US" sz="1600" i="1" dirty="0" smtClean="0">
-                <a:sym typeface="Wingdings"/>
-              </a:rPr>
-              <a:t>(restriction)</a:t>
-            </a:r>
-            <a:endParaRPr lang="en-US" sz="1600" i="1" dirty="0" smtClean="0"/>
-          </a:p>
-          <a:p>
-            <a:pPr marL="357188" lvl="0" indent="-357188">
-              <a:buClr>
-                <a:srgbClr val="5781BD"/>
-              </a:buClr>
-              <a:buFont typeface="Lucida Grande"/>
-              <a:buChar char="►"/>
-            </a:pPr>
-            <a:endParaRPr lang="en-US" sz="2000" dirty="0">
-              <a:solidFill>
-                <a:srgbClr val="333333"/>
-              </a:solidFill>
-            </a:endParaRPr>
-          </a:p>
-          <a:p>
-            <a:pPr>
-              <a:buClr>
-                <a:srgbClr val="5781BD"/>
-              </a:buClr>
-            </a:pPr>
-            <a:r>
-              <a:rPr lang="en-US" sz="2400" dirty="0">
-                <a:solidFill>
-                  <a:srgbClr val="C1002A"/>
-                </a:solidFill>
-              </a:rPr>
-              <a:t>⚠</a:t>
-            </a:r>
-            <a:r>
-              <a:rPr lang="en-US" sz="2000" dirty="0" smtClean="0">
-                <a:solidFill>
-                  <a:srgbClr val="333333"/>
-                </a:solidFill>
-              </a:rPr>
-              <a:t> context:</a:t>
-            </a:r>
-            <a:br>
-              <a:rPr lang="en-US" sz="2000" dirty="0" smtClean="0">
-                <a:solidFill>
-                  <a:srgbClr val="333333"/>
-                </a:solidFill>
-              </a:rPr>
-            </a:br>
-            <a:r>
-              <a:rPr lang="en-US" sz="1600" dirty="0" smtClean="0"/>
-              <a:t>security </a:t>
-            </a:r>
-            <a:r>
-              <a:rPr lang="en-US" sz="1600" dirty="0"/>
-              <a:t>level of the context must be taken </a:t>
-            </a:r>
-            <a:r>
-              <a:rPr lang="en-US" sz="1600" dirty="0" smtClean="0"/>
-              <a:t>into </a:t>
-            </a:r>
-            <a:r>
-              <a:rPr lang="en-US" sz="1600" dirty="0"/>
-              <a:t>account</a:t>
-            </a:r>
-            <a:endParaRPr lang="en-US" sz="1600" dirty="0" smtClean="0">
-              <a:solidFill>
-                <a:srgbClr val="333333"/>
-              </a:solidFill>
-            </a:endParaRPr>
+            <a:endParaRPr lang="en-US" dirty="0"/>
           </a:p>
         </p:txBody>
       </p:sp>
@@ -13590,39 +15233,44 @@
               <a:rPr lang="en-US" sz="2400" dirty="0" smtClean="0"/>
               <a:t>security</a:t>
             </a:r>
-            <a:endParaRPr lang="en-US" sz="2400" dirty="0"/>
+            <a:endParaRPr lang="en-US" dirty="0"/>
           </a:p>
         </p:txBody>
       </p:sp>
       <p:grpSp>
         <p:nvGrpSpPr>
-          <p:cNvPr id="10" name="Gruppierung 9"/>
+          <p:cNvPr id="8" name="Gruppierung 7"/>
           <p:cNvGrpSpPr/>
           <p:nvPr/>
         </p:nvGrpSpPr>
         <p:grpSpPr>
           <a:xfrm>
-            <a:off x="5660571" y="1181714"/>
-            <a:ext cx="3015117" cy="4892001"/>
-            <a:chOff x="5660571" y="1181714"/>
-            <a:chExt cx="3220358" cy="4892001"/>
+            <a:off x="5143500" y="1224000"/>
+            <a:ext cx="3532188" cy="4892001"/>
+            <a:chOff x="5005349" y="1181714"/>
+            <a:chExt cx="3670341" cy="4892001"/>
           </a:xfrm>
+          <a:solidFill>
+            <a:srgbClr val="FFFFFF"/>
+          </a:solidFill>
         </p:grpSpPr>
         <p:sp>
           <p:nvSpPr>
-            <p:cNvPr id="8" name="Textfeld 7"/>
+            <p:cNvPr id="9" name="Textfeld 8"/>
             <p:cNvSpPr txBox="1"/>
             <p:nvPr/>
           </p:nvSpPr>
           <p:spPr>
             <a:xfrm>
-              <a:off x="5660571" y="1549399"/>
-              <a:ext cx="3220357" cy="4524316"/>
+              <a:off x="5005349" y="1549399"/>
+              <a:ext cx="3670341" cy="4524316"/>
             </a:xfrm>
             <a:prstGeom prst="rect">
               <a:avLst/>
             </a:prstGeom>
-            <a:noFill/>
+            <a:solidFill>
+              <a:srgbClr val="FFFFFF"/>
+            </a:solidFill>
             <a:ln>
               <a:solidFill>
                 <a:srgbClr val="9A9B9C"/>
@@ -13636,103 +15284,99 @@
             <a:lstStyle/>
             <a:p>
               <a:r>
+                <a:rPr lang="en-US" sz="1600" dirty="0" smtClean="0">
+                  <a:latin typeface="Consolas"/>
+                  <a:cs typeface="Consolas"/>
+                </a:rPr>
+                <a:t>class </a:t>
+              </a:r>
+              <a:r>
                 <a:rPr lang="en-US" sz="1600" b="0" dirty="0" smtClean="0">
-                  <a:solidFill>
-                    <a:srgbClr val="999999"/>
-                  </a:solidFill>
-                  <a:latin typeface="Consolas"/>
-                  <a:cs typeface="Consolas"/>
-                </a:rPr>
-                <a:t>// locals</a:t>
+                  <a:latin typeface="Consolas"/>
+                  <a:cs typeface="Consolas"/>
+                </a:rPr>
+                <a:t>B</a:t>
+              </a:r>
+              <a:r>
+                <a:rPr lang="en-US" sz="1600" dirty="0" smtClean="0">
+                  <a:latin typeface="Consolas"/>
+                  <a:cs typeface="Consolas"/>
+                </a:rPr>
+                <a:t> </a:t>
+              </a:r>
+              <a:r>
+                <a:rPr lang="en-US" sz="1600" b="0" dirty="0" smtClean="0">
+                  <a:latin typeface="Consolas"/>
+                  <a:cs typeface="Consolas"/>
+                </a:rPr>
+                <a:t>{</a:t>
               </a:r>
             </a:p>
             <a:p>
               <a:r>
-                <a:rPr lang="en-US" sz="1600" b="0" dirty="0" err="1" smtClean="0">
-                  <a:latin typeface="Consolas"/>
-                  <a:cs typeface="Consolas"/>
-                </a:rPr>
-                <a:t>val</a:t>
-              </a:r>
-              <a:r>
-                <a:rPr lang="en-US" sz="1600" b="0" i="1" dirty="0" err="1" smtClean="0">
-                  <a:latin typeface="Consolas"/>
-                  <a:cs typeface="Consolas"/>
-                </a:rPr>
-                <a:t>^L</a:t>
-              </a:r>
-              <a:r>
                 <a:rPr lang="en-US" sz="1600" b="0" dirty="0" smtClean="0">
-                  <a:latin typeface="Consolas"/>
-                  <a:cs typeface="Consolas"/>
-                </a:rPr>
-                <a:t> = </a:t>
-              </a:r>
-              <a:r>
-                <a:rPr lang="en-US" sz="1600" b="0" dirty="0" err="1" smtClean="0">
-                  <a:latin typeface="Consolas"/>
-                  <a:cs typeface="Consolas"/>
-                </a:rPr>
-                <a:t>high</a:t>
-              </a:r>
-              <a:r>
-                <a:rPr lang="en-US" sz="1600" b="0" i="1" dirty="0" err="1" smtClean="0">
-                  <a:latin typeface="Consolas"/>
-                  <a:cs typeface="Consolas"/>
-                </a:rPr>
-                <a:t>^H</a:t>
-              </a:r>
-              <a:r>
-                <a:rPr lang="en-US" sz="1600" b="0" dirty="0" smtClean="0">
-                  <a:latin typeface="Consolas"/>
-                  <a:cs typeface="Consolas"/>
-                </a:rPr>
-                <a:t> </a:t>
+                  <a:solidFill>
+                    <a:schemeClr val="tx1">
+                      <a:lumMod val="50000"/>
+                      <a:lumOff val="50000"/>
+                    </a:schemeClr>
+                  </a:solidFill>
+                  <a:latin typeface="Consolas"/>
+                  <a:cs typeface="Consolas"/>
+                </a:rPr>
+                <a:t>  </a:t>
               </a:r>
             </a:p>
             <a:p>
               <a:r>
                 <a:rPr lang="en-US" sz="1600" b="0" dirty="0" smtClean="0">
-                  <a:solidFill>
-                    <a:srgbClr val="999999"/>
-                  </a:solidFill>
-                  <a:latin typeface="Consolas"/>
-                  <a:cs typeface="Consolas"/>
-                </a:rPr>
-                <a:t>// --&gt; </a:t>
-              </a:r>
-              <a:r>
-                <a:rPr lang="en-US" sz="1600" b="0" dirty="0" err="1" smtClean="0">
-                  <a:solidFill>
-                    <a:srgbClr val="999999"/>
-                  </a:solidFill>
-                  <a:latin typeface="Consolas"/>
-                  <a:cs typeface="Consolas"/>
-                </a:rPr>
-                <a:t>val</a:t>
-              </a:r>
-              <a:r>
-                <a:rPr lang="en-US" sz="1600" b="0" i="1" dirty="0" err="1" smtClean="0">
-                  <a:solidFill>
-                    <a:srgbClr val="999999"/>
-                  </a:solidFill>
+                  <a:latin typeface="Consolas"/>
+                  <a:cs typeface="Consolas"/>
+                </a:rPr>
+                <a:t>  method1()</a:t>
+              </a:r>
+              <a:r>
+                <a:rPr lang="en-US" sz="1600" b="0" i="1" dirty="0" smtClean="0">
                   <a:latin typeface="Consolas"/>
                   <a:cs typeface="Consolas"/>
                 </a:rPr>
                 <a:t>^H</a:t>
               </a:r>
-              <a:endParaRPr lang="en-US" sz="1600" b="0" i="1" dirty="0" smtClean="0">
-                <a:solidFill>
-                  <a:srgbClr val="999999"/>
+              <a:r>
+                <a:rPr lang="en-US" sz="1600" b="0" dirty="0" smtClean="0">
+                  <a:latin typeface="Consolas"/>
+                  <a:cs typeface="Consolas"/>
+                </a:rPr>
+                <a:t> {</a:t>
+              </a:r>
+              <a:endParaRPr lang="en-US" sz="1600" b="0" dirty="0" smtClean="0">
+                <a:solidFill>
+                  <a:schemeClr val="tx1">
+                    <a:lumMod val="50000"/>
+                    <a:lumOff val="50000"/>
+                  </a:schemeClr>
                 </a:solidFill>
                 <a:latin typeface="Consolas"/>
                 <a:cs typeface="Consolas"/>
               </a:endParaRPr>
             </a:p>
             <a:p>
-              <a:endParaRPr lang="en-US" sz="1600" b="0" dirty="0" smtClean="0">
-                <a:solidFill>
-                  <a:srgbClr val="333333"/>
+              <a:r>
+                <a:rPr lang="en-US" sz="1600" b="0" dirty="0" smtClean="0">
+                  <a:solidFill>
+                    <a:srgbClr val="333333"/>
+                  </a:solidFill>
+                  <a:latin typeface="Consolas"/>
+                  <a:cs typeface="Consolas"/>
+                </a:rPr>
+                <a:t>    ...	         </a:t>
+              </a:r>
+              <a:endParaRPr lang="en-US" sz="1600" b="0" i="1" dirty="0">
+                <a:solidFill>
+                  <a:schemeClr val="tx1">
+                    <a:lumMod val="50000"/>
+                    <a:lumOff val="50000"/>
+                  </a:schemeClr>
                 </a:solidFill>
                 <a:latin typeface="Consolas"/>
                 <a:cs typeface="Consolas"/>
@@ -13742,16 +15386,170 @@
               <a:r>
                 <a:rPr lang="en-US" sz="1600" b="0" dirty="0" smtClean="0">
                   <a:solidFill>
+                    <a:srgbClr val="333333"/>
+                  </a:solidFill>
+                  <a:latin typeface="Consolas"/>
+                  <a:cs typeface="Consolas"/>
+                </a:rPr>
+                <a:t>    </a:t>
+              </a:r>
+              <a:r>
+                <a:rPr lang="en-US" sz="1600" b="0" dirty="0">
+                  <a:solidFill>
                     <a:srgbClr val="999999"/>
                   </a:solidFill>
                   <a:latin typeface="Consolas"/>
                   <a:cs typeface="Consolas"/>
                 </a:rPr>
-                <a:t>// fields</a:t>
-              </a:r>
-              <a:endParaRPr lang="en-US" sz="1600" b="0" dirty="0">
-                <a:solidFill>
-                  <a:srgbClr val="999999"/>
+                <a:t>// object</a:t>
+              </a:r>
+            </a:p>
+            <a:p>
+              <a:r>
+                <a:rPr lang="en-US" sz="1600" b="0" dirty="0" smtClean="0">
+                  <a:solidFill>
+                    <a:srgbClr val="333333"/>
+                  </a:solidFill>
+                  <a:latin typeface="Consolas"/>
+                  <a:cs typeface="Consolas"/>
+                </a:rPr>
+                <a:t>    </a:t>
+              </a:r>
+              <a:r>
+                <a:rPr lang="en-US" sz="1600" b="0" dirty="0" err="1" smtClean="0">
+                  <a:solidFill>
+                    <a:srgbClr val="333333"/>
+                  </a:solidFill>
+                  <a:latin typeface="Consolas"/>
+                  <a:cs typeface="Consolas"/>
+                </a:rPr>
+                <a:t>obj</a:t>
+              </a:r>
+              <a:r>
+                <a:rPr lang="en-US" sz="1600" b="0" i="1" dirty="0" err="1">
+                  <a:solidFill>
+                    <a:srgbClr val="333333"/>
+                  </a:solidFill>
+                  <a:latin typeface="Consolas"/>
+                  <a:cs typeface="Consolas"/>
+                </a:rPr>
+                <a:t>^H</a:t>
+              </a:r>
+              <a:r>
+                <a:rPr lang="en-US" sz="1600" b="0" dirty="0">
+                  <a:solidFill>
+                    <a:srgbClr val="333333"/>
+                  </a:solidFill>
+                  <a:latin typeface="Consolas"/>
+                  <a:cs typeface="Consolas"/>
+                </a:rPr>
+                <a:t> = </a:t>
+              </a:r>
+              <a:r>
+                <a:rPr lang="en-US" sz="1600" dirty="0">
+                  <a:solidFill>
+                    <a:srgbClr val="333333"/>
+                  </a:solidFill>
+                  <a:latin typeface="Consolas"/>
+                  <a:cs typeface="Consolas"/>
+                </a:rPr>
+                <a:t>new</a:t>
+              </a:r>
+              <a:r>
+                <a:rPr lang="en-US" sz="1600" b="0" dirty="0">
+                  <a:solidFill>
+                    <a:srgbClr val="333333"/>
+                  </a:solidFill>
+                  <a:latin typeface="Consolas"/>
+                  <a:cs typeface="Consolas"/>
+                </a:rPr>
+                <a:t> A()</a:t>
+              </a:r>
+            </a:p>
+            <a:p>
+              <a:r>
+                <a:rPr lang="en-US" sz="1600" b="0" dirty="0" smtClean="0">
+                  <a:solidFill>
+                    <a:srgbClr val="333333"/>
+                  </a:solidFill>
+                  <a:latin typeface="Consolas"/>
+                  <a:cs typeface="Consolas"/>
+                </a:rPr>
+                <a:t>    </a:t>
+              </a:r>
+              <a:r>
+                <a:rPr lang="en-US" sz="1600" b="0" dirty="0" err="1" smtClean="0">
+                  <a:solidFill>
+                    <a:srgbClr val="333333"/>
+                  </a:solidFill>
+                  <a:latin typeface="Consolas"/>
+                  <a:cs typeface="Consolas"/>
+                </a:rPr>
+                <a:t>field</a:t>
+              </a:r>
+              <a:r>
+                <a:rPr lang="en-US" sz="1600" b="0" i="1" dirty="0" err="1">
+                  <a:solidFill>
+                    <a:srgbClr val="333333"/>
+                  </a:solidFill>
+                  <a:latin typeface="Consolas"/>
+                  <a:cs typeface="Consolas"/>
+                </a:rPr>
+                <a:t>^H</a:t>
+              </a:r>
+              <a:r>
+                <a:rPr lang="en-US" sz="1600" b="0" dirty="0">
+                  <a:solidFill>
+                    <a:srgbClr val="333333"/>
+                  </a:solidFill>
+                  <a:latin typeface="Consolas"/>
+                  <a:cs typeface="Consolas"/>
+                </a:rPr>
+                <a:t> = </a:t>
+              </a:r>
+              <a:r>
+                <a:rPr lang="en-US" sz="1600" b="0" dirty="0" err="1">
+                  <a:solidFill>
+                    <a:srgbClr val="333333"/>
+                  </a:solidFill>
+                  <a:latin typeface="Consolas"/>
+                  <a:cs typeface="Consolas"/>
+                </a:rPr>
+                <a:t>obj</a:t>
+              </a:r>
+              <a:r>
+                <a:rPr lang="en-US" sz="1600" b="0" i="1" dirty="0" err="1">
+                  <a:solidFill>
+                    <a:srgbClr val="333333"/>
+                  </a:solidFill>
+                  <a:latin typeface="Consolas"/>
+                  <a:cs typeface="Consolas"/>
+                </a:rPr>
+                <a:t>^H</a:t>
+              </a:r>
+              <a:r>
+                <a:rPr lang="en-US" sz="1600" b="0" dirty="0" err="1">
+                  <a:solidFill>
+                    <a:srgbClr val="333333"/>
+                  </a:solidFill>
+                  <a:latin typeface="Consolas"/>
+                  <a:cs typeface="Consolas"/>
+                </a:rPr>
+                <a:t>.field</a:t>
+              </a:r>
+              <a:r>
+                <a:rPr lang="en-US" sz="1600" b="0" i="1" dirty="0" err="1">
+                  <a:solidFill>
+                    <a:srgbClr val="333333"/>
+                  </a:solidFill>
+                  <a:latin typeface="Consolas"/>
+                  <a:cs typeface="Consolas"/>
+                </a:rPr>
+                <a:t>^L</a:t>
+              </a:r>
+              <a:endParaRPr lang="en-US" sz="1600" b="0" i="1" dirty="0">
+                <a:solidFill>
+                  <a:srgbClr val="333333"/>
                 </a:solidFill>
                 <a:latin typeface="Consolas"/>
                 <a:cs typeface="Consolas"/>
@@ -13759,109 +15557,111 @@
             </a:p>
             <a:p>
               <a:r>
-                <a:rPr lang="en-US" sz="1600" b="0" dirty="0" err="1" smtClean="0">
-                  <a:solidFill>
-                    <a:srgbClr val="333333"/>
-                  </a:solidFill>
-                  <a:latin typeface="Consolas"/>
-                  <a:cs typeface="Consolas"/>
-                </a:rPr>
-                <a:t>field</a:t>
-              </a:r>
-              <a:r>
-                <a:rPr lang="en-US" sz="1600" b="0" i="1" dirty="0" err="1" smtClean="0">
-                  <a:solidFill>
-                    <a:srgbClr val="333333"/>
-                  </a:solidFill>
-                  <a:latin typeface="Consolas"/>
-                  <a:cs typeface="Consolas"/>
-                </a:rPr>
-                <a:t>^H</a:t>
-              </a:r>
-              <a:r>
                 <a:rPr lang="en-US" sz="1600" b="0" dirty="0" smtClean="0">
                   <a:solidFill>
-                    <a:srgbClr val="333333"/>
-                  </a:solidFill>
-                  <a:latin typeface="Consolas"/>
-                  <a:cs typeface="Consolas"/>
-                </a:rPr>
-                <a:t> = </a:t>
-              </a:r>
-              <a:r>
-                <a:rPr lang="en-US" sz="1600" b="0" dirty="0" err="1" smtClean="0">
-                  <a:solidFill>
-                    <a:srgbClr val="333333"/>
-                  </a:solidFill>
-                  <a:latin typeface="Consolas"/>
-                  <a:cs typeface="Consolas"/>
-                </a:rPr>
-                <a:t>val</a:t>
-              </a:r>
-              <a:r>
-                <a:rPr lang="en-US" sz="1600" b="0" i="1" dirty="0" err="1" smtClean="0">
-                  <a:solidFill>
-                    <a:srgbClr val="333333"/>
-                  </a:solidFill>
-                  <a:latin typeface="Consolas"/>
-                  <a:cs typeface="Consolas"/>
-                </a:rPr>
-                <a:t>^L</a:t>
+                    <a:srgbClr val="999999"/>
+                  </a:solidFill>
+                  <a:latin typeface="Consolas"/>
+                  <a:cs typeface="Consolas"/>
+                </a:rPr>
+                <a:t>    /</a:t>
+              </a:r>
+              <a:r>
+                <a:rPr lang="en-US" sz="1600" b="0" dirty="0">
+                  <a:solidFill>
+                    <a:srgbClr val="999999"/>
+                  </a:solidFill>
+                  <a:latin typeface="Consolas"/>
+                  <a:cs typeface="Consolas"/>
+                </a:rPr>
+                <a:t>/ --&gt; </a:t>
+              </a:r>
+              <a:r>
+                <a:rPr lang="en-US" sz="1600" b="0" i="1" dirty="0">
+                  <a:solidFill>
+                    <a:srgbClr val="999999"/>
+                  </a:solidFill>
+                  <a:latin typeface="Consolas"/>
+                  <a:cs typeface="Consolas"/>
+                </a:rPr>
+                <a:t>^</a:t>
               </a:r>
               <a:r>
                 <a:rPr lang="en-US" sz="1600" b="0" i="1" dirty="0" smtClean="0">
                   <a:solidFill>
-                    <a:srgbClr val="333333"/>
-                  </a:solidFill>
-                  <a:latin typeface="Consolas"/>
-                  <a:cs typeface="Consolas"/>
-                </a:rPr>
-                <a:t>   </a:t>
-              </a:r>
-            </a:p>
-            <a:p>
-              <a:r>
-                <a:rPr lang="en-US" sz="1600" b="0" dirty="0" smtClean="0">
-                  <a:solidFill>
                     <a:srgbClr val="999999"/>
                   </a:solidFill>
                   <a:latin typeface="Consolas"/>
                   <a:cs typeface="Consolas"/>
                 </a:rPr>
-                <a:t>// --&gt; </a:t>
-              </a:r>
-              <a:r>
-                <a:rPr lang="en-US" sz="1600" b="0" dirty="0" err="1" smtClean="0">
-                  <a:solidFill>
-                    <a:srgbClr val="999999"/>
-                  </a:solidFill>
-                  <a:latin typeface="Consolas"/>
-                  <a:cs typeface="Consolas"/>
-                </a:rPr>
-                <a:t>field</a:t>
-              </a:r>
-              <a:r>
-                <a:rPr lang="en-US" sz="1600" b="0" i="1" dirty="0" err="1" smtClean="0">
-                  <a:solidFill>
-                    <a:srgbClr val="999999"/>
-                  </a:solidFill>
-                  <a:latin typeface="Consolas"/>
-                  <a:cs typeface="Consolas"/>
-                </a:rPr>
-                <a:t>^H</a:t>
-              </a:r>
-              <a:endParaRPr lang="en-US" sz="1600" b="0" i="1" dirty="0" smtClean="0">
-                <a:solidFill>
-                  <a:srgbClr val="999999"/>
+                <a:t>H</a:t>
+              </a:r>
+              <a:endParaRPr lang="en-US" sz="1600" b="0" dirty="0">
+                <a:solidFill>
+                  <a:srgbClr val="333333"/>
                 </a:solidFill>
                 <a:latin typeface="Consolas"/>
                 <a:cs typeface="Consolas"/>
               </a:endParaRPr>
             </a:p>
             <a:p>
-              <a:endParaRPr lang="en-US" sz="1600" b="0" dirty="0" smtClean="0">
-                <a:solidFill>
-                  <a:srgbClr val="333333"/>
+              <a:r>
+                <a:rPr lang="en-US" sz="1600" b="0" dirty="0" smtClean="0">
+                  <a:solidFill>
+                    <a:srgbClr val="333333"/>
+                  </a:solidFill>
+                  <a:latin typeface="Consolas"/>
+                  <a:cs typeface="Consolas"/>
+                </a:rPr>
+                <a:t>  }</a:t>
+              </a:r>
+            </a:p>
+            <a:p>
+              <a:r>
+                <a:rPr lang="en-US" sz="1600" b="0" dirty="0" smtClean="0">
+                  <a:solidFill>
+                    <a:srgbClr val="333333"/>
+                  </a:solidFill>
+                  <a:latin typeface="Consolas"/>
+                  <a:cs typeface="Consolas"/>
+                </a:rPr>
+                <a:t>  </a:t>
+              </a:r>
+            </a:p>
+            <a:p>
+              <a:r>
+                <a:rPr lang="en-US" sz="1600" b="0" dirty="0">
+                  <a:solidFill>
+                    <a:srgbClr val="333333"/>
+                  </a:solidFill>
+                  <a:latin typeface="Consolas"/>
+                  <a:cs typeface="Consolas"/>
+                </a:rPr>
+                <a:t> </a:t>
+              </a:r>
+              <a:r>
+                <a:rPr lang="en-US" sz="1600" b="0" dirty="0" smtClean="0">
+                  <a:solidFill>
+                    <a:srgbClr val="333333"/>
+                  </a:solidFill>
+                  <a:latin typeface="Consolas"/>
+                  <a:cs typeface="Consolas"/>
+                </a:rPr>
+                <a:t> </a:t>
+              </a:r>
+              <a:r>
+                <a:rPr lang="en-US" sz="1600" b="0" dirty="0" smtClean="0">
+                  <a:solidFill>
+                    <a:srgbClr val="999999"/>
+                  </a:solidFill>
+                  <a:latin typeface="Consolas"/>
+                  <a:cs typeface="Consolas"/>
+                </a:rPr>
+                <a:t>// Context</a:t>
+              </a:r>
+              <a:endParaRPr lang="en-US" sz="1600" b="0" dirty="0">
+                <a:solidFill>
+                  <a:srgbClr val="999999"/>
                 </a:solidFill>
                 <a:latin typeface="Consolas"/>
                 <a:cs typeface="Consolas"/>
@@ -13871,16 +15671,177 @@
               <a:r>
                 <a:rPr lang="en-US" sz="1600" b="0" dirty="0" smtClean="0">
                   <a:solidFill>
-                    <a:srgbClr val="999999"/>
-                  </a:solidFill>
-                  <a:latin typeface="Consolas"/>
-                  <a:cs typeface="Consolas"/>
-                </a:rPr>
-                <a:t>// array</a:t>
+                    <a:srgbClr val="333333"/>
+                  </a:solidFill>
+                  <a:latin typeface="Consolas"/>
+                  <a:cs typeface="Consolas"/>
+                </a:rPr>
+                <a:t>  </a:t>
+              </a:r>
+              <a:r>
+                <a:rPr lang="en-US" sz="1600" b="0" dirty="0" smtClean="0">
+                  <a:latin typeface="Consolas"/>
+                  <a:cs typeface="Consolas"/>
+                </a:rPr>
+                <a:t>method2(</a:t>
+              </a:r>
+              <a:r>
+                <a:rPr lang="en-US" sz="1600" b="0" dirty="0">
+                  <a:latin typeface="Consolas"/>
+                  <a:cs typeface="Consolas"/>
+                </a:rPr>
+                <a:t>)</a:t>
+              </a:r>
+              <a:r>
+                <a:rPr lang="en-US" sz="1600" b="0" i="1" dirty="0">
+                  <a:latin typeface="Consolas"/>
+                  <a:cs typeface="Consolas"/>
+                </a:rPr>
+                <a:t>^H</a:t>
+              </a:r>
+              <a:r>
+                <a:rPr lang="en-US" sz="1600" b="0" dirty="0">
+                  <a:latin typeface="Consolas"/>
+                  <a:cs typeface="Consolas"/>
+                </a:rPr>
+                <a:t> </a:t>
+              </a:r>
+              <a:r>
+                <a:rPr lang="en-US" sz="1600" b="0" dirty="0" smtClean="0">
+                  <a:latin typeface="Consolas"/>
+                  <a:cs typeface="Consolas"/>
+                </a:rPr>
+                <a:t>{</a:t>
+              </a:r>
+            </a:p>
+            <a:p>
+              <a:r>
+                <a:rPr lang="en-US" sz="1600" dirty="0" smtClean="0">
+                  <a:solidFill>
+                    <a:srgbClr val="333333"/>
+                  </a:solidFill>
+                  <a:latin typeface="Consolas"/>
+                  <a:cs typeface="Consolas"/>
+                </a:rPr>
+                <a:t>    if</a:t>
+              </a:r>
+              <a:r>
+                <a:rPr lang="en-US" sz="1600" b="0" dirty="0" smtClean="0">
+                  <a:solidFill>
+                    <a:srgbClr val="333333"/>
+                  </a:solidFill>
+                  <a:latin typeface="Consolas"/>
+                  <a:cs typeface="Consolas"/>
+                </a:rPr>
+                <a:t> </a:t>
+              </a:r>
+              <a:r>
+                <a:rPr lang="en-US" sz="1600" b="0" dirty="0">
+                  <a:solidFill>
+                    <a:srgbClr val="333333"/>
+                  </a:solidFill>
+                  <a:latin typeface="Consolas"/>
+                  <a:cs typeface="Consolas"/>
+                </a:rPr>
+                <a:t>val1</a:t>
+              </a:r>
+              <a:r>
+                <a:rPr lang="en-US" sz="1600" b="0" i="1" dirty="0">
+                  <a:solidFill>
+                    <a:srgbClr val="333333"/>
+                  </a:solidFill>
+                  <a:latin typeface="Consolas"/>
+                  <a:cs typeface="Consolas"/>
+                </a:rPr>
+                <a:t>^H</a:t>
+              </a:r>
+            </a:p>
+            <a:p>
+              <a:r>
+                <a:rPr lang="en-US" sz="1600" dirty="0" smtClean="0">
+                  <a:solidFill>
+                    <a:srgbClr val="333333"/>
+                  </a:solidFill>
+                  <a:latin typeface="Consolas"/>
+                  <a:cs typeface="Consolas"/>
+                </a:rPr>
+                <a:t>      return</a:t>
+              </a:r>
+              <a:r>
+                <a:rPr lang="en-US" sz="1600" b="0" dirty="0" smtClean="0">
+                  <a:solidFill>
+                    <a:srgbClr val="333333"/>
+                  </a:solidFill>
+                  <a:latin typeface="Consolas"/>
+                  <a:cs typeface="Consolas"/>
+                </a:rPr>
+                <a:t> </a:t>
+              </a:r>
+              <a:r>
+                <a:rPr lang="en-US" sz="1600" b="0" dirty="0">
+                  <a:solidFill>
+                    <a:srgbClr val="333333"/>
+                  </a:solidFill>
+                  <a:latin typeface="Consolas"/>
+                  <a:cs typeface="Consolas"/>
+                </a:rPr>
+                <a:t>val2</a:t>
+              </a:r>
+              <a:r>
+                <a:rPr lang="en-US" sz="1600" b="0" i="1" dirty="0">
+                  <a:solidFill>
+                    <a:srgbClr val="333333"/>
+                  </a:solidFill>
+                  <a:latin typeface="Consolas"/>
+                  <a:cs typeface="Consolas"/>
+                </a:rPr>
+                <a:t>^</a:t>
+              </a:r>
+              <a:r>
+                <a:rPr lang="en-US" sz="1600" b="0" i="1" dirty="0" smtClean="0">
+                  <a:solidFill>
+                    <a:srgbClr val="333333"/>
+                  </a:solidFill>
+                  <a:latin typeface="Consolas"/>
+                  <a:cs typeface="Consolas"/>
+                </a:rPr>
+                <a:t>L</a:t>
+              </a:r>
+            </a:p>
+            <a:p>
+              <a:r>
+                <a:rPr lang="en-US" sz="1600" b="0" i="1" dirty="0">
+                  <a:solidFill>
+                    <a:srgbClr val="333333"/>
+                  </a:solidFill>
+                  <a:latin typeface="Consolas"/>
+                  <a:cs typeface="Consolas"/>
+                </a:rPr>
+                <a:t> </a:t>
+              </a:r>
+              <a:r>
+                <a:rPr lang="en-US" sz="1600" b="0" i="1" dirty="0" smtClean="0">
+                  <a:solidFill>
+                    <a:srgbClr val="333333"/>
+                  </a:solidFill>
+                  <a:latin typeface="Consolas"/>
+                  <a:cs typeface="Consolas"/>
+                </a:rPr>
+                <a:t>   </a:t>
+              </a:r>
+              <a:r>
+                <a:rPr lang="en-US" sz="1600" b="0" dirty="0" smtClean="0">
+                  <a:solidFill>
+                    <a:srgbClr val="333333"/>
+                  </a:solidFill>
+                  <a:latin typeface="Consolas"/>
+                  <a:cs typeface="Consolas"/>
+                </a:rPr>
+                <a:t>...</a:t>
               </a:r>
               <a:endParaRPr lang="en-US" sz="1600" b="0" dirty="0">
                 <a:solidFill>
-                  <a:srgbClr val="999999"/>
+                  <a:srgbClr val="333333"/>
                 </a:solidFill>
                 <a:latin typeface="Consolas"/>
                 <a:cs typeface="Consolas"/>
@@ -13888,371 +15849,75 @@
             </a:p>
             <a:p>
               <a:r>
-                <a:rPr lang="en-US" sz="1600" b="0" dirty="0" err="1" smtClean="0">
+                <a:rPr lang="en-US" sz="1600" b="0" dirty="0" smtClean="0">
                   <a:solidFill>
                     <a:srgbClr val="333333"/>
                   </a:solidFill>
                   <a:latin typeface="Consolas"/>
                   <a:cs typeface="Consolas"/>
                 </a:rPr>
-                <a:t>arr</a:t>
-              </a:r>
-              <a:r>
-                <a:rPr lang="en-US" sz="1600" b="0" i="1" dirty="0" err="1" smtClean="0">
-                  <a:solidFill>
-                    <a:srgbClr val="333333"/>
-                  </a:solidFill>
-                  <a:latin typeface="Consolas"/>
-                  <a:cs typeface="Consolas"/>
-                </a:rPr>
-                <a:t>^H</a:t>
-              </a:r>
-              <a:r>
-                <a:rPr lang="en-US" sz="1600" b="0" i="1" dirty="0" smtClean="0">
-                  <a:solidFill>
-                    <a:srgbClr val="333333"/>
-                  </a:solidFill>
-                  <a:latin typeface="Consolas"/>
-                  <a:cs typeface="Consolas"/>
-                </a:rPr>
-                <a:t>[0]</a:t>
-              </a:r>
-              <a:r>
-                <a:rPr lang="en-US" sz="1600" b="0" dirty="0" smtClean="0">
-                  <a:solidFill>
-                    <a:srgbClr val="333333"/>
-                  </a:solidFill>
-                  <a:latin typeface="Consolas"/>
-                  <a:cs typeface="Consolas"/>
-                </a:rPr>
-                <a:t> = </a:t>
-              </a:r>
-              <a:r>
-                <a:rPr lang="en-US" sz="1600" b="0" dirty="0" err="1" smtClean="0">
-                  <a:solidFill>
-                    <a:srgbClr val="333333"/>
-                  </a:solidFill>
-                  <a:latin typeface="Consolas"/>
-                  <a:cs typeface="Consolas"/>
-                </a:rPr>
-                <a:t>val</a:t>
-              </a:r>
-              <a:r>
-                <a:rPr lang="en-US" sz="1600" b="0" i="1" dirty="0" err="1" smtClean="0">
-                  <a:solidFill>
-                    <a:srgbClr val="333333"/>
-                  </a:solidFill>
-                  <a:latin typeface="Consolas"/>
-                  <a:cs typeface="Consolas"/>
-                </a:rPr>
-                <a:t>^L</a:t>
-              </a:r>
-              <a:r>
-                <a:rPr lang="en-US" sz="1600" b="0" dirty="0" smtClean="0">
-                  <a:solidFill>
-                    <a:srgbClr val="333333"/>
-                  </a:solidFill>
-                  <a:latin typeface="Consolas"/>
-                  <a:cs typeface="Consolas"/>
-                </a:rPr>
-                <a:t>   </a:t>
+                <a:t>  }</a:t>
               </a:r>
             </a:p>
             <a:p>
               <a:r>
                 <a:rPr lang="en-US" sz="1600" b="0" dirty="0" smtClean="0">
                   <a:solidFill>
-                    <a:srgbClr val="999999"/>
-                  </a:solidFill>
-                  <a:latin typeface="Consolas"/>
-                  <a:cs typeface="Consolas"/>
-                </a:rPr>
-                <a:t>/</a:t>
+                    <a:srgbClr val="333333"/>
+                  </a:solidFill>
+                  <a:latin typeface="Consolas"/>
+                  <a:cs typeface="Consolas"/>
+                </a:rPr>
+                <a:t>  </a:t>
+              </a:r>
+              <a:r>
+                <a:rPr lang="en-US" sz="1600" b="0" dirty="0" smtClean="0">
+                  <a:latin typeface="Consolas"/>
+                  <a:cs typeface="Consolas"/>
+                </a:rPr>
+                <a:t>.</a:t>
               </a:r>
               <a:r>
                 <a:rPr lang="en-US" sz="1600" b="0" dirty="0">
-                  <a:solidFill>
-                    <a:srgbClr val="999999"/>
-                  </a:solidFill>
-                  <a:latin typeface="Consolas"/>
-                  <a:cs typeface="Consolas"/>
-                </a:rPr>
-                <a:t>/ </a:t>
-              </a:r>
-              <a:r>
-                <a:rPr lang="en-US" sz="1600" b="0" dirty="0" err="1">
-                  <a:solidFill>
-                    <a:srgbClr val="999999"/>
-                  </a:solidFill>
-                  <a:latin typeface="Consolas"/>
-                  <a:cs typeface="Consolas"/>
-                </a:rPr>
-                <a:t>arr</a:t>
-              </a:r>
-              <a:r>
-                <a:rPr lang="en-US" sz="1600" b="0" i="1" dirty="0" err="1">
-                  <a:solidFill>
-                    <a:srgbClr val="999999"/>
-                  </a:solidFill>
-                  <a:latin typeface="Consolas"/>
-                  <a:cs typeface="Consolas"/>
-                </a:rPr>
-                <a:t>^H</a:t>
-              </a:r>
-              <a:r>
-                <a:rPr lang="en-US" sz="1600" b="0" dirty="0">
-                  <a:solidFill>
-                    <a:srgbClr val="999999"/>
-                  </a:solidFill>
-                  <a:latin typeface="Consolas"/>
-                  <a:cs typeface="Consolas"/>
-                </a:rPr>
-                <a:t>[0]-</a:t>
-              </a:r>
-              <a:r>
-                <a:rPr lang="en-US" sz="1600" b="0" dirty="0" smtClean="0">
-                  <a:solidFill>
-                    <a:srgbClr val="999999"/>
-                  </a:solidFill>
-                  <a:latin typeface="Consolas"/>
-                  <a:cs typeface="Consolas"/>
-                </a:rPr>
-                <a:t>-&gt; </a:t>
-              </a:r>
-              <a:r>
-                <a:rPr lang="en-US" sz="1600" b="0" i="1" dirty="0" smtClean="0">
-                  <a:solidFill>
-                    <a:srgbClr val="999999"/>
-                  </a:solidFill>
-                  <a:latin typeface="Consolas"/>
-                  <a:cs typeface="Consolas"/>
-                </a:rPr>
-                <a:t>^H</a:t>
-              </a:r>
-            </a:p>
-            <a:p>
-              <a:endParaRPr lang="en-US" sz="1600" b="0" i="1" dirty="0">
-                <a:solidFill>
-                  <a:srgbClr val="999999"/>
-                </a:solidFill>
+                  <a:latin typeface="Consolas"/>
+                  <a:cs typeface="Consolas"/>
+                </a:rPr>
+                <a:t>..</a:t>
+              </a:r>
+              <a:endParaRPr lang="en-US" sz="1600" b="0" dirty="0" smtClean="0">
                 <a:latin typeface="Consolas"/>
                 <a:cs typeface="Consolas"/>
               </a:endParaRPr>
             </a:p>
             <a:p>
-              <a:endParaRPr lang="en-US" sz="1600" b="0" i="1" dirty="0" smtClean="0">
-                <a:solidFill>
-                  <a:srgbClr val="999999"/>
-                </a:solidFill>
-                <a:latin typeface="Consolas"/>
-                <a:cs typeface="Consolas"/>
-              </a:endParaRPr>
-            </a:p>
-            <a:p>
               <a:r>
                 <a:rPr lang="en-US" sz="1600" b="0" dirty="0" smtClean="0">
                   <a:solidFill>
-                    <a:srgbClr val="999999"/>
-                  </a:solidFill>
-                  <a:latin typeface="Consolas"/>
-                  <a:cs typeface="Consolas"/>
-                </a:rPr>
-                <a:t>// context handling</a:t>
-              </a:r>
-            </a:p>
-            <a:p>
-              <a:r>
-                <a:rPr lang="en-US" sz="1600" dirty="0">
-                  <a:latin typeface="Consolas"/>
-                  <a:cs typeface="Consolas"/>
-                </a:rPr>
-                <a:t>if</a:t>
-              </a:r>
-              <a:r>
-                <a:rPr lang="en-US" sz="1600" b="0" dirty="0">
-                  <a:latin typeface="Consolas"/>
-                  <a:cs typeface="Consolas"/>
-                </a:rPr>
-                <a:t> </a:t>
-              </a:r>
-              <a:r>
-                <a:rPr lang="en-US" sz="1600" b="0" dirty="0" err="1" smtClean="0">
-                  <a:latin typeface="Consolas"/>
-                  <a:cs typeface="Consolas"/>
-                </a:rPr>
-                <a:t>high</a:t>
-              </a:r>
-              <a:r>
-                <a:rPr lang="en-US" sz="1600" b="0" i="1" dirty="0" err="1" smtClean="0">
-                  <a:latin typeface="Consolas"/>
-                  <a:cs typeface="Consolas"/>
-                </a:rPr>
-                <a:t>^H</a:t>
-              </a:r>
-              <a:endParaRPr lang="en-US" sz="1600" i="1" dirty="0">
-                <a:latin typeface="Consolas"/>
-                <a:cs typeface="Consolas"/>
-              </a:endParaRPr>
-            </a:p>
-            <a:p>
-              <a:r>
-                <a:rPr lang="en-US" sz="1600" dirty="0">
-                  <a:latin typeface="Consolas"/>
-                  <a:cs typeface="Consolas"/>
-                </a:rPr>
-                <a:t>   </a:t>
-              </a:r>
-              <a:r>
-                <a:rPr lang="en-US" sz="1600" b="0" dirty="0" smtClean="0">
-                  <a:solidFill>
-                    <a:schemeClr val="tx1">
-                      <a:lumMod val="50000"/>
-                      <a:lumOff val="50000"/>
-                    </a:schemeClr>
-                  </a:solidFill>
-                  <a:latin typeface="Consolas"/>
-                  <a:cs typeface="Consolas"/>
-                </a:rPr>
-                <a:t>// only “high” fields</a:t>
-              </a:r>
-            </a:p>
-            <a:p>
-              <a:r>
-                <a:rPr lang="en-US" sz="1600" b="0" dirty="0">
-                  <a:solidFill>
-                    <a:schemeClr val="tx1">
-                      <a:lumMod val="50000"/>
-                      <a:lumOff val="50000"/>
-                    </a:schemeClr>
-                  </a:solidFill>
-                  <a:latin typeface="Consolas"/>
-                  <a:cs typeface="Consolas"/>
-                </a:rPr>
-                <a:t> </a:t>
-              </a:r>
-              <a:r>
-                <a:rPr lang="en-US" sz="1600" b="0" dirty="0" smtClean="0">
-                  <a:solidFill>
-                    <a:schemeClr val="tx1">
-                      <a:lumMod val="50000"/>
-                      <a:lumOff val="50000"/>
-                    </a:schemeClr>
-                  </a:solidFill>
-                  <a:latin typeface="Consolas"/>
-                  <a:cs typeface="Consolas"/>
-                </a:rPr>
-                <a:t>  /</a:t>
-              </a:r>
-              <a:r>
-                <a:rPr lang="en-US" sz="1600" b="0" dirty="0">
-                  <a:solidFill>
-                    <a:schemeClr val="tx1">
-                      <a:lumMod val="50000"/>
-                      <a:lumOff val="50000"/>
-                    </a:schemeClr>
-                  </a:solidFill>
-                  <a:latin typeface="Consolas"/>
-                  <a:cs typeface="Consolas"/>
-                </a:rPr>
-                <a:t>/ can be assigned</a:t>
-              </a:r>
-            </a:p>
-            <a:p>
-              <a:r>
-                <a:rPr lang="en-US" sz="1600" b="0" dirty="0">
-                  <a:solidFill>
                     <a:srgbClr val="333333"/>
                   </a:solidFill>
                   <a:latin typeface="Consolas"/>
                   <a:cs typeface="Consolas"/>
                 </a:rPr>
-                <a:t> </a:t>
-              </a:r>
-              <a:r>
-                <a:rPr lang="en-US" sz="1600" b="0" dirty="0" smtClean="0">
-                  <a:solidFill>
-                    <a:srgbClr val="333333"/>
-                  </a:solidFill>
-                  <a:latin typeface="Consolas"/>
-                  <a:cs typeface="Consolas"/>
-                </a:rPr>
-                <a:t>  </a:t>
-              </a:r>
-              <a:r>
-                <a:rPr lang="en-US" sz="1600" b="0" dirty="0" err="1" smtClean="0">
-                  <a:solidFill>
-                    <a:srgbClr val="333333"/>
-                  </a:solidFill>
-                  <a:latin typeface="Consolas"/>
-                  <a:cs typeface="Consolas"/>
-                </a:rPr>
-                <a:t>field</a:t>
-              </a:r>
-              <a:r>
-                <a:rPr lang="en-US" sz="1600" b="0" i="1" dirty="0" err="1" smtClean="0">
-                  <a:solidFill>
-                    <a:srgbClr val="333333"/>
-                  </a:solidFill>
-                  <a:latin typeface="Consolas"/>
-                  <a:cs typeface="Consolas"/>
-                </a:rPr>
-                <a:t>^H</a:t>
-              </a:r>
-              <a:r>
-                <a:rPr lang="en-US" sz="1600" b="0" dirty="0" smtClean="0">
-                  <a:solidFill>
-                    <a:srgbClr val="333333"/>
-                  </a:solidFill>
-                  <a:latin typeface="Consolas"/>
-                  <a:cs typeface="Consolas"/>
-                </a:rPr>
-                <a:t> = </a:t>
-              </a:r>
-              <a:r>
-                <a:rPr lang="en-US" sz="1600" b="0" dirty="0" err="1" smtClean="0">
-                  <a:solidFill>
-                    <a:srgbClr val="333333"/>
-                  </a:solidFill>
-                  <a:latin typeface="Consolas"/>
-                  <a:cs typeface="Consolas"/>
-                </a:rPr>
-                <a:t>val</a:t>
-              </a:r>
-              <a:r>
-                <a:rPr lang="en-US" sz="1600" b="0" i="1" dirty="0" err="1" smtClean="0">
-                  <a:solidFill>
-                    <a:srgbClr val="333333"/>
-                  </a:solidFill>
-                  <a:latin typeface="Consolas"/>
-                  <a:cs typeface="Consolas"/>
-                </a:rPr>
-                <a:t>^L</a:t>
-              </a:r>
-              <a:endParaRPr lang="en-US" sz="1600" b="0" i="1" dirty="0" smtClean="0">
-                <a:solidFill>
-                  <a:srgbClr val="333333"/>
-                </a:solidFill>
-                <a:latin typeface="Consolas"/>
-                <a:cs typeface="Consolas"/>
-              </a:endParaRPr>
+                <a:t>}</a:t>
+              </a:r>
             </a:p>
           </p:txBody>
         </p:sp>
         <p:sp>
           <p:nvSpPr>
-            <p:cNvPr id="9" name="Textfeld 8"/>
+            <p:cNvPr id="13" name="Textfeld 12"/>
             <p:cNvSpPr txBox="1"/>
             <p:nvPr/>
           </p:nvSpPr>
           <p:spPr>
             <a:xfrm>
-              <a:off x="5660572" y="1181714"/>
-              <a:ext cx="3220357" cy="307777"/>
+              <a:off x="5005349" y="1181714"/>
+              <a:ext cx="3670341" cy="307777"/>
             </a:xfrm>
             <a:prstGeom prst="rect">
               <a:avLst/>
             </a:prstGeom>
-            <a:noFill/>
+            <a:grpFill/>
           </p:spPr>
           <p:txBody>
             <a:bodyPr wrap="square" rtlCol="0" anchor="b" anchorCtr="0">
@@ -14276,7 +15941,7 @@
                   </a:solidFill>
                   <a:latin typeface="+mn-lt"/>
                 </a:rPr>
-                <a:t>seudo-code:</a:t>
+                <a:t>seudo-code for objects &amp; context:</a:t>
               </a:r>
               <a:endParaRPr lang="en-US" b="0" dirty="0">
                 <a:solidFill>
@@ -14291,7 +15956,7 @@
     </p:spTree>
     <p:extLst>
       <p:ext uri="{BB962C8B-B14F-4D97-AF65-F5344CB8AC3E}">
-        <p14:creationId xmlns:p14="http://schemas.microsoft.com/office/powerpoint/2010/main" val="3993831204"/>
+        <p14:creationId xmlns:p14="http://schemas.microsoft.com/office/powerpoint/2010/main" val="3621398793"/>
       </p:ext>
     </p:extLst>
   </p:cSld>
@@ -14338,7 +16003,7 @@
         <p:spPr>
           <a:xfrm>
             <a:off x="459752" y="985491"/>
-            <a:ext cx="5028462" cy="504642"/>
+            <a:ext cx="5019392" cy="504642"/>
           </a:xfrm>
         </p:spPr>
         <p:txBody>
@@ -14347,7 +16012,7 @@
           <a:p>
             <a:r>
               <a:rPr lang="en-US" dirty="0" smtClean="0"/>
-              <a:t>methods &amp; objects</a:t>
+              <a:t>assignment</a:t>
             </a:r>
             <a:endParaRPr lang="en-US" dirty="0"/>
           </a:p>
@@ -14366,7 +16031,7 @@
         <p:spPr>
           <a:xfrm>
             <a:off x="457199" y="1549400"/>
-            <a:ext cx="5031015" cy="4764314"/>
+            <a:ext cx="5203371" cy="4576763"/>
           </a:xfrm>
         </p:spPr>
         <p:txBody>
@@ -14381,402 +16046,30 @@
               <a:buChar char="►"/>
             </a:pPr>
             <a:r>
-              <a:rPr lang="en-US" sz="2000" dirty="0">
+              <a:rPr lang="en-US" sz="2000" dirty="0" smtClean="0">
                 <a:solidFill>
                   <a:srgbClr val="333333"/>
                 </a:solidFill>
               </a:rPr>
-              <a:t>m</a:t>
-            </a:r>
-            <a:r>
+              <a:t>locals</a:t>
+            </a:r>
+            <a:br>
               <a:rPr lang="en-US" sz="2000" dirty="0" smtClean="0">
-                <a:solidFill>
-                  <a:srgbClr val="333333"/>
-                </a:solidFill>
-              </a:rPr>
-              <a:t>ethods</a:t>
-            </a:r>
-          </a:p>
-          <a:p>
-            <a:pPr marL="814388" lvl="1" indent="-357188">
-              <a:buClr>
-                <a:srgbClr val="5781BD"/>
-              </a:buClr>
-              <a:buFont typeface="Lucida Grande"/>
-              <a:buChar char="►"/>
-            </a:pPr>
-            <a:r>
-              <a:rPr lang="en-US" sz="1600" dirty="0" smtClean="0">
-                <a:solidFill>
-                  <a:srgbClr val="333333"/>
-                </a:solidFill>
-              </a:rPr>
-              <a:t>parameter</a:t>
-            </a:r>
-            <a:br>
-              <a:rPr lang="en-US" sz="1600" dirty="0" smtClean="0">
                 <a:solidFill>
                   <a:srgbClr val="333333"/>
                 </a:solidFill>
               </a:rPr>
             </a:br>
             <a:r>
-              <a:rPr lang="en-US" sz="1600" dirty="0">
+              <a:rPr lang="en-US" sz="1600" dirty="0" smtClean="0">
                 <a:solidFill>
                   <a:srgbClr val="333333"/>
                 </a:solidFill>
                 <a:sym typeface="Wingdings"/>
               </a:rPr>
-              <a:t> </a:t>
-            </a:r>
-            <a:r>
-              <a:rPr lang="en-US" sz="1600" dirty="0">
-                <a:solidFill>
-                  <a:srgbClr val="004A99"/>
-                </a:solidFill>
-                <a:sym typeface="Wingdings"/>
-              </a:rPr>
-              <a:t>security level</a:t>
-            </a:r>
-            <a:r>
-              <a:rPr lang="en-US" sz="1600" dirty="0">
-                <a:solidFill>
-                  <a:srgbClr val="333333"/>
-                </a:solidFill>
-                <a:sym typeface="Wingdings"/>
-              </a:rPr>
-              <a:t> of </a:t>
-            </a:r>
-            <a:r>
-              <a:rPr lang="en-US" sz="1600" dirty="0" smtClean="0">
-                <a:solidFill>
-                  <a:srgbClr val="333333"/>
-                </a:solidFill>
-                <a:sym typeface="Wingdings"/>
-              </a:rPr>
-              <a:t>argument &lt;</a:t>
-            </a:r>
-            <a:r>
-              <a:rPr lang="en-US" sz="1600" dirty="0">
-                <a:solidFill>
-                  <a:srgbClr val="333333"/>
-                </a:solidFill>
-                <a:sym typeface="Wingdings"/>
-              </a:rPr>
-              <a:t>= level </a:t>
-            </a:r>
-            <a:r>
-              <a:rPr lang="en-US" sz="1600" dirty="0" smtClean="0">
-                <a:solidFill>
-                  <a:srgbClr val="333333"/>
-                </a:solidFill>
-                <a:sym typeface="Wingdings"/>
-              </a:rPr>
-              <a:t/>
-            </a:r>
-            <a:br>
-              <a:rPr lang="en-US" sz="1600" dirty="0" smtClean="0">
-                <a:solidFill>
-                  <a:srgbClr val="333333"/>
-                </a:solidFill>
-                <a:sym typeface="Wingdings"/>
-              </a:rPr>
-            </a:br>
-            <a:r>
-              <a:rPr lang="en-US" sz="1600" dirty="0" smtClean="0">
-                <a:solidFill>
-                  <a:srgbClr val="333333"/>
-                </a:solidFill>
-                <a:sym typeface="Wingdings"/>
-              </a:rPr>
-              <a:t>    of parameter</a:t>
+              <a:t> flexible treatment</a:t>
             </a:r>
             <a:endParaRPr lang="en-US" sz="1600" dirty="0">
-              <a:solidFill>
-                <a:srgbClr val="333333"/>
-              </a:solidFill>
-            </a:endParaRPr>
-          </a:p>
-          <a:p>
-            <a:pPr marL="814388" lvl="1" indent="-357188">
-              <a:buClr>
-                <a:srgbClr val="5781BD"/>
-              </a:buClr>
-              <a:buFont typeface="Lucida Grande"/>
-              <a:buChar char="►"/>
-            </a:pPr>
-            <a:endParaRPr lang="en-US" sz="1600" dirty="0" smtClean="0">
-              <a:solidFill>
-                <a:srgbClr val="333333"/>
-              </a:solidFill>
-            </a:endParaRPr>
-          </a:p>
-          <a:p>
-            <a:pPr marL="814388" lvl="1" indent="-357188">
-              <a:buClr>
-                <a:srgbClr val="5781BD"/>
-              </a:buClr>
-              <a:buFont typeface="Lucida Grande"/>
-              <a:buChar char="►"/>
-            </a:pPr>
-            <a:r>
-              <a:rPr lang="en-US" sz="1600" dirty="0" smtClean="0">
-                <a:solidFill>
-                  <a:srgbClr val="333333"/>
-                </a:solidFill>
-              </a:rPr>
-              <a:t>return statement</a:t>
-            </a:r>
-            <a:br>
-              <a:rPr lang="en-US" sz="1600" dirty="0" smtClean="0">
-                <a:solidFill>
-                  <a:srgbClr val="333333"/>
-                </a:solidFill>
-              </a:rPr>
-            </a:br>
-            <a:r>
-              <a:rPr lang="en-US" sz="1600" dirty="0">
-                <a:solidFill>
-                  <a:srgbClr val="333333"/>
-                </a:solidFill>
-                <a:sym typeface="Wingdings"/>
-              </a:rPr>
-              <a:t> </a:t>
-            </a:r>
-            <a:r>
-              <a:rPr lang="en-US" sz="1600" dirty="0" smtClean="0">
-                <a:solidFill>
-                  <a:srgbClr val="333333"/>
-                </a:solidFill>
-                <a:sym typeface="Wingdings"/>
-              </a:rPr>
-              <a:t> </a:t>
-            </a:r>
-            <a:r>
-              <a:rPr lang="en-US" sz="1600" dirty="0" smtClean="0">
-                <a:solidFill>
-                  <a:srgbClr val="004A99"/>
-                </a:solidFill>
-                <a:sym typeface="Wingdings"/>
-              </a:rPr>
-              <a:t>security </a:t>
-            </a:r>
-            <a:r>
-              <a:rPr lang="en-US" sz="1600" dirty="0">
-                <a:solidFill>
-                  <a:srgbClr val="004A99"/>
-                </a:solidFill>
-                <a:sym typeface="Wingdings"/>
-              </a:rPr>
-              <a:t>level</a:t>
-            </a:r>
-            <a:r>
-              <a:rPr lang="en-US" sz="1600" dirty="0">
-                <a:solidFill>
-                  <a:srgbClr val="333333"/>
-                </a:solidFill>
-                <a:sym typeface="Wingdings"/>
-              </a:rPr>
-              <a:t> of </a:t>
-            </a:r>
-            <a:r>
-              <a:rPr lang="en-US" sz="1600" dirty="0" smtClean="0">
-                <a:solidFill>
-                  <a:srgbClr val="333333"/>
-                </a:solidFill>
-                <a:sym typeface="Wingdings"/>
-              </a:rPr>
-              <a:t>returned value </a:t>
-            </a:r>
-            <a:br>
-              <a:rPr lang="en-US" sz="1600" dirty="0" smtClean="0">
-                <a:solidFill>
-                  <a:srgbClr val="333333"/>
-                </a:solidFill>
-                <a:sym typeface="Wingdings"/>
-              </a:rPr>
-            </a:br>
-            <a:r>
-              <a:rPr lang="en-US" sz="1600" dirty="0" smtClean="0">
-                <a:solidFill>
-                  <a:srgbClr val="333333"/>
-                </a:solidFill>
-                <a:sym typeface="Wingdings"/>
-              </a:rPr>
-              <a:t>	   &lt;</a:t>
-            </a:r>
-            <a:r>
-              <a:rPr lang="en-US" sz="1600" dirty="0">
-                <a:solidFill>
-                  <a:srgbClr val="333333"/>
-                </a:solidFill>
-                <a:sym typeface="Wingdings"/>
-              </a:rPr>
-              <a:t>= </a:t>
-            </a:r>
-            <a:r>
-              <a:rPr lang="en-US" sz="1600" dirty="0" smtClean="0">
-                <a:solidFill>
-                  <a:srgbClr val="333333"/>
-                </a:solidFill>
-                <a:sym typeface="Wingdings"/>
-              </a:rPr>
-              <a:t>specified return </a:t>
-            </a:r>
-            <a:r>
-              <a:rPr lang="en-US" sz="1600" dirty="0" smtClean="0">
-                <a:sym typeface="Wingdings"/>
-              </a:rPr>
-              <a:t>level</a:t>
-            </a:r>
-            <a:endParaRPr lang="en-US" sz="1600" dirty="0" smtClean="0"/>
-          </a:p>
-          <a:p>
-            <a:pPr>
-              <a:buClr>
-                <a:srgbClr val="5781BD"/>
-              </a:buClr>
-            </a:pPr>
-            <a:endParaRPr lang="en-US" sz="1600" dirty="0" smtClean="0">
-              <a:solidFill>
-                <a:srgbClr val="C1002A"/>
-              </a:solidFill>
-            </a:endParaRPr>
-          </a:p>
-          <a:p>
-            <a:pPr>
-              <a:buClr>
-                <a:srgbClr val="5781BD"/>
-              </a:buClr>
-            </a:pPr>
-            <a:r>
-              <a:rPr lang="en-US" sz="2400" dirty="0" smtClean="0">
-                <a:solidFill>
-                  <a:srgbClr val="C1002A"/>
-                </a:solidFill>
-              </a:rPr>
-              <a:t>⚠</a:t>
-            </a:r>
-            <a:r>
-              <a:rPr lang="en-US" sz="2000" dirty="0" smtClean="0">
-                <a:solidFill>
-                  <a:srgbClr val="333333"/>
-                </a:solidFill>
-              </a:rPr>
-              <a:t> context:</a:t>
-            </a:r>
-          </a:p>
-          <a:p>
-            <a:pPr>
-              <a:buClr>
-                <a:srgbClr val="5781BD"/>
-              </a:buClr>
-            </a:pPr>
-            <a:r>
-              <a:rPr lang="en-US" sz="1600" dirty="0" smtClean="0">
-                <a:solidFill>
-                  <a:srgbClr val="004A99"/>
-                </a:solidFill>
-              </a:rPr>
-              <a:t>security level </a:t>
-            </a:r>
-            <a:r>
-              <a:rPr lang="en-US" sz="1600" dirty="0" smtClean="0">
-                <a:solidFill>
-                  <a:srgbClr val="333333"/>
-                </a:solidFill>
-              </a:rPr>
-              <a:t>of the context must be taken into account for return statement</a:t>
-            </a:r>
-          </a:p>
-          <a:p>
-            <a:pPr lvl="0">
-              <a:buClr>
-                <a:srgbClr val="5781BD"/>
-              </a:buClr>
-            </a:pPr>
-            <a:endParaRPr lang="en-US" sz="1600" dirty="0" smtClean="0">
-              <a:solidFill>
-                <a:srgbClr val="333333"/>
-              </a:solidFill>
-            </a:endParaRPr>
-          </a:p>
-          <a:p>
-            <a:pPr marL="357188" indent="-357188">
-              <a:buClr>
-                <a:srgbClr val="5781BD"/>
-              </a:buClr>
-              <a:buFont typeface="Lucida Grande"/>
-              <a:buChar char="►"/>
-            </a:pPr>
-            <a:r>
-              <a:rPr lang="en-US" sz="2000" dirty="0">
-                <a:solidFill>
-                  <a:srgbClr val="333333"/>
-                </a:solidFill>
-              </a:rPr>
-              <a:t>o</a:t>
-            </a:r>
-            <a:r>
-              <a:rPr lang="en-US" sz="2000" dirty="0" smtClean="0">
-                <a:solidFill>
-                  <a:srgbClr val="333333"/>
-                </a:solidFill>
-              </a:rPr>
-              <a:t>bjects</a:t>
-            </a:r>
-            <a:br>
-              <a:rPr lang="en-US" sz="2000" dirty="0" smtClean="0">
-                <a:solidFill>
-                  <a:srgbClr val="333333"/>
-                </a:solidFill>
-              </a:rPr>
-            </a:br>
-            <a:r>
-              <a:rPr lang="en-US" sz="1600" dirty="0" smtClean="0">
-                <a:solidFill>
-                  <a:srgbClr val="333333"/>
-                </a:solidFill>
-                <a:sym typeface="Wingdings"/>
-              </a:rPr>
-              <a:t> </a:t>
-            </a:r>
-            <a:r>
-              <a:rPr lang="en-US" sz="1600" dirty="0" smtClean="0">
-                <a:solidFill>
-                  <a:srgbClr val="004A99"/>
-                </a:solidFill>
-              </a:rPr>
-              <a:t>security level</a:t>
-            </a:r>
-            <a:r>
-              <a:rPr lang="en-US" sz="1600" dirty="0" smtClean="0"/>
-              <a:t> of an instance trumps </a:t>
-            </a:r>
-            <a:r>
-              <a:rPr lang="en-US" sz="1600" dirty="0"/>
-              <a:t>the level </a:t>
-            </a:r>
-            <a:r>
-              <a:rPr lang="en-US" sz="1600" dirty="0" smtClean="0"/>
-              <a:t/>
-            </a:r>
-            <a:br>
-              <a:rPr lang="en-US" sz="1600" dirty="0" smtClean="0"/>
-            </a:br>
-            <a:r>
-              <a:rPr lang="en-US" sz="1600" dirty="0" smtClean="0"/>
-              <a:t>    of </a:t>
-            </a:r>
-            <a:r>
-              <a:rPr lang="en-US" sz="1600" dirty="0"/>
-              <a:t>a </a:t>
-            </a:r>
-            <a:r>
-              <a:rPr lang="en-US" sz="1600" dirty="0" smtClean="0"/>
-              <a:t>field or method</a:t>
-            </a:r>
-            <a:endParaRPr lang="en-US" sz="1600" dirty="0" smtClean="0">
               <a:solidFill>
                 <a:srgbClr val="333333"/>
               </a:solidFill>
@@ -14797,14 +16090,6 @@
             </a:endParaRPr>
           </a:p>
           <a:p>
-            <a:pPr>
-              <a:buClr>
-                <a:srgbClr val="5781BD"/>
-              </a:buClr>
-            </a:pPr>
-            <a:endParaRPr lang="en-US" sz="2000" dirty="0" smtClean="0"/>
-          </a:p>
-          <a:p>
             <a:pPr marL="357188" lvl="0" indent="-357188">
               <a:buClr>
                 <a:srgbClr val="5781BD"/>
@@ -14812,7 +16097,233 @@
               <a:buFont typeface="Lucida Grande"/>
               <a:buChar char="►"/>
             </a:pPr>
-            <a:endParaRPr lang="en-US" dirty="0"/>
+            <a:r>
+              <a:rPr lang="en-US" sz="2000" dirty="0" smtClean="0">
+                <a:solidFill>
+                  <a:srgbClr val="333333"/>
+                </a:solidFill>
+              </a:rPr>
+              <a:t>fields</a:t>
+            </a:r>
+            <a:br>
+              <a:rPr lang="en-US" sz="2000" dirty="0" smtClean="0">
+                <a:solidFill>
+                  <a:srgbClr val="333333"/>
+                </a:solidFill>
+              </a:rPr>
+            </a:br>
+            <a:r>
+              <a:rPr lang="en-US" sz="1600" dirty="0" smtClean="0">
+                <a:solidFill>
+                  <a:srgbClr val="333333"/>
+                </a:solidFill>
+                <a:sym typeface="Wingdings"/>
+              </a:rPr>
+              <a:t> </a:t>
+            </a:r>
+            <a:r>
+              <a:rPr lang="en-US" sz="1600" dirty="0" smtClean="0">
+                <a:solidFill>
+                  <a:srgbClr val="004A99"/>
+                </a:solidFill>
+                <a:sym typeface="Wingdings"/>
+              </a:rPr>
+              <a:t>security level</a:t>
+            </a:r>
+            <a:r>
+              <a:rPr lang="en-US" sz="1600" dirty="0" smtClean="0">
+                <a:solidFill>
+                  <a:srgbClr val="333333"/>
+                </a:solidFill>
+                <a:sym typeface="Wingdings"/>
+              </a:rPr>
+              <a:t> of assigned value </a:t>
+            </a:r>
+            <a:br>
+              <a:rPr lang="en-US" sz="1600" dirty="0" smtClean="0">
+                <a:solidFill>
+                  <a:srgbClr val="333333"/>
+                </a:solidFill>
+                <a:sym typeface="Wingdings"/>
+              </a:rPr>
+            </a:br>
+            <a:r>
+              <a:rPr lang="en-US" sz="1600" dirty="0" smtClean="0">
+                <a:solidFill>
+                  <a:srgbClr val="333333"/>
+                </a:solidFill>
+                <a:sym typeface="Wingdings"/>
+              </a:rPr>
+              <a:t>     &lt;= level of field</a:t>
+            </a:r>
+            <a:endParaRPr lang="en-US" sz="1600" dirty="0">
+              <a:solidFill>
+                <a:srgbClr val="333333"/>
+              </a:solidFill>
+            </a:endParaRPr>
+          </a:p>
+          <a:p>
+            <a:pPr marL="357188" lvl="0" indent="-357188">
+              <a:buClr>
+                <a:srgbClr val="5781BD"/>
+              </a:buClr>
+              <a:buFont typeface="Lucida Grande"/>
+              <a:buChar char="►"/>
+            </a:pPr>
+            <a:endParaRPr lang="en-US" sz="2000" dirty="0">
+              <a:solidFill>
+                <a:srgbClr val="333333"/>
+              </a:solidFill>
+            </a:endParaRPr>
+          </a:p>
+          <a:p>
+            <a:pPr marL="357188" indent="-357188">
+              <a:buClr>
+                <a:srgbClr val="5781BD"/>
+              </a:buClr>
+              <a:buFont typeface="Lucida Grande"/>
+              <a:buChar char="►"/>
+            </a:pPr>
+            <a:r>
+              <a:rPr lang="en-US" sz="2000" dirty="0" smtClean="0">
+                <a:solidFill>
+                  <a:srgbClr val="333333"/>
+                </a:solidFill>
+              </a:rPr>
+              <a:t>array</a:t>
+            </a:r>
+            <a:br>
+              <a:rPr lang="en-US" sz="2000" dirty="0" smtClean="0">
+                <a:solidFill>
+                  <a:srgbClr val="333333"/>
+                </a:solidFill>
+              </a:rPr>
+            </a:br>
+            <a:r>
+              <a:rPr lang="en-US" sz="1600" dirty="0">
+                <a:solidFill>
+                  <a:srgbClr val="333333"/>
+                </a:solidFill>
+                <a:sym typeface="Wingdings"/>
+              </a:rPr>
+              <a:t> </a:t>
+            </a:r>
+            <a:r>
+              <a:rPr lang="en-US" sz="1600" dirty="0" smtClean="0">
+                <a:solidFill>
+                  <a:srgbClr val="004A99"/>
+                </a:solidFill>
+                <a:sym typeface="Wingdings"/>
+              </a:rPr>
+              <a:t>security </a:t>
+            </a:r>
+            <a:r>
+              <a:rPr lang="en-US" sz="1600" dirty="0">
+                <a:solidFill>
+                  <a:srgbClr val="004A99"/>
+                </a:solidFill>
+                <a:sym typeface="Wingdings"/>
+              </a:rPr>
+              <a:t>level </a:t>
+            </a:r>
+            <a:r>
+              <a:rPr lang="en-US" sz="1600" dirty="0">
+                <a:solidFill>
+                  <a:srgbClr val="333333"/>
+                </a:solidFill>
+                <a:sym typeface="Wingdings"/>
+              </a:rPr>
+              <a:t>of assigned value </a:t>
+            </a:r>
+            <a:r>
+              <a:rPr lang="en-US" sz="1600" dirty="0" smtClean="0">
+                <a:solidFill>
+                  <a:srgbClr val="333333"/>
+                </a:solidFill>
+                <a:sym typeface="Wingdings"/>
+              </a:rPr>
+              <a:t/>
+            </a:r>
+            <a:br>
+              <a:rPr lang="en-US" sz="1600" dirty="0" smtClean="0">
+                <a:solidFill>
+                  <a:srgbClr val="333333"/>
+                </a:solidFill>
+                <a:sym typeface="Wingdings"/>
+              </a:rPr>
+            </a:br>
+            <a:r>
+              <a:rPr lang="en-US" sz="1600" dirty="0" smtClean="0">
+                <a:solidFill>
+                  <a:srgbClr val="333333"/>
+                </a:solidFill>
+                <a:sym typeface="Wingdings"/>
+              </a:rPr>
+              <a:t>     == weakest </a:t>
+            </a:r>
+            <a:r>
+              <a:rPr lang="en-US" sz="1600" dirty="0" smtClean="0">
+                <a:solidFill>
+                  <a:srgbClr val="004A99"/>
+                </a:solidFill>
+                <a:sym typeface="Wingdings"/>
+              </a:rPr>
+              <a:t>security level </a:t>
+            </a:r>
+            <a:r>
+              <a:rPr lang="en-US" sz="1600" i="1" dirty="0" smtClean="0">
+                <a:sym typeface="Wingdings"/>
+              </a:rPr>
+              <a:t>(restriction)</a:t>
+            </a:r>
+          </a:p>
+          <a:p>
+            <a:pPr marL="357188" indent="-357188">
+              <a:buClr>
+                <a:srgbClr val="5781BD"/>
+              </a:buClr>
+              <a:buFont typeface="Lucida Grande"/>
+              <a:buChar char="►"/>
+            </a:pPr>
+            <a:endParaRPr lang="en-US" sz="1600" i="1" dirty="0">
+              <a:sym typeface="Wingdings"/>
+            </a:endParaRPr>
+          </a:p>
+          <a:p>
+            <a:pPr>
+              <a:buClr>
+                <a:srgbClr val="5781BD"/>
+              </a:buClr>
+            </a:pPr>
+            <a:r>
+              <a:rPr lang="en-US" sz="3200" dirty="0">
+                <a:solidFill>
+                  <a:srgbClr val="C1002A"/>
+                </a:solidFill>
+              </a:rPr>
+              <a:t>⚠</a:t>
+            </a:r>
+            <a:r>
+              <a:rPr lang="en-US" sz="2800" dirty="0">
+                <a:solidFill>
+                  <a:srgbClr val="333333"/>
+                </a:solidFill>
+              </a:rPr>
+              <a:t> </a:t>
+            </a:r>
+            <a:r>
+              <a:rPr lang="en-US" sz="2000" dirty="0" smtClean="0">
+                <a:solidFill>
+                  <a:srgbClr val="333333"/>
+                </a:solidFill>
+              </a:rPr>
+              <a:t>context</a:t>
+            </a:r>
+            <a:endParaRPr lang="en-US" sz="2000" dirty="0">
+              <a:solidFill>
+                <a:srgbClr val="333333"/>
+              </a:solidFill>
+            </a:endParaRPr>
           </a:p>
         </p:txBody>
       </p:sp>
@@ -14998,39 +16509,44 @@
               <a:rPr lang="en-US" sz="2400" dirty="0" smtClean="0"/>
               <a:t>security</a:t>
             </a:r>
-            <a:endParaRPr lang="en-US" dirty="0"/>
+            <a:endParaRPr lang="en-US" sz="2400" dirty="0"/>
           </a:p>
         </p:txBody>
       </p:sp>
       <p:grpSp>
         <p:nvGrpSpPr>
-          <p:cNvPr id="10" name="Gruppierung 9"/>
+          <p:cNvPr id="11" name="Gruppierung 10"/>
           <p:cNvGrpSpPr/>
           <p:nvPr/>
         </p:nvGrpSpPr>
         <p:grpSpPr>
           <a:xfrm>
-            <a:off x="5660571" y="1181714"/>
-            <a:ext cx="3015117" cy="4892001"/>
-            <a:chOff x="5660571" y="1181714"/>
-            <a:chExt cx="3220358" cy="4892001"/>
+            <a:off x="5143500" y="1224000"/>
+            <a:ext cx="3532188" cy="4645779"/>
+            <a:chOff x="5005349" y="1181714"/>
+            <a:chExt cx="3670341" cy="4645779"/>
           </a:xfrm>
+          <a:solidFill>
+            <a:srgbClr val="FFFFFF"/>
+          </a:solidFill>
         </p:grpSpPr>
         <p:sp>
           <p:nvSpPr>
-            <p:cNvPr id="11" name="Textfeld 10"/>
+            <p:cNvPr id="12" name="Textfeld 11"/>
             <p:cNvSpPr txBox="1"/>
             <p:nvPr/>
           </p:nvSpPr>
           <p:spPr>
             <a:xfrm>
-              <a:off x="5660571" y="1549399"/>
-              <a:ext cx="3220357" cy="4524316"/>
+              <a:off x="5005349" y="1549399"/>
+              <a:ext cx="3670341" cy="4278094"/>
             </a:xfrm>
             <a:prstGeom prst="rect">
               <a:avLst/>
             </a:prstGeom>
-            <a:noFill/>
+            <a:solidFill>
+              <a:srgbClr val="FFFFFF"/>
+            </a:solidFill>
             <a:ln>
               <a:solidFill>
                 <a:srgbClr val="9A9B9C"/>
@@ -15044,7 +16560,37 @@
             <a:lstStyle/>
             <a:p>
               <a:r>
-                <a:rPr lang="en-US" sz="1600" b="0" i="1" dirty="0">
+                <a:rPr lang="en-US" sz="1600" dirty="0" smtClean="0">
+                  <a:latin typeface="Consolas"/>
+                  <a:cs typeface="Consolas"/>
+                </a:rPr>
+                <a:t>class </a:t>
+              </a:r>
+              <a:r>
+                <a:rPr lang="en-US" sz="1600" b="0" dirty="0" smtClean="0">
+                  <a:latin typeface="Consolas"/>
+                  <a:cs typeface="Consolas"/>
+                </a:rPr>
+                <a:t>A</a:t>
+              </a:r>
+              <a:r>
+                <a:rPr lang="en-US" sz="1600" dirty="0" smtClean="0">
+                  <a:latin typeface="Consolas"/>
+                  <a:cs typeface="Consolas"/>
+                </a:rPr>
+                <a:t> </a:t>
+              </a:r>
+              <a:r>
+                <a:rPr lang="en-US" sz="1600" b="0" dirty="0" smtClean="0">
+                  <a:latin typeface="Consolas"/>
+                  <a:cs typeface="Consolas"/>
+                </a:rPr>
+                <a:t>{</a:t>
+              </a:r>
+            </a:p>
+            <a:p>
+              <a:r>
+                <a:rPr lang="en-US" sz="1600" b="0" dirty="0" smtClean="0">
                   <a:solidFill>
                     <a:schemeClr val="tx1">
                       <a:lumMod val="50000"/>
@@ -15054,7 +16600,7 @@
                   <a:latin typeface="Consolas"/>
                   <a:cs typeface="Consolas"/>
                 </a:rPr>
-                <a:t>// method</a:t>
+                <a:t>  </a:t>
               </a:r>
             </a:p>
             <a:p>
@@ -15063,58 +16609,23 @@
                   <a:latin typeface="Consolas"/>
                   <a:cs typeface="Consolas"/>
                 </a:rPr>
-                <a:t>meth(</a:t>
-              </a:r>
-              <a:r>
-                <a:rPr lang="en-US" sz="1600" b="0" dirty="0">
-                  <a:latin typeface="Consolas"/>
-                  <a:cs typeface="Consolas"/>
-                </a:rPr>
-                <a:t>p1</a:t>
-              </a:r>
-              <a:r>
-                <a:rPr lang="en-US" sz="1600" b="0" i="1" dirty="0">
-                  <a:latin typeface="Consolas"/>
-                  <a:cs typeface="Consolas"/>
-                </a:rPr>
-                <a:t>^L</a:t>
-              </a:r>
-              <a:r>
-                <a:rPr lang="en-US" sz="1600" b="0" dirty="0">
-                  <a:latin typeface="Consolas"/>
-                  <a:cs typeface="Consolas"/>
-                </a:rPr>
-                <a:t>, p2</a:t>
-              </a:r>
-              <a:r>
-                <a:rPr lang="en-US" sz="1600" b="0" i="1" dirty="0">
+                <a:t>  method()</a:t>
+              </a:r>
+              <a:r>
+                <a:rPr lang="en-US" sz="1600" b="0" i="1" dirty="0" smtClean="0">
                   <a:latin typeface="Consolas"/>
                   <a:cs typeface="Consolas"/>
                 </a:rPr>
                 <a:t>^H</a:t>
               </a:r>
               <a:r>
-                <a:rPr lang="en-US" sz="1600" b="0" dirty="0">
-                  <a:latin typeface="Consolas"/>
-                  <a:cs typeface="Consolas"/>
-                </a:rPr>
-                <a:t>)</a:t>
-              </a:r>
-              <a:r>
-                <a:rPr lang="en-US" sz="1600" b="0" i="1" dirty="0">
-                  <a:latin typeface="Consolas"/>
-                  <a:cs typeface="Consolas"/>
-                </a:rPr>
-                <a:t>^H</a:t>
-              </a:r>
-              <a:r>
-                <a:rPr lang="en-US" sz="1600" b="0" dirty="0">
-                  <a:latin typeface="Consolas"/>
-                  <a:cs typeface="Consolas"/>
-                </a:rPr>
-                <a:t>     </a:t>
-              </a:r>
-              <a:endParaRPr lang="en-US" sz="1600" b="0" dirty="0">
+                <a:rPr lang="en-US" sz="1600" b="0" dirty="0" smtClean="0">
+                  <a:latin typeface="Consolas"/>
+                  <a:cs typeface="Consolas"/>
+                </a:rPr>
+                <a:t> {</a:t>
+              </a:r>
+              <a:endParaRPr lang="en-US" sz="1600" b="0" dirty="0" smtClean="0">
                 <a:solidFill>
                   <a:schemeClr val="tx1">
                     <a:lumMod val="50000"/>
@@ -15127,62 +16638,136 @@
             </a:p>
             <a:p>
               <a:r>
-                <a:rPr lang="en-US" sz="1600" b="0" dirty="0">
+                <a:rPr lang="en-US" sz="1600" b="0" dirty="0" smtClean="0">
                   <a:solidFill>
                     <a:srgbClr val="333333"/>
                   </a:solidFill>
                   <a:latin typeface="Consolas"/>
                   <a:cs typeface="Consolas"/>
                 </a:rPr>
-                <a:t>   ...</a:t>
+                <a:t>    ...	</a:t>
               </a:r>
             </a:p>
             <a:p>
               <a:r>
+                <a:rPr lang="en-US" sz="1600" b="0" dirty="0" smtClean="0">
+                  <a:solidFill>
+                    <a:srgbClr val="333333"/>
+                  </a:solidFill>
+                  <a:latin typeface="Consolas"/>
+                  <a:cs typeface="Consolas"/>
+                </a:rPr>
+                <a:t>    </a:t>
+              </a:r>
+              <a:r>
                 <a:rPr lang="en-US" sz="1600" b="0" dirty="0">
                   <a:solidFill>
-                    <a:srgbClr val="333333"/>
-                  </a:solidFill>
-                  <a:latin typeface="Consolas"/>
-                  <a:cs typeface="Consolas"/>
-                </a:rPr>
-                <a:t>   </a:t>
-              </a:r>
-              <a:r>
-                <a:rPr lang="en-US" sz="1600" dirty="0">
-                  <a:solidFill>
-                    <a:srgbClr val="333333"/>
-                  </a:solidFill>
-                  <a:latin typeface="Consolas"/>
-                  <a:cs typeface="Consolas"/>
-                </a:rPr>
-                <a:t>return</a:t>
-              </a:r>
-              <a:r>
-                <a:rPr lang="en-US" sz="1600" b="0" dirty="0">
-                  <a:solidFill>
-                    <a:srgbClr val="333333"/>
-                  </a:solidFill>
-                  <a:latin typeface="Consolas"/>
-                  <a:cs typeface="Consolas"/>
-                </a:rPr>
-                <a:t> p1</a:t>
-              </a:r>
-              <a:r>
-                <a:rPr lang="en-US" sz="1600" b="0" i="1" dirty="0">
-                  <a:solidFill>
-                    <a:srgbClr val="333333"/>
-                  </a:solidFill>
-                  <a:latin typeface="Consolas"/>
-                  <a:cs typeface="Consolas"/>
-                </a:rPr>
-                <a:t>^L</a:t>
+                    <a:srgbClr val="999999"/>
+                  </a:solidFill>
+                  <a:latin typeface="Consolas"/>
+                  <a:cs typeface="Consolas"/>
+                </a:rPr>
+                <a:t>// locals</a:t>
               </a:r>
             </a:p>
             <a:p>
-              <a:endParaRPr lang="en-US" sz="1600" b="0" dirty="0">
-                <a:solidFill>
-                  <a:srgbClr val="333333"/>
+              <a:r>
+                <a:rPr lang="en-US" sz="1600" b="0" dirty="0" smtClean="0">
+                  <a:latin typeface="Consolas"/>
+                  <a:cs typeface="Consolas"/>
+                </a:rPr>
+                <a:t>    </a:t>
+              </a:r>
+              <a:r>
+                <a:rPr lang="en-US" sz="1600" b="0" dirty="0" err="1" smtClean="0">
+                  <a:latin typeface="Consolas"/>
+                  <a:cs typeface="Consolas"/>
+                </a:rPr>
+                <a:t>val</a:t>
+              </a:r>
+              <a:r>
+                <a:rPr lang="en-US" sz="1600" b="0" dirty="0" smtClean="0">
+                  <a:latin typeface="Consolas"/>
+                  <a:cs typeface="Consolas"/>
+                </a:rPr>
+                <a:t> = </a:t>
+              </a:r>
+              <a:r>
+                <a:rPr lang="en-US" sz="1600" b="0" dirty="0" err="1">
+                  <a:latin typeface="Consolas"/>
+                  <a:cs typeface="Consolas"/>
+                </a:rPr>
+                <a:t>high</a:t>
+              </a:r>
+              <a:r>
+                <a:rPr lang="en-US" sz="1600" b="0" i="1" dirty="0" err="1">
+                  <a:latin typeface="Consolas"/>
+                  <a:cs typeface="Consolas"/>
+                </a:rPr>
+                <a:t>^H</a:t>
+              </a:r>
+              <a:r>
+                <a:rPr lang="en-US" sz="1600" b="0" dirty="0">
+                  <a:latin typeface="Consolas"/>
+                  <a:cs typeface="Consolas"/>
+                </a:rPr>
+                <a:t> </a:t>
+              </a:r>
+            </a:p>
+            <a:p>
+              <a:r>
+                <a:rPr lang="en-US" sz="1600" b="0" dirty="0" smtClean="0">
+                  <a:solidFill>
+                    <a:srgbClr val="999999"/>
+                  </a:solidFill>
+                  <a:latin typeface="Consolas"/>
+                  <a:cs typeface="Consolas"/>
+                </a:rPr>
+                <a:t>    /</a:t>
+              </a:r>
+              <a:r>
+                <a:rPr lang="en-US" sz="1600" b="0" dirty="0">
+                  <a:solidFill>
+                    <a:srgbClr val="999999"/>
+                  </a:solidFill>
+                  <a:latin typeface="Consolas"/>
+                  <a:cs typeface="Consolas"/>
+                </a:rPr>
+                <a:t>/ --&gt; </a:t>
+              </a:r>
+              <a:r>
+                <a:rPr lang="en-US" sz="1600" b="0" dirty="0" err="1">
+                  <a:solidFill>
+                    <a:srgbClr val="999999"/>
+                  </a:solidFill>
+                  <a:latin typeface="Consolas"/>
+                  <a:cs typeface="Consolas"/>
+                </a:rPr>
+                <a:t>val</a:t>
+              </a:r>
+              <a:r>
+                <a:rPr lang="en-US" sz="1600" b="0" i="1" dirty="0" err="1">
+                  <a:solidFill>
+                    <a:srgbClr val="999999"/>
+                  </a:solidFill>
+                  <a:latin typeface="Consolas"/>
+                  <a:cs typeface="Consolas"/>
+                </a:rPr>
+                <a:t>^</a:t>
+              </a:r>
+              <a:r>
+                <a:rPr lang="en-US" sz="1600" b="0" i="1" dirty="0" err="1" smtClean="0">
+                  <a:solidFill>
+                    <a:srgbClr val="999999"/>
+                  </a:solidFill>
+                  <a:latin typeface="Consolas"/>
+                  <a:cs typeface="Consolas"/>
+                </a:rPr>
+                <a:t>H</a:t>
+              </a:r>
+              <a:endParaRPr lang="en-US" sz="1600" b="0" i="1" dirty="0" smtClean="0">
+                <a:solidFill>
+                  <a:srgbClr val="999999"/>
                 </a:solidFill>
                 <a:latin typeface="Consolas"/>
                 <a:cs typeface="Consolas"/>
@@ -15190,139 +16775,61 @@
             </a:p>
             <a:p>
               <a:r>
+                <a:rPr lang="en-US" sz="1600" b="0" i="1" dirty="0">
+                  <a:solidFill>
+                    <a:srgbClr val="999999"/>
+                  </a:solidFill>
+                  <a:latin typeface="Consolas"/>
+                  <a:cs typeface="Consolas"/>
+                </a:rPr>
+                <a:t> </a:t>
+              </a:r>
+              <a:r>
+                <a:rPr lang="en-US" sz="1600" b="0" i="1" dirty="0" smtClean="0">
+                  <a:solidFill>
+                    <a:srgbClr val="999999"/>
+                  </a:solidFill>
+                  <a:latin typeface="Consolas"/>
+                  <a:cs typeface="Consolas"/>
+                </a:rPr>
+                <a:t>   </a:t>
+              </a:r>
+              <a:r>
                 <a:rPr lang="en-US" sz="1600" b="0" dirty="0" err="1">
-                  <a:solidFill>
-                    <a:srgbClr val="333333"/>
-                  </a:solidFill>
-                  <a:latin typeface="Consolas"/>
-                  <a:cs typeface="Consolas"/>
-                </a:rPr>
-                <a:t>field</a:t>
-              </a:r>
-              <a:r>
-                <a:rPr lang="en-US" sz="1600" b="0" i="1" dirty="0" err="1">
-                  <a:solidFill>
-                    <a:srgbClr val="333333"/>
-                  </a:solidFill>
-                  <a:latin typeface="Consolas"/>
-                  <a:cs typeface="Consolas"/>
-                </a:rPr>
-                <a:t>^H</a:t>
+                  <a:latin typeface="Consolas"/>
+                  <a:cs typeface="Consolas"/>
+                </a:rPr>
+                <a:t>val</a:t>
               </a:r>
               <a:r>
                 <a:rPr lang="en-US" sz="1600" b="0" dirty="0">
-                  <a:solidFill>
-                    <a:srgbClr val="333333"/>
-                  </a:solidFill>
                   <a:latin typeface="Consolas"/>
                   <a:cs typeface="Consolas"/>
                 </a:rPr>
                 <a:t> = </a:t>
               </a:r>
               <a:r>
+                <a:rPr lang="en-US" sz="1600" b="0" dirty="0" err="1" smtClean="0">
+                  <a:latin typeface="Consolas"/>
+                  <a:cs typeface="Consolas"/>
+                </a:rPr>
+                <a:t>low</a:t>
+              </a:r>
+              <a:r>
+                <a:rPr lang="en-US" sz="1600" b="0" i="1" dirty="0" err="1" smtClean="0">
+                  <a:latin typeface="Consolas"/>
+                  <a:cs typeface="Consolas"/>
+                </a:rPr>
+                <a:t>^L</a:t>
+              </a:r>
+              <a:r>
                 <a:rPr lang="en-US" sz="1600" b="0" dirty="0" smtClean="0">
-                  <a:solidFill>
-                    <a:srgbClr val="333333"/>
-                  </a:solidFill>
-                  <a:latin typeface="Consolas"/>
-                  <a:cs typeface="Consolas"/>
-                </a:rPr>
-                <a:t>meth(</a:t>
-              </a:r>
-              <a:r>
-                <a:rPr lang="en-US" sz="1600" b="0" dirty="0" err="1">
-                  <a:solidFill>
-                    <a:srgbClr val="333333"/>
-                  </a:solidFill>
-                  <a:latin typeface="Consolas"/>
-                  <a:cs typeface="Consolas"/>
-                </a:rPr>
-                <a:t>v</a:t>
-              </a:r>
-              <a:r>
-                <a:rPr lang="en-US" sz="1600" b="0" i="1" dirty="0" err="1">
-                  <a:solidFill>
-                    <a:srgbClr val="333333"/>
-                  </a:solidFill>
-                  <a:latin typeface="Consolas"/>
-                  <a:cs typeface="Consolas"/>
-                </a:rPr>
-                <a:t>^L</a:t>
-              </a:r>
-              <a:r>
-                <a:rPr lang="en-US" sz="1600" b="0" dirty="0">
-                  <a:solidFill>
-                    <a:srgbClr val="333333"/>
-                  </a:solidFill>
-                  <a:latin typeface="Consolas"/>
-                  <a:cs typeface="Consolas"/>
-                </a:rPr>
-                <a:t>, </a:t>
-              </a:r>
-              <a:r>
-                <a:rPr lang="en-US" sz="1600" b="0" dirty="0" err="1">
-                  <a:solidFill>
-                    <a:srgbClr val="333333"/>
-                  </a:solidFill>
-                  <a:latin typeface="Consolas"/>
-                  <a:cs typeface="Consolas"/>
-                </a:rPr>
-                <a:t>v</a:t>
-              </a:r>
-              <a:r>
-                <a:rPr lang="en-US" sz="1600" b="0" i="1" dirty="0" err="1">
-                  <a:solidFill>
-                    <a:srgbClr val="333333"/>
-                  </a:solidFill>
-                  <a:latin typeface="Consolas"/>
-                  <a:cs typeface="Consolas"/>
-                </a:rPr>
-                <a:t>^L</a:t>
-              </a:r>
-              <a:r>
-                <a:rPr lang="en-US" sz="1600" b="0" dirty="0">
-                  <a:solidFill>
-                    <a:srgbClr val="333333"/>
-                  </a:solidFill>
-                  <a:latin typeface="Consolas"/>
-                  <a:cs typeface="Consolas"/>
-                </a:rPr>
-                <a:t>)</a:t>
-              </a:r>
-            </a:p>
-            <a:p>
-              <a:r>
-                <a:rPr lang="en-US" sz="1600" b="0" dirty="0">
-                  <a:solidFill>
-                    <a:schemeClr val="tx1">
-                      <a:lumMod val="50000"/>
-                      <a:lumOff val="50000"/>
-                    </a:schemeClr>
-                  </a:solidFill>
-                  <a:latin typeface="Consolas"/>
-                  <a:cs typeface="Consolas"/>
-                </a:rPr>
-                <a:t>// --&gt; </a:t>
-              </a:r>
-              <a:r>
-                <a:rPr lang="en-US" sz="1600" b="0" i="1" dirty="0">
-                  <a:solidFill>
-                    <a:schemeClr val="tx1">
-                      <a:lumMod val="50000"/>
-                      <a:lumOff val="50000"/>
-                    </a:schemeClr>
-                  </a:solidFill>
-                  <a:latin typeface="Consolas"/>
-                  <a:cs typeface="Consolas"/>
-                </a:rPr>
-                <a:t>^H</a:t>
-              </a:r>
-            </a:p>
-            <a:p>
+                  <a:latin typeface="Consolas"/>
+                  <a:cs typeface="Consolas"/>
+                </a:rPr>
+                <a:t> </a:t>
+              </a:r>
               <a:endParaRPr lang="en-US" sz="1600" b="0" dirty="0">
-                <a:solidFill>
-                  <a:srgbClr val="333333"/>
-                </a:solidFill>
                 <a:latin typeface="Consolas"/>
                 <a:cs typeface="Consolas"/>
               </a:endParaRPr>
@@ -15331,149 +16838,36 @@
               <a:r>
                 <a:rPr lang="en-US" sz="1600" b="0" dirty="0">
                   <a:solidFill>
-                    <a:schemeClr val="tx1">
-                      <a:lumMod val="50000"/>
-                      <a:lumOff val="50000"/>
-                    </a:schemeClr>
-                  </a:solidFill>
-                  <a:latin typeface="Consolas"/>
-                  <a:cs typeface="Consolas"/>
-                </a:rPr>
-                <a:t>// context</a:t>
-              </a:r>
-            </a:p>
-            <a:p>
-              <a:r>
-                <a:rPr lang="en-US" sz="1600" b="0" dirty="0" smtClean="0">
-                  <a:solidFill>
-                    <a:srgbClr val="333333"/>
-                  </a:solidFill>
-                  <a:latin typeface="Consolas"/>
-                  <a:cs typeface="Consolas"/>
-                </a:rPr>
-                <a:t>meth(</a:t>
-              </a:r>
-              <a:r>
-                <a:rPr lang="en-US" sz="1600" b="0" dirty="0">
-                  <a:solidFill>
-                    <a:srgbClr val="333333"/>
-                  </a:solidFill>
-                  <a:latin typeface="Consolas"/>
-                  <a:cs typeface="Consolas"/>
-                </a:rPr>
-                <a:t>)</a:t>
-              </a:r>
-              <a:r>
-                <a:rPr lang="en-US" sz="1600" b="0" i="1" dirty="0">
-                  <a:solidFill>
-                    <a:srgbClr val="333333"/>
-                  </a:solidFill>
-                  <a:latin typeface="Consolas"/>
-                  <a:cs typeface="Consolas"/>
-                </a:rPr>
-                <a:t>^H</a:t>
-              </a:r>
-            </a:p>
-            <a:p>
-              <a:r>
-                <a:rPr lang="en-US" sz="1600" b="0" dirty="0">
-                  <a:solidFill>
-                    <a:srgbClr val="333333"/>
-                  </a:solidFill>
-                  <a:latin typeface="Consolas"/>
-                  <a:cs typeface="Consolas"/>
-                </a:rPr>
-                <a:t>   ...</a:t>
-              </a:r>
-            </a:p>
-            <a:p>
-              <a:r>
-                <a:rPr lang="en-US" sz="1600" b="0" dirty="0">
-                  <a:solidFill>
-                    <a:srgbClr val="333333"/>
-                  </a:solidFill>
-                  <a:latin typeface="Consolas"/>
-                  <a:cs typeface="Consolas"/>
-                </a:rPr>
-                <a:t>   </a:t>
-              </a:r>
-              <a:r>
-                <a:rPr lang="en-US" sz="1600" dirty="0">
-                  <a:solidFill>
-                    <a:srgbClr val="333333"/>
-                  </a:solidFill>
-                  <a:latin typeface="Consolas"/>
-                  <a:cs typeface="Consolas"/>
-                </a:rPr>
-                <a:t>if</a:t>
-              </a:r>
-              <a:r>
-                <a:rPr lang="en-US" sz="1600" b="0" dirty="0">
-                  <a:solidFill>
-                    <a:srgbClr val="333333"/>
-                  </a:solidFill>
-                  <a:latin typeface="Consolas"/>
-                  <a:cs typeface="Consolas"/>
-                </a:rPr>
-                <a:t> val1</a:t>
-              </a:r>
-              <a:r>
-                <a:rPr lang="en-US" sz="1600" b="0" i="1" dirty="0">
-                  <a:solidFill>
-                    <a:srgbClr val="333333"/>
-                  </a:solidFill>
-                  <a:latin typeface="Consolas"/>
-                  <a:cs typeface="Consolas"/>
-                </a:rPr>
-                <a:t>^H</a:t>
-              </a:r>
-            </a:p>
-            <a:p>
-              <a:r>
-                <a:rPr lang="en-US" sz="1600" b="0" dirty="0">
-                  <a:solidFill>
-                    <a:srgbClr val="333333"/>
-                  </a:solidFill>
-                  <a:latin typeface="Consolas"/>
-                  <a:cs typeface="Consolas"/>
-                </a:rPr>
-                <a:t>      </a:t>
-              </a:r>
-              <a:r>
-                <a:rPr lang="en-US" sz="1600" dirty="0">
-                  <a:solidFill>
-                    <a:srgbClr val="333333"/>
-                  </a:solidFill>
-                  <a:latin typeface="Consolas"/>
-                  <a:cs typeface="Consolas"/>
-                </a:rPr>
-                <a:t>return</a:t>
-              </a:r>
-              <a:r>
-                <a:rPr lang="en-US" sz="1600" b="0" dirty="0">
-                  <a:solidFill>
-                    <a:srgbClr val="333333"/>
-                  </a:solidFill>
-                  <a:latin typeface="Consolas"/>
-                  <a:cs typeface="Consolas"/>
-                </a:rPr>
-                <a:t> val2</a:t>
-              </a:r>
-              <a:r>
-                <a:rPr lang="en-US" sz="1600" b="0" i="1" dirty="0">
-                  <a:solidFill>
-                    <a:srgbClr val="333333"/>
+                    <a:srgbClr val="999999"/>
+                  </a:solidFill>
+                  <a:latin typeface="Consolas"/>
+                  <a:cs typeface="Consolas"/>
+                </a:rPr>
+                <a:t>    // --&gt; </a:t>
+              </a:r>
+              <a:r>
+                <a:rPr lang="en-US" sz="1600" b="0" dirty="0" err="1">
+                  <a:solidFill>
+                    <a:srgbClr val="999999"/>
+                  </a:solidFill>
+                  <a:latin typeface="Consolas"/>
+                  <a:cs typeface="Consolas"/>
+                </a:rPr>
+                <a:t>val</a:t>
+              </a:r>
+              <a:r>
+                <a:rPr lang="en-US" sz="1600" b="0" i="1" dirty="0" err="1" smtClean="0">
+                  <a:solidFill>
+                    <a:srgbClr val="999999"/>
                   </a:solidFill>
                   <a:latin typeface="Consolas"/>
                   <a:cs typeface="Consolas"/>
                 </a:rPr>
                 <a:t>^L</a:t>
               </a:r>
-            </a:p>
-            <a:p>
-              <a:endParaRPr lang="en-US" sz="1600" b="0" dirty="0">
-                <a:solidFill>
-                  <a:srgbClr val="333333"/>
+              <a:endParaRPr lang="en-US" sz="1600" b="0" i="1" dirty="0" smtClean="0">
+                <a:solidFill>
+                  <a:srgbClr val="999999"/>
                 </a:solidFill>
                 <a:latin typeface="Consolas"/>
                 <a:cs typeface="Consolas"/>
@@ -15481,203 +16875,181 @@
             </a:p>
             <a:p>
               <a:r>
+                <a:rPr lang="en-US" sz="1600" b="0" dirty="0" smtClean="0">
+                  <a:solidFill>
+                    <a:srgbClr val="333333"/>
+                  </a:solidFill>
+                  <a:latin typeface="Consolas"/>
+                  <a:cs typeface="Consolas"/>
+                </a:rPr>
+                <a:t>    </a:t>
+              </a:r>
+              <a:r>
+                <a:rPr lang="en-US" sz="1600" b="0" dirty="0" err="1">
+                  <a:latin typeface="Consolas"/>
+                  <a:cs typeface="Consolas"/>
+                </a:rPr>
+                <a:t>val</a:t>
+              </a:r>
+              <a:r>
                 <a:rPr lang="en-US" sz="1600" b="0" dirty="0">
-                  <a:solidFill>
-                    <a:srgbClr val="999999"/>
-                  </a:solidFill>
-                  <a:latin typeface="Consolas"/>
-                  <a:cs typeface="Consolas"/>
-                </a:rPr>
-                <a:t>// object</a:t>
+                  <a:latin typeface="Consolas"/>
+                  <a:cs typeface="Consolas"/>
+                </a:rPr>
+                <a:t> = </a:t>
+              </a:r>
+              <a:r>
+                <a:rPr lang="en-US" sz="1600" b="0" dirty="0" err="1">
+                  <a:latin typeface="Consolas"/>
+                  <a:cs typeface="Consolas"/>
+                </a:rPr>
+                <a:t>high</a:t>
+              </a:r>
+              <a:r>
+                <a:rPr lang="en-US" sz="1600" b="0" i="1" dirty="0" err="1">
+                  <a:latin typeface="Consolas"/>
+                  <a:cs typeface="Consolas"/>
+                </a:rPr>
+                <a:t>^H</a:t>
+              </a:r>
+              <a:r>
+                <a:rPr lang="en-US" sz="1600" b="0" dirty="0">
+                  <a:latin typeface="Consolas"/>
+                  <a:cs typeface="Consolas"/>
+                </a:rPr>
+                <a:t> </a:t>
               </a:r>
             </a:p>
             <a:p>
               <a:r>
+                <a:rPr lang="en-US" sz="1600" b="0" dirty="0">
+                  <a:solidFill>
+                    <a:srgbClr val="999999"/>
+                  </a:solidFill>
+                  <a:latin typeface="Consolas"/>
+                  <a:cs typeface="Consolas"/>
+                </a:rPr>
+                <a:t>    // --&gt; </a:t>
+              </a:r>
+              <a:r>
                 <a:rPr lang="en-US" sz="1600" b="0" dirty="0" err="1">
                   <a:solidFill>
-                    <a:srgbClr val="333333"/>
-                  </a:solidFill>
-                  <a:latin typeface="Consolas"/>
-                  <a:cs typeface="Consolas"/>
-                </a:rPr>
-                <a:t>obj</a:t>
+                    <a:srgbClr val="999999"/>
+                  </a:solidFill>
+                  <a:latin typeface="Consolas"/>
+                  <a:cs typeface="Consolas"/>
+                </a:rPr>
+                <a:t>val</a:t>
               </a:r>
               <a:r>
                 <a:rPr lang="en-US" sz="1600" b="0" i="1" dirty="0" err="1">
                   <a:solidFill>
-                    <a:srgbClr val="333333"/>
+                    <a:srgbClr val="999999"/>
                   </a:solidFill>
                   <a:latin typeface="Consolas"/>
                   <a:cs typeface="Consolas"/>
                 </a:rPr>
                 <a:t>^H</a:t>
               </a:r>
-              <a:r>
-                <a:rPr lang="en-US" sz="1600" b="0" dirty="0">
-                  <a:solidFill>
-                    <a:srgbClr val="333333"/>
-                  </a:solidFill>
-                  <a:latin typeface="Consolas"/>
-                  <a:cs typeface="Consolas"/>
-                </a:rPr>
-                <a:t> = </a:t>
-              </a:r>
-              <a:r>
-                <a:rPr lang="en-US" sz="1600" dirty="0">
-                  <a:solidFill>
-                    <a:srgbClr val="333333"/>
-                  </a:solidFill>
-                  <a:latin typeface="Consolas"/>
-                  <a:cs typeface="Consolas"/>
-                </a:rPr>
-                <a:t>new</a:t>
-              </a:r>
-              <a:r>
-                <a:rPr lang="en-US" sz="1600" b="0" dirty="0">
-                  <a:solidFill>
-                    <a:srgbClr val="333333"/>
-                  </a:solidFill>
-                  <a:latin typeface="Consolas"/>
-                  <a:cs typeface="Consolas"/>
-                </a:rPr>
-                <a:t> A()</a:t>
-              </a:r>
-            </a:p>
-            <a:p>
-              <a:r>
-                <a:rPr lang="en-US" sz="1600" b="0" dirty="0" err="1">
-                  <a:solidFill>
-                    <a:srgbClr val="333333"/>
-                  </a:solidFill>
-                  <a:latin typeface="Consolas"/>
-                  <a:cs typeface="Consolas"/>
-                </a:rPr>
-                <a:t>field</a:t>
-              </a:r>
-              <a:r>
-                <a:rPr lang="en-US" sz="1600" b="0" i="1" dirty="0" err="1">
-                  <a:solidFill>
-                    <a:srgbClr val="333333"/>
-                  </a:solidFill>
-                  <a:latin typeface="Consolas"/>
-                  <a:cs typeface="Consolas"/>
-                </a:rPr>
-                <a:t>^H</a:t>
-              </a:r>
-              <a:r>
-                <a:rPr lang="en-US" sz="1600" b="0" dirty="0">
-                  <a:solidFill>
-                    <a:srgbClr val="333333"/>
-                  </a:solidFill>
-                  <a:latin typeface="Consolas"/>
-                  <a:cs typeface="Consolas"/>
-                </a:rPr>
-                <a:t> = </a:t>
-              </a:r>
-              <a:r>
-                <a:rPr lang="en-US" sz="1600" b="0" dirty="0" err="1">
-                  <a:solidFill>
-                    <a:srgbClr val="333333"/>
-                  </a:solidFill>
-                  <a:latin typeface="Consolas"/>
-                  <a:cs typeface="Consolas"/>
-                </a:rPr>
-                <a:t>obj</a:t>
-              </a:r>
-              <a:r>
-                <a:rPr lang="en-US" sz="1600" b="0" i="1" dirty="0" err="1">
-                  <a:solidFill>
-                    <a:srgbClr val="333333"/>
-                  </a:solidFill>
-                  <a:latin typeface="Consolas"/>
-                  <a:cs typeface="Consolas"/>
-                </a:rPr>
-                <a:t>^H</a:t>
-              </a:r>
-              <a:r>
-                <a:rPr lang="en-US" sz="1600" b="0" dirty="0" err="1">
-                  <a:solidFill>
-                    <a:srgbClr val="333333"/>
-                  </a:solidFill>
-                  <a:latin typeface="Consolas"/>
-                  <a:cs typeface="Consolas"/>
-                </a:rPr>
-                <a:t>.field</a:t>
-              </a:r>
-              <a:r>
-                <a:rPr lang="en-US" sz="1600" b="0" i="1" dirty="0" err="1">
-                  <a:solidFill>
-                    <a:srgbClr val="333333"/>
-                  </a:solidFill>
-                  <a:latin typeface="Consolas"/>
-                  <a:cs typeface="Consolas"/>
-                </a:rPr>
-                <a:t>^L</a:t>
-              </a:r>
               <a:endParaRPr lang="en-US" sz="1600" b="0" i="1" dirty="0">
                 <a:solidFill>
-                  <a:srgbClr val="333333"/>
+                  <a:srgbClr val="999999"/>
                 </a:solidFill>
                 <a:latin typeface="Consolas"/>
                 <a:cs typeface="Consolas"/>
               </a:endParaRPr>
             </a:p>
             <a:p>
-              <a:r>
-                <a:rPr lang="en-US" sz="1600" b="0" dirty="0">
-                  <a:solidFill>
-                    <a:srgbClr val="999999"/>
-                  </a:solidFill>
-                  <a:latin typeface="Consolas"/>
-                  <a:cs typeface="Consolas"/>
-                </a:rPr>
-                <a:t>// --&gt; </a:t>
-              </a:r>
-              <a:r>
-                <a:rPr lang="en-US" sz="1600" b="0" i="1" dirty="0">
-                  <a:solidFill>
-                    <a:srgbClr val="999999"/>
-                  </a:solidFill>
-                  <a:latin typeface="Consolas"/>
-                  <a:cs typeface="Consolas"/>
-                </a:rPr>
-                <a:t>^</a:t>
-              </a:r>
-              <a:r>
-                <a:rPr lang="en-US" sz="1600" b="0" i="1" dirty="0" smtClean="0">
-                  <a:solidFill>
-                    <a:srgbClr val="999999"/>
-                  </a:solidFill>
-                  <a:latin typeface="Consolas"/>
-                  <a:cs typeface="Consolas"/>
-                </a:rPr>
-                <a:t>H</a:t>
-              </a:r>
-              <a:endParaRPr lang="en-US" sz="1600" b="0" dirty="0">
-                <a:solidFill>
-                  <a:srgbClr val="999999"/>
+              <a:endParaRPr lang="en-US" sz="1600" b="0" i="1" dirty="0">
+                <a:solidFill>
+                  <a:schemeClr val="tx1">
+                    <a:lumMod val="50000"/>
+                    <a:lumOff val="50000"/>
+                  </a:schemeClr>
                 </a:solidFill>
                 <a:latin typeface="Consolas"/>
                 <a:cs typeface="Consolas"/>
               </a:endParaRPr>
+            </a:p>
+            <a:p>
+              <a:r>
+                <a:rPr lang="en-US" sz="1600" b="0" dirty="0" smtClean="0">
+                  <a:solidFill>
+                    <a:srgbClr val="333333"/>
+                  </a:solidFill>
+                  <a:latin typeface="Consolas"/>
+                  <a:cs typeface="Consolas"/>
+                </a:rPr>
+                <a:t>  }</a:t>
+              </a:r>
+            </a:p>
+            <a:p>
+              <a:endParaRPr lang="en-US" sz="1600" b="0" dirty="0" smtClean="0">
+                <a:solidFill>
+                  <a:srgbClr val="333333"/>
+                </a:solidFill>
+                <a:latin typeface="Consolas"/>
+                <a:cs typeface="Consolas"/>
+              </a:endParaRPr>
+            </a:p>
+            <a:p>
+              <a:r>
+                <a:rPr lang="en-US" sz="1600" b="0" dirty="0" smtClean="0">
+                  <a:latin typeface="Consolas"/>
+                  <a:cs typeface="Consolas"/>
+                </a:rPr>
+                <a:t>  .</a:t>
+              </a:r>
+              <a:r>
+                <a:rPr lang="en-US" sz="1600" b="0" dirty="0">
+                  <a:latin typeface="Consolas"/>
+                  <a:cs typeface="Consolas"/>
+                </a:rPr>
+                <a:t>.</a:t>
+              </a:r>
+              <a:r>
+                <a:rPr lang="en-US" sz="1600" b="0" dirty="0" smtClean="0">
+                  <a:latin typeface="Consolas"/>
+                  <a:cs typeface="Consolas"/>
+                </a:rPr>
+                <a:t>.</a:t>
+              </a:r>
+            </a:p>
+            <a:p>
+              <a:endParaRPr lang="en-US" sz="1600" b="0" dirty="0" smtClean="0">
+                <a:latin typeface="Consolas"/>
+                <a:cs typeface="Consolas"/>
+              </a:endParaRPr>
+            </a:p>
+            <a:p>
+              <a:r>
+                <a:rPr lang="en-US" sz="1600" b="0" dirty="0" smtClean="0">
+                  <a:solidFill>
+                    <a:srgbClr val="333333"/>
+                  </a:solidFill>
+                  <a:latin typeface="Consolas"/>
+                  <a:cs typeface="Consolas"/>
+                </a:rPr>
+                <a:t>}</a:t>
+              </a:r>
             </a:p>
           </p:txBody>
         </p:sp>
         <p:sp>
           <p:nvSpPr>
-            <p:cNvPr id="12" name="Textfeld 11"/>
+            <p:cNvPr id="13" name="Textfeld 12"/>
             <p:cNvSpPr txBox="1"/>
             <p:nvPr/>
           </p:nvSpPr>
           <p:spPr>
             <a:xfrm>
-              <a:off x="5660572" y="1181714"/>
-              <a:ext cx="3220357" cy="307777"/>
+              <a:off x="5005349" y="1181714"/>
+              <a:ext cx="3670341" cy="307777"/>
             </a:xfrm>
             <a:prstGeom prst="rect">
               <a:avLst/>
             </a:prstGeom>
-            <a:noFill/>
+            <a:grpFill/>
           </p:spPr>
           <p:txBody>
             <a:bodyPr wrap="square" rtlCol="0" anchor="b" anchorCtr="0">
@@ -15701,7 +17073,1011 @@
                   </a:solidFill>
                   <a:latin typeface="+mn-lt"/>
                 </a:rPr>
-                <a:t>seudo-code:</a:t>
+                <a:t>seudo-code for locals:</a:t>
+              </a:r>
+              <a:endParaRPr lang="en-US" b="0" dirty="0">
+                <a:solidFill>
+                  <a:srgbClr val="9A9B9C"/>
+                </a:solidFill>
+                <a:latin typeface="+mn-lt"/>
+              </a:endParaRPr>
+            </a:p>
+          </p:txBody>
+        </p:sp>
+      </p:grpSp>
+      <p:grpSp>
+        <p:nvGrpSpPr>
+          <p:cNvPr id="14" name="Gruppierung 13"/>
+          <p:cNvGrpSpPr/>
+          <p:nvPr/>
+        </p:nvGrpSpPr>
+        <p:grpSpPr>
+          <a:xfrm>
+            <a:off x="5143500" y="1224000"/>
+            <a:ext cx="3532188" cy="4645779"/>
+            <a:chOff x="5005349" y="1181714"/>
+            <a:chExt cx="3670341" cy="4645779"/>
+          </a:xfrm>
+          <a:solidFill>
+            <a:srgbClr val="FFFFFF"/>
+          </a:solidFill>
+        </p:grpSpPr>
+        <p:sp>
+          <p:nvSpPr>
+            <p:cNvPr id="15" name="Textfeld 14"/>
+            <p:cNvSpPr txBox="1"/>
+            <p:nvPr/>
+          </p:nvSpPr>
+          <p:spPr>
+            <a:xfrm>
+              <a:off x="5005349" y="1549399"/>
+              <a:ext cx="3670341" cy="4278094"/>
+            </a:xfrm>
+            <a:prstGeom prst="rect">
+              <a:avLst/>
+            </a:prstGeom>
+            <a:solidFill>
+              <a:srgbClr val="FFFFFF"/>
+            </a:solidFill>
+            <a:ln>
+              <a:solidFill>
+                <a:srgbClr val="9A9B9C"/>
+              </a:solidFill>
+            </a:ln>
+          </p:spPr>
+          <p:txBody>
+            <a:bodyPr wrap="square" rtlCol="0">
+              <a:spAutoFit/>
+            </a:bodyPr>
+            <a:lstStyle/>
+            <a:p>
+              <a:r>
+                <a:rPr lang="en-US" sz="1600" dirty="0" smtClean="0">
+                  <a:latin typeface="Consolas"/>
+                  <a:cs typeface="Consolas"/>
+                </a:rPr>
+                <a:t>class </a:t>
+              </a:r>
+              <a:r>
+                <a:rPr lang="en-US" sz="1600" b="0" dirty="0" smtClean="0">
+                  <a:latin typeface="Consolas"/>
+                  <a:cs typeface="Consolas"/>
+                </a:rPr>
+                <a:t>A</a:t>
+              </a:r>
+              <a:r>
+                <a:rPr lang="en-US" sz="1600" dirty="0" smtClean="0">
+                  <a:latin typeface="Consolas"/>
+                  <a:cs typeface="Consolas"/>
+                </a:rPr>
+                <a:t> </a:t>
+              </a:r>
+              <a:r>
+                <a:rPr lang="en-US" sz="1600" b="0" dirty="0" smtClean="0">
+                  <a:latin typeface="Consolas"/>
+                  <a:cs typeface="Consolas"/>
+                </a:rPr>
+                <a:t>{</a:t>
+              </a:r>
+            </a:p>
+            <a:p>
+              <a:r>
+                <a:rPr lang="en-US" sz="1600" b="0" dirty="0" smtClean="0">
+                  <a:solidFill>
+                    <a:schemeClr val="tx1">
+                      <a:lumMod val="50000"/>
+                      <a:lumOff val="50000"/>
+                    </a:schemeClr>
+                  </a:solidFill>
+                  <a:latin typeface="Consolas"/>
+                  <a:cs typeface="Consolas"/>
+                </a:rPr>
+                <a:t>  </a:t>
+              </a:r>
+            </a:p>
+            <a:p>
+              <a:r>
+                <a:rPr lang="en-US" sz="1600" b="0" dirty="0">
+                  <a:solidFill>
+                    <a:schemeClr val="tx1">
+                      <a:lumMod val="50000"/>
+                      <a:lumOff val="50000"/>
+                    </a:schemeClr>
+                  </a:solidFill>
+                  <a:latin typeface="Consolas"/>
+                  <a:cs typeface="Consolas"/>
+                </a:rPr>
+                <a:t> </a:t>
+              </a:r>
+              <a:r>
+                <a:rPr lang="en-US" sz="1600" b="0" dirty="0" smtClean="0">
+                  <a:solidFill>
+                    <a:schemeClr val="tx1">
+                      <a:lumMod val="50000"/>
+                      <a:lumOff val="50000"/>
+                    </a:schemeClr>
+                  </a:solidFill>
+                  <a:latin typeface="Consolas"/>
+                  <a:cs typeface="Consolas"/>
+                </a:rPr>
+                <a:t> </a:t>
+              </a:r>
+              <a:r>
+                <a:rPr lang="en-US" sz="1600" b="0" dirty="0">
+                  <a:solidFill>
+                    <a:srgbClr val="999999"/>
+                  </a:solidFill>
+                  <a:latin typeface="Consolas"/>
+                  <a:cs typeface="Consolas"/>
+                </a:rPr>
+                <a:t>// </a:t>
+              </a:r>
+              <a:r>
+                <a:rPr lang="en-US" sz="1600" b="0" dirty="0" smtClean="0">
+                  <a:solidFill>
+                    <a:srgbClr val="999999"/>
+                  </a:solidFill>
+                  <a:latin typeface="Consolas"/>
+                  <a:cs typeface="Consolas"/>
+                </a:rPr>
+                <a:t>field</a:t>
+              </a:r>
+              <a:endParaRPr lang="en-US" sz="1600" b="0" dirty="0">
+                <a:solidFill>
+                  <a:srgbClr val="999999"/>
+                </a:solidFill>
+                <a:latin typeface="Consolas"/>
+                <a:cs typeface="Consolas"/>
+              </a:endParaRPr>
+            </a:p>
+            <a:p>
+              <a:r>
+                <a:rPr lang="en-US" sz="1600" b="0" dirty="0" smtClean="0">
+                  <a:solidFill>
+                    <a:srgbClr val="333333"/>
+                  </a:solidFill>
+                  <a:latin typeface="Consolas"/>
+                  <a:cs typeface="Consolas"/>
+                </a:rPr>
+                <a:t>  </a:t>
+              </a:r>
+              <a:r>
+                <a:rPr lang="en-US" sz="1600" b="0" dirty="0" err="1" smtClean="0">
+                  <a:solidFill>
+                    <a:srgbClr val="333333"/>
+                  </a:solidFill>
+                  <a:latin typeface="Consolas"/>
+                  <a:cs typeface="Consolas"/>
+                </a:rPr>
+                <a:t>field</a:t>
+              </a:r>
+              <a:r>
+                <a:rPr lang="en-US" sz="1600" b="0" i="1" dirty="0" err="1">
+                  <a:solidFill>
+                    <a:srgbClr val="333333"/>
+                  </a:solidFill>
+                  <a:latin typeface="Consolas"/>
+                  <a:cs typeface="Consolas"/>
+                </a:rPr>
+                <a:t>^H</a:t>
+              </a:r>
+              <a:r>
+                <a:rPr lang="en-US" sz="1600" b="0" dirty="0">
+                  <a:solidFill>
+                    <a:srgbClr val="333333"/>
+                  </a:solidFill>
+                  <a:latin typeface="Consolas"/>
+                  <a:cs typeface="Consolas"/>
+                </a:rPr>
+                <a:t> = </a:t>
+              </a:r>
+              <a:r>
+                <a:rPr lang="en-US" sz="1600" b="0" dirty="0" smtClean="0">
+                  <a:solidFill>
+                    <a:srgbClr val="333333"/>
+                  </a:solidFill>
+                  <a:latin typeface="Consolas"/>
+                  <a:cs typeface="Consolas"/>
+                </a:rPr>
+                <a:t>42</a:t>
+              </a:r>
+              <a:r>
+                <a:rPr lang="en-US" sz="1600" b="0" i="1" dirty="0" smtClean="0">
+                  <a:solidFill>
+                    <a:srgbClr val="333333"/>
+                  </a:solidFill>
+                  <a:latin typeface="Consolas"/>
+                  <a:cs typeface="Consolas"/>
+                </a:rPr>
+                <a:t>   </a:t>
+              </a:r>
+              <a:endParaRPr lang="en-US" sz="1600" b="0" i="1" dirty="0">
+                <a:solidFill>
+                  <a:srgbClr val="333333"/>
+                </a:solidFill>
+                <a:latin typeface="Consolas"/>
+                <a:cs typeface="Consolas"/>
+              </a:endParaRPr>
+            </a:p>
+            <a:p>
+              <a:endParaRPr lang="en-US" sz="1600" b="0" dirty="0" smtClean="0">
+                <a:solidFill>
+                  <a:schemeClr val="tx1">
+                    <a:lumMod val="50000"/>
+                    <a:lumOff val="50000"/>
+                  </a:schemeClr>
+                </a:solidFill>
+                <a:latin typeface="Consolas"/>
+                <a:cs typeface="Consolas"/>
+              </a:endParaRPr>
+            </a:p>
+            <a:p>
+              <a:r>
+                <a:rPr lang="en-US" sz="1600" b="0" dirty="0" smtClean="0">
+                  <a:latin typeface="Consolas"/>
+                  <a:cs typeface="Consolas"/>
+                </a:rPr>
+                <a:t>  method()</a:t>
+              </a:r>
+              <a:r>
+                <a:rPr lang="en-US" sz="1600" b="0" i="1" dirty="0" smtClean="0">
+                  <a:latin typeface="Consolas"/>
+                  <a:cs typeface="Consolas"/>
+                </a:rPr>
+                <a:t>^H</a:t>
+              </a:r>
+              <a:r>
+                <a:rPr lang="en-US" sz="1600" b="0" dirty="0" smtClean="0">
+                  <a:latin typeface="Consolas"/>
+                  <a:cs typeface="Consolas"/>
+                </a:rPr>
+                <a:t> {</a:t>
+              </a:r>
+              <a:endParaRPr lang="en-US" sz="1600" b="0" dirty="0" smtClean="0">
+                <a:solidFill>
+                  <a:schemeClr val="tx1">
+                    <a:lumMod val="50000"/>
+                    <a:lumOff val="50000"/>
+                  </a:schemeClr>
+                </a:solidFill>
+                <a:latin typeface="Consolas"/>
+                <a:cs typeface="Consolas"/>
+              </a:endParaRPr>
+            </a:p>
+            <a:p>
+              <a:r>
+                <a:rPr lang="en-US" sz="1600" b="0" dirty="0" smtClean="0">
+                  <a:solidFill>
+                    <a:srgbClr val="333333"/>
+                  </a:solidFill>
+                  <a:latin typeface="Consolas"/>
+                  <a:cs typeface="Consolas"/>
+                </a:rPr>
+                <a:t>    ...	</a:t>
+              </a:r>
+            </a:p>
+            <a:p>
+              <a:endParaRPr lang="en-US" sz="1600" b="0" dirty="0" smtClean="0">
+                <a:latin typeface="Consolas"/>
+                <a:cs typeface="Consolas"/>
+              </a:endParaRPr>
+            </a:p>
+            <a:p>
+              <a:r>
+                <a:rPr lang="en-US" sz="1600" b="0" dirty="0">
+                  <a:latin typeface="Consolas"/>
+                  <a:cs typeface="Consolas"/>
+                </a:rPr>
+                <a:t> </a:t>
+              </a:r>
+              <a:r>
+                <a:rPr lang="en-US" sz="1600" b="0" dirty="0" smtClean="0">
+                  <a:latin typeface="Consolas"/>
+                  <a:cs typeface="Consolas"/>
+                </a:rPr>
+                <a:t>   field = </a:t>
+              </a:r>
+              <a:r>
+                <a:rPr lang="en-US" sz="1600" b="0" dirty="0" err="1">
+                  <a:latin typeface="Consolas"/>
+                  <a:cs typeface="Consolas"/>
+                </a:rPr>
+                <a:t>high</a:t>
+              </a:r>
+              <a:r>
+                <a:rPr lang="en-US" sz="1600" b="0" i="1" dirty="0" err="1">
+                  <a:latin typeface="Consolas"/>
+                  <a:cs typeface="Consolas"/>
+                </a:rPr>
+                <a:t>^H</a:t>
+              </a:r>
+              <a:r>
+                <a:rPr lang="en-US" sz="1600" b="0" dirty="0">
+                  <a:latin typeface="Consolas"/>
+                  <a:cs typeface="Consolas"/>
+                </a:rPr>
+                <a:t> </a:t>
+              </a:r>
+            </a:p>
+            <a:p>
+              <a:r>
+                <a:rPr lang="en-US" sz="1600" b="0" dirty="0" smtClean="0">
+                  <a:solidFill>
+                    <a:srgbClr val="999999"/>
+                  </a:solidFill>
+                  <a:latin typeface="Consolas"/>
+                  <a:cs typeface="Consolas"/>
+                </a:rPr>
+                <a:t>    /</a:t>
+              </a:r>
+              <a:r>
+                <a:rPr lang="en-US" sz="1600" b="0" dirty="0">
+                  <a:solidFill>
+                    <a:srgbClr val="999999"/>
+                  </a:solidFill>
+                  <a:latin typeface="Consolas"/>
+                  <a:cs typeface="Consolas"/>
+                </a:rPr>
+                <a:t>/ --&gt; </a:t>
+              </a:r>
+              <a:r>
+                <a:rPr lang="en-US" sz="1600" b="0" dirty="0" err="1">
+                  <a:solidFill>
+                    <a:srgbClr val="999999"/>
+                  </a:solidFill>
+                  <a:latin typeface="Consolas"/>
+                  <a:cs typeface="Consolas"/>
+                </a:rPr>
+                <a:t>field</a:t>
+              </a:r>
+              <a:r>
+                <a:rPr lang="en-US" sz="1600" b="0" i="1" dirty="0" err="1" smtClean="0">
+                  <a:solidFill>
+                    <a:srgbClr val="999999"/>
+                  </a:solidFill>
+                  <a:latin typeface="Consolas"/>
+                  <a:cs typeface="Consolas"/>
+                </a:rPr>
+                <a:t>^H</a:t>
+              </a:r>
+              <a:endParaRPr lang="en-US" sz="1600" b="0" i="1" dirty="0" smtClean="0">
+                <a:solidFill>
+                  <a:srgbClr val="999999"/>
+                </a:solidFill>
+                <a:latin typeface="Consolas"/>
+                <a:cs typeface="Consolas"/>
+              </a:endParaRPr>
+            </a:p>
+            <a:p>
+              <a:r>
+                <a:rPr lang="en-US" sz="1600" b="0" i="1" dirty="0">
+                  <a:solidFill>
+                    <a:srgbClr val="999999"/>
+                  </a:solidFill>
+                  <a:latin typeface="Consolas"/>
+                  <a:cs typeface="Consolas"/>
+                </a:rPr>
+                <a:t> </a:t>
+              </a:r>
+              <a:r>
+                <a:rPr lang="en-US" sz="1600" b="0" i="1" dirty="0" smtClean="0">
+                  <a:solidFill>
+                    <a:srgbClr val="999999"/>
+                  </a:solidFill>
+                  <a:latin typeface="Consolas"/>
+                  <a:cs typeface="Consolas"/>
+                </a:rPr>
+                <a:t>   </a:t>
+              </a:r>
+              <a:r>
+                <a:rPr lang="en-US" sz="1600" b="0" dirty="0">
+                  <a:latin typeface="Consolas"/>
+                  <a:cs typeface="Consolas"/>
+                </a:rPr>
+                <a:t>field </a:t>
+              </a:r>
+              <a:r>
+                <a:rPr lang="en-US" sz="1600" b="0" dirty="0" smtClean="0">
+                  <a:latin typeface="Consolas"/>
+                  <a:cs typeface="Consolas"/>
+                </a:rPr>
+                <a:t>= </a:t>
+              </a:r>
+              <a:r>
+                <a:rPr lang="en-US" sz="1600" b="0" dirty="0" err="1" smtClean="0">
+                  <a:latin typeface="Consolas"/>
+                  <a:cs typeface="Consolas"/>
+                </a:rPr>
+                <a:t>low</a:t>
+              </a:r>
+              <a:r>
+                <a:rPr lang="en-US" sz="1600" b="0" i="1" dirty="0" err="1" smtClean="0">
+                  <a:latin typeface="Consolas"/>
+                  <a:cs typeface="Consolas"/>
+                </a:rPr>
+                <a:t>^L</a:t>
+              </a:r>
+              <a:r>
+                <a:rPr lang="en-US" sz="1600" b="0" dirty="0" smtClean="0">
+                  <a:latin typeface="Consolas"/>
+                  <a:cs typeface="Consolas"/>
+                </a:rPr>
+                <a:t> </a:t>
+              </a:r>
+              <a:endParaRPr lang="en-US" sz="1600" b="0" dirty="0">
+                <a:latin typeface="Consolas"/>
+                <a:cs typeface="Consolas"/>
+              </a:endParaRPr>
+            </a:p>
+            <a:p>
+              <a:r>
+                <a:rPr lang="en-US" sz="1600" b="0" dirty="0">
+                  <a:solidFill>
+                    <a:srgbClr val="999999"/>
+                  </a:solidFill>
+                  <a:latin typeface="Consolas"/>
+                  <a:cs typeface="Consolas"/>
+                </a:rPr>
+                <a:t>    // --&gt; </a:t>
+              </a:r>
+              <a:r>
+                <a:rPr lang="en-US" sz="1600" b="0" dirty="0" err="1" smtClean="0">
+                  <a:solidFill>
+                    <a:srgbClr val="999999"/>
+                  </a:solidFill>
+                  <a:latin typeface="Consolas"/>
+                  <a:cs typeface="Consolas"/>
+                </a:rPr>
+                <a:t>field</a:t>
+              </a:r>
+              <a:r>
+                <a:rPr lang="en-US" sz="1600" b="0" i="1" dirty="0" err="1" smtClean="0">
+                  <a:solidFill>
+                    <a:srgbClr val="999999"/>
+                  </a:solidFill>
+                  <a:latin typeface="Consolas"/>
+                  <a:cs typeface="Consolas"/>
+                </a:rPr>
+                <a:t>^H</a:t>
+              </a:r>
+              <a:endParaRPr lang="en-US" sz="1600" b="0" i="1" dirty="0">
+                <a:solidFill>
+                  <a:schemeClr val="tx1">
+                    <a:lumMod val="50000"/>
+                    <a:lumOff val="50000"/>
+                  </a:schemeClr>
+                </a:solidFill>
+                <a:latin typeface="Consolas"/>
+                <a:cs typeface="Consolas"/>
+              </a:endParaRPr>
+            </a:p>
+            <a:p>
+              <a:r>
+                <a:rPr lang="en-US" sz="1600" b="0" dirty="0" smtClean="0">
+                  <a:solidFill>
+                    <a:srgbClr val="333333"/>
+                  </a:solidFill>
+                  <a:latin typeface="Consolas"/>
+                  <a:cs typeface="Consolas"/>
+                </a:rPr>
+                <a:t>  }</a:t>
+              </a:r>
+            </a:p>
+            <a:p>
+              <a:endParaRPr lang="en-US" sz="1600" b="0" dirty="0" smtClean="0">
+                <a:solidFill>
+                  <a:srgbClr val="333333"/>
+                </a:solidFill>
+                <a:latin typeface="Consolas"/>
+                <a:cs typeface="Consolas"/>
+              </a:endParaRPr>
+            </a:p>
+            <a:p>
+              <a:r>
+                <a:rPr lang="en-US" sz="1600" b="0" dirty="0" smtClean="0">
+                  <a:latin typeface="Consolas"/>
+                  <a:cs typeface="Consolas"/>
+                </a:rPr>
+                <a:t>  .</a:t>
+              </a:r>
+              <a:r>
+                <a:rPr lang="en-US" sz="1600" b="0" dirty="0">
+                  <a:latin typeface="Consolas"/>
+                  <a:cs typeface="Consolas"/>
+                </a:rPr>
+                <a:t>.</a:t>
+              </a:r>
+              <a:r>
+                <a:rPr lang="en-US" sz="1600" b="0" dirty="0" smtClean="0">
+                  <a:latin typeface="Consolas"/>
+                  <a:cs typeface="Consolas"/>
+                </a:rPr>
+                <a:t>.</a:t>
+              </a:r>
+            </a:p>
+            <a:p>
+              <a:endParaRPr lang="en-US" sz="1600" b="0" dirty="0" smtClean="0">
+                <a:latin typeface="Consolas"/>
+                <a:cs typeface="Consolas"/>
+              </a:endParaRPr>
+            </a:p>
+            <a:p>
+              <a:r>
+                <a:rPr lang="en-US" sz="1600" b="0" dirty="0" smtClean="0">
+                  <a:solidFill>
+                    <a:srgbClr val="333333"/>
+                  </a:solidFill>
+                  <a:latin typeface="Consolas"/>
+                  <a:cs typeface="Consolas"/>
+                </a:rPr>
+                <a:t>}</a:t>
+              </a:r>
+            </a:p>
+          </p:txBody>
+        </p:sp>
+        <p:sp>
+          <p:nvSpPr>
+            <p:cNvPr id="16" name="Textfeld 15"/>
+            <p:cNvSpPr txBox="1"/>
+            <p:nvPr/>
+          </p:nvSpPr>
+          <p:spPr>
+            <a:xfrm>
+              <a:off x="5005349" y="1181714"/>
+              <a:ext cx="3670341" cy="307777"/>
+            </a:xfrm>
+            <a:prstGeom prst="rect">
+              <a:avLst/>
+            </a:prstGeom>
+            <a:grpFill/>
+          </p:spPr>
+          <p:txBody>
+            <a:bodyPr wrap="square" rtlCol="0" anchor="b" anchorCtr="0">
+              <a:spAutoFit/>
+            </a:bodyPr>
+            <a:lstStyle/>
+            <a:p>
+              <a:r>
+                <a:rPr lang="en-US" b="0" dirty="0">
+                  <a:solidFill>
+                    <a:srgbClr val="9A9B9C"/>
+                  </a:solidFill>
+                  <a:latin typeface="+mn-lt"/>
+                </a:rPr>
+                <a:t>p</a:t>
+              </a:r>
+              <a:r>
+                <a:rPr lang="en-US" b="0" dirty="0" smtClean="0">
+                  <a:solidFill>
+                    <a:srgbClr val="9A9B9C"/>
+                  </a:solidFill>
+                  <a:latin typeface="+mn-lt"/>
+                </a:rPr>
+                <a:t>seudo-code for fields:</a:t>
+              </a:r>
+              <a:endParaRPr lang="en-US" b="0" dirty="0">
+                <a:solidFill>
+                  <a:srgbClr val="9A9B9C"/>
+                </a:solidFill>
+                <a:latin typeface="+mn-lt"/>
+              </a:endParaRPr>
+            </a:p>
+          </p:txBody>
+        </p:sp>
+      </p:grpSp>
+      <p:grpSp>
+        <p:nvGrpSpPr>
+          <p:cNvPr id="17" name="Gruppierung 16"/>
+          <p:cNvGrpSpPr/>
+          <p:nvPr/>
+        </p:nvGrpSpPr>
+        <p:grpSpPr>
+          <a:xfrm>
+            <a:off x="5143500" y="1224000"/>
+            <a:ext cx="3532188" cy="3660894"/>
+            <a:chOff x="5005349" y="1181714"/>
+            <a:chExt cx="3670341" cy="3660894"/>
+          </a:xfrm>
+          <a:solidFill>
+            <a:srgbClr val="FFFFFF"/>
+          </a:solidFill>
+        </p:grpSpPr>
+        <p:sp>
+          <p:nvSpPr>
+            <p:cNvPr id="18" name="Textfeld 17"/>
+            <p:cNvSpPr txBox="1"/>
+            <p:nvPr/>
+          </p:nvSpPr>
+          <p:spPr>
+            <a:xfrm>
+              <a:off x="5005349" y="1549399"/>
+              <a:ext cx="3670341" cy="3293209"/>
+            </a:xfrm>
+            <a:prstGeom prst="rect">
+              <a:avLst/>
+            </a:prstGeom>
+            <a:solidFill>
+              <a:srgbClr val="FFFFFF"/>
+            </a:solidFill>
+            <a:ln>
+              <a:solidFill>
+                <a:srgbClr val="9A9B9C"/>
+              </a:solidFill>
+            </a:ln>
+          </p:spPr>
+          <p:txBody>
+            <a:bodyPr wrap="square" rtlCol="0">
+              <a:spAutoFit/>
+            </a:bodyPr>
+            <a:lstStyle/>
+            <a:p>
+              <a:r>
+                <a:rPr lang="en-US" sz="1600" dirty="0" smtClean="0">
+                  <a:latin typeface="Consolas"/>
+                  <a:cs typeface="Consolas"/>
+                </a:rPr>
+                <a:t>class </a:t>
+              </a:r>
+              <a:r>
+                <a:rPr lang="en-US" sz="1600" b="0" dirty="0" smtClean="0">
+                  <a:latin typeface="Consolas"/>
+                  <a:cs typeface="Consolas"/>
+                </a:rPr>
+                <a:t>A</a:t>
+              </a:r>
+              <a:r>
+                <a:rPr lang="en-US" sz="1600" dirty="0" smtClean="0">
+                  <a:latin typeface="Consolas"/>
+                  <a:cs typeface="Consolas"/>
+                </a:rPr>
+                <a:t> </a:t>
+              </a:r>
+              <a:r>
+                <a:rPr lang="en-US" sz="1600" b="0" dirty="0" smtClean="0">
+                  <a:latin typeface="Consolas"/>
+                  <a:cs typeface="Consolas"/>
+                </a:rPr>
+                <a:t>{</a:t>
+              </a:r>
+            </a:p>
+            <a:p>
+              <a:r>
+                <a:rPr lang="en-US" sz="1600" b="0" dirty="0" smtClean="0">
+                  <a:solidFill>
+                    <a:schemeClr val="tx1">
+                      <a:lumMod val="50000"/>
+                      <a:lumOff val="50000"/>
+                    </a:schemeClr>
+                  </a:solidFill>
+                  <a:latin typeface="Consolas"/>
+                  <a:cs typeface="Consolas"/>
+                </a:rPr>
+                <a:t> </a:t>
+              </a:r>
+            </a:p>
+            <a:p>
+              <a:r>
+                <a:rPr lang="en-US" sz="1600" b="0" dirty="0" smtClean="0">
+                  <a:latin typeface="Consolas"/>
+                  <a:cs typeface="Consolas"/>
+                </a:rPr>
+                <a:t>  method()</a:t>
+              </a:r>
+              <a:r>
+                <a:rPr lang="en-US" sz="1600" b="0" i="1" dirty="0" smtClean="0">
+                  <a:latin typeface="Consolas"/>
+                  <a:cs typeface="Consolas"/>
+                </a:rPr>
+                <a:t>^H</a:t>
+              </a:r>
+              <a:r>
+                <a:rPr lang="en-US" sz="1600" b="0" dirty="0" smtClean="0">
+                  <a:latin typeface="Consolas"/>
+                  <a:cs typeface="Consolas"/>
+                </a:rPr>
+                <a:t> {</a:t>
+              </a:r>
+              <a:endParaRPr lang="en-US" sz="1600" b="0" dirty="0" smtClean="0">
+                <a:solidFill>
+                  <a:schemeClr val="tx1">
+                    <a:lumMod val="50000"/>
+                    <a:lumOff val="50000"/>
+                  </a:schemeClr>
+                </a:solidFill>
+                <a:latin typeface="Consolas"/>
+                <a:cs typeface="Consolas"/>
+              </a:endParaRPr>
+            </a:p>
+            <a:p>
+              <a:r>
+                <a:rPr lang="en-US" sz="1600" b="0" dirty="0" smtClean="0">
+                  <a:solidFill>
+                    <a:srgbClr val="333333"/>
+                  </a:solidFill>
+                  <a:latin typeface="Consolas"/>
+                  <a:cs typeface="Consolas"/>
+                </a:rPr>
+                <a:t>    ...	</a:t>
+              </a:r>
+            </a:p>
+            <a:p>
+              <a:r>
+                <a:rPr lang="en-US" sz="1600" b="0" dirty="0" smtClean="0">
+                  <a:solidFill>
+                    <a:srgbClr val="333333"/>
+                  </a:solidFill>
+                  <a:latin typeface="Consolas"/>
+                  <a:cs typeface="Consolas"/>
+                </a:rPr>
+                <a:t>    </a:t>
+              </a:r>
+              <a:r>
+                <a:rPr lang="en-US" sz="1600" b="0" dirty="0">
+                  <a:solidFill>
+                    <a:srgbClr val="999999"/>
+                  </a:solidFill>
+                  <a:latin typeface="Consolas"/>
+                  <a:cs typeface="Consolas"/>
+                </a:rPr>
+                <a:t>// array</a:t>
+              </a:r>
+            </a:p>
+            <a:p>
+              <a:r>
+                <a:rPr lang="en-US" sz="1600" b="0" dirty="0" smtClean="0">
+                  <a:solidFill>
+                    <a:srgbClr val="333333"/>
+                  </a:solidFill>
+                  <a:latin typeface="Consolas"/>
+                  <a:cs typeface="Consolas"/>
+                </a:rPr>
+                <a:t>    </a:t>
+              </a:r>
+              <a:r>
+                <a:rPr lang="en-US" sz="1600" b="0" dirty="0" err="1" smtClean="0">
+                  <a:solidFill>
+                    <a:srgbClr val="333333"/>
+                  </a:solidFill>
+                  <a:latin typeface="Consolas"/>
+                  <a:cs typeface="Consolas"/>
+                </a:rPr>
+                <a:t>arr</a:t>
+              </a:r>
+              <a:r>
+                <a:rPr lang="en-US" sz="1600" b="0" i="1" dirty="0" err="1">
+                  <a:solidFill>
+                    <a:srgbClr val="333333"/>
+                  </a:solidFill>
+                  <a:latin typeface="Consolas"/>
+                  <a:cs typeface="Consolas"/>
+                </a:rPr>
+                <a:t>^H</a:t>
+              </a:r>
+              <a:r>
+                <a:rPr lang="en-US" sz="1600" b="0" i="1" dirty="0">
+                  <a:solidFill>
+                    <a:srgbClr val="333333"/>
+                  </a:solidFill>
+                  <a:latin typeface="Consolas"/>
+                  <a:cs typeface="Consolas"/>
+                </a:rPr>
+                <a:t>[0]</a:t>
+              </a:r>
+              <a:r>
+                <a:rPr lang="en-US" sz="1600" b="0" dirty="0">
+                  <a:solidFill>
+                    <a:srgbClr val="333333"/>
+                  </a:solidFill>
+                  <a:latin typeface="Consolas"/>
+                  <a:cs typeface="Consolas"/>
+                </a:rPr>
+                <a:t> = </a:t>
+              </a:r>
+              <a:r>
+                <a:rPr lang="en-US" sz="1600" b="0" dirty="0" err="1">
+                  <a:solidFill>
+                    <a:srgbClr val="333333"/>
+                  </a:solidFill>
+                  <a:latin typeface="Consolas"/>
+                  <a:cs typeface="Consolas"/>
+                </a:rPr>
+                <a:t>val</a:t>
+              </a:r>
+              <a:r>
+                <a:rPr lang="en-US" sz="1600" b="0" i="1" dirty="0" err="1">
+                  <a:solidFill>
+                    <a:srgbClr val="333333"/>
+                  </a:solidFill>
+                  <a:latin typeface="Consolas"/>
+                  <a:cs typeface="Consolas"/>
+                </a:rPr>
+                <a:t>^L</a:t>
+              </a:r>
+              <a:r>
+                <a:rPr lang="en-US" sz="1600" b="0" dirty="0">
+                  <a:solidFill>
+                    <a:srgbClr val="333333"/>
+                  </a:solidFill>
+                  <a:latin typeface="Consolas"/>
+                  <a:cs typeface="Consolas"/>
+                </a:rPr>
+                <a:t>   </a:t>
+              </a:r>
+            </a:p>
+            <a:p>
+              <a:r>
+                <a:rPr lang="en-US" sz="1600" b="0" dirty="0" smtClean="0">
+                  <a:solidFill>
+                    <a:srgbClr val="999999"/>
+                  </a:solidFill>
+                  <a:latin typeface="Consolas"/>
+                  <a:cs typeface="Consolas"/>
+                </a:rPr>
+                <a:t>    /</a:t>
+              </a:r>
+              <a:r>
+                <a:rPr lang="en-US" sz="1600" b="0" dirty="0">
+                  <a:solidFill>
+                    <a:srgbClr val="999999"/>
+                  </a:solidFill>
+                  <a:latin typeface="Consolas"/>
+                  <a:cs typeface="Consolas"/>
+                </a:rPr>
+                <a:t>/ </a:t>
+              </a:r>
+              <a:r>
+                <a:rPr lang="en-US" sz="1600" b="0" dirty="0" err="1">
+                  <a:solidFill>
+                    <a:srgbClr val="999999"/>
+                  </a:solidFill>
+                  <a:latin typeface="Consolas"/>
+                  <a:cs typeface="Consolas"/>
+                </a:rPr>
+                <a:t>arr</a:t>
+              </a:r>
+              <a:r>
+                <a:rPr lang="en-US" sz="1600" b="0" i="1" dirty="0" err="1">
+                  <a:solidFill>
+                    <a:srgbClr val="999999"/>
+                  </a:solidFill>
+                  <a:latin typeface="Consolas"/>
+                  <a:cs typeface="Consolas"/>
+                </a:rPr>
+                <a:t>^H</a:t>
+              </a:r>
+              <a:r>
+                <a:rPr lang="en-US" sz="1600" b="0" dirty="0">
+                  <a:solidFill>
+                    <a:srgbClr val="999999"/>
+                  </a:solidFill>
+                  <a:latin typeface="Consolas"/>
+                  <a:cs typeface="Consolas"/>
+                </a:rPr>
+                <a:t>[0]--&gt; </a:t>
+              </a:r>
+              <a:r>
+                <a:rPr lang="en-US" sz="1600" b="0" i="1" dirty="0">
+                  <a:solidFill>
+                    <a:srgbClr val="999999"/>
+                  </a:solidFill>
+                  <a:latin typeface="Consolas"/>
+                  <a:cs typeface="Consolas"/>
+                </a:rPr>
+                <a:t>^H</a:t>
+              </a:r>
+            </a:p>
+            <a:p>
+              <a:endParaRPr lang="en-US" sz="1600" b="0" dirty="0" smtClean="0">
+                <a:solidFill>
+                  <a:srgbClr val="333333"/>
+                </a:solidFill>
+                <a:latin typeface="Consolas"/>
+                <a:cs typeface="Consolas"/>
+              </a:endParaRPr>
+            </a:p>
+            <a:p>
+              <a:r>
+                <a:rPr lang="en-US" sz="1600" b="0" dirty="0" smtClean="0">
+                  <a:solidFill>
+                    <a:srgbClr val="333333"/>
+                  </a:solidFill>
+                  <a:latin typeface="Consolas"/>
+                  <a:cs typeface="Consolas"/>
+                </a:rPr>
+                <a:t>  }</a:t>
+              </a:r>
+            </a:p>
+            <a:p>
+              <a:endParaRPr lang="en-US" sz="1600" b="0" dirty="0" smtClean="0">
+                <a:solidFill>
+                  <a:srgbClr val="333333"/>
+                </a:solidFill>
+                <a:latin typeface="Consolas"/>
+                <a:cs typeface="Consolas"/>
+              </a:endParaRPr>
+            </a:p>
+            <a:p>
+              <a:r>
+                <a:rPr lang="en-US" sz="1600" b="0" dirty="0" smtClean="0">
+                  <a:latin typeface="Consolas"/>
+                  <a:cs typeface="Consolas"/>
+                </a:rPr>
+                <a:t>  .</a:t>
+              </a:r>
+              <a:r>
+                <a:rPr lang="en-US" sz="1600" b="0" dirty="0">
+                  <a:latin typeface="Consolas"/>
+                  <a:cs typeface="Consolas"/>
+                </a:rPr>
+                <a:t>.</a:t>
+              </a:r>
+              <a:r>
+                <a:rPr lang="en-US" sz="1600" b="0" dirty="0" smtClean="0">
+                  <a:latin typeface="Consolas"/>
+                  <a:cs typeface="Consolas"/>
+                </a:rPr>
+                <a:t>.</a:t>
+              </a:r>
+            </a:p>
+            <a:p>
+              <a:endParaRPr lang="en-US" sz="1600" b="0" dirty="0" smtClean="0">
+                <a:latin typeface="Consolas"/>
+                <a:cs typeface="Consolas"/>
+              </a:endParaRPr>
+            </a:p>
+            <a:p>
+              <a:r>
+                <a:rPr lang="en-US" sz="1600" b="0" dirty="0" smtClean="0">
+                  <a:solidFill>
+                    <a:srgbClr val="333333"/>
+                  </a:solidFill>
+                  <a:latin typeface="Consolas"/>
+                  <a:cs typeface="Consolas"/>
+                </a:rPr>
+                <a:t>}</a:t>
+              </a:r>
+            </a:p>
+          </p:txBody>
+        </p:sp>
+        <p:sp>
+          <p:nvSpPr>
+            <p:cNvPr id="19" name="Textfeld 18"/>
+            <p:cNvSpPr txBox="1"/>
+            <p:nvPr/>
+          </p:nvSpPr>
+          <p:spPr>
+            <a:xfrm>
+              <a:off x="5005349" y="1181714"/>
+              <a:ext cx="3670341" cy="307777"/>
+            </a:xfrm>
+            <a:prstGeom prst="rect">
+              <a:avLst/>
+            </a:prstGeom>
+            <a:grpFill/>
+          </p:spPr>
+          <p:txBody>
+            <a:bodyPr wrap="square" rtlCol="0" anchor="b" anchorCtr="0">
+              <a:spAutoFit/>
+            </a:bodyPr>
+            <a:lstStyle/>
+            <a:p>
+              <a:r>
+                <a:rPr lang="en-US" b="0" dirty="0">
+                  <a:solidFill>
+                    <a:srgbClr val="9A9B9C"/>
+                  </a:solidFill>
+                  <a:latin typeface="+mn-lt"/>
+                </a:rPr>
+                <a:t>p</a:t>
+              </a:r>
+              <a:r>
+                <a:rPr lang="en-US" b="0" dirty="0" smtClean="0">
+                  <a:solidFill>
+                    <a:srgbClr val="9A9B9C"/>
+                  </a:solidFill>
+                  <a:latin typeface="+mn-lt"/>
+                </a:rPr>
+                <a:t>seudo-code for fields:</a:t>
               </a:r>
               <a:endParaRPr lang="en-US" b="0" dirty="0">
                 <a:solidFill>
@@ -15716,7 +18092,7 @@
     </p:spTree>
     <p:extLst>
       <p:ext uri="{BB962C8B-B14F-4D97-AF65-F5344CB8AC3E}">
-        <p14:creationId xmlns:p14="http://schemas.microsoft.com/office/powerpoint/2010/main" val="3621398793"/>
+        <p14:creationId xmlns:p14="http://schemas.microsoft.com/office/powerpoint/2010/main" val="3993831204"/>
       </p:ext>
     </p:extLst>
   </p:cSld>
@@ -15726,7 +18102,174 @@
   <p:timing>
     <p:tnLst>
       <p:par>
-        <p:cTn xmlns:p14="http://schemas.microsoft.com/office/powerpoint/2010/main" id="1" dur="indefinite" restart="never" nodeType="tmRoot"/>
+        <p:cTn xmlns:p14="http://schemas.microsoft.com/office/powerpoint/2010/main" id="1" dur="indefinite" restart="never" nodeType="tmRoot">
+          <p:childTnLst>
+            <p:seq concurrent="1" nextAc="seek">
+              <p:cTn id="2" dur="indefinite" nodeType="mainSeq">
+                <p:childTnLst>
+                  <p:par>
+                    <p:cTn id="3" fill="hold">
+                      <p:stCondLst>
+                        <p:cond delay="indefinite"/>
+                      </p:stCondLst>
+                      <p:childTnLst>
+                        <p:par>
+                          <p:cTn id="4" fill="hold">
+                            <p:stCondLst>
+                              <p:cond delay="0"/>
+                            </p:stCondLst>
+                            <p:childTnLst>
+                              <p:par>
+                                <p:cTn id="5" presetID="1" presetClass="exit" presetSubtype="0" fill="hold" nodeType="clickEffect">
+                                  <p:stCondLst>
+                                    <p:cond delay="0"/>
+                                  </p:stCondLst>
+                                  <p:childTnLst>
+                                    <p:set>
+                                      <p:cBhvr>
+                                        <p:cTn id="6" dur="1" fill="hold">
+                                          <p:stCondLst>
+                                            <p:cond delay="0"/>
+                                          </p:stCondLst>
+                                        </p:cTn>
+                                        <p:tgtEl>
+                                          <p:spTgt spid="11"/>
+                                        </p:tgtEl>
+                                        <p:attrNameLst>
+                                          <p:attrName>style.visibility</p:attrName>
+                                        </p:attrNameLst>
+                                      </p:cBhvr>
+                                      <p:to>
+                                        <p:strVal val="hidden"/>
+                                      </p:to>
+                                    </p:set>
+                                  </p:childTnLst>
+                                </p:cTn>
+                              </p:par>
+                              <p:par>
+                                <p:cTn id="7" presetID="1" presetClass="entr" presetSubtype="0" fill="hold" nodeType="withEffect">
+                                  <p:stCondLst>
+                                    <p:cond delay="0"/>
+                                  </p:stCondLst>
+                                  <p:childTnLst>
+                                    <p:set>
+                                      <p:cBhvr>
+                                        <p:cTn id="8" dur="1" fill="hold">
+                                          <p:stCondLst>
+                                            <p:cond delay="0"/>
+                                          </p:stCondLst>
+                                        </p:cTn>
+                                        <p:tgtEl>
+                                          <p:spTgt spid="14"/>
+                                        </p:tgtEl>
+                                        <p:attrNameLst>
+                                          <p:attrName>style.visibility</p:attrName>
+                                        </p:attrNameLst>
+                                      </p:cBhvr>
+                                      <p:to>
+                                        <p:strVal val="visible"/>
+                                      </p:to>
+                                    </p:set>
+                                  </p:childTnLst>
+                                </p:cTn>
+                              </p:par>
+                            </p:childTnLst>
+                          </p:cTn>
+                        </p:par>
+                      </p:childTnLst>
+                    </p:cTn>
+                  </p:par>
+                  <p:par>
+                    <p:cTn id="9" fill="hold">
+                      <p:stCondLst>
+                        <p:cond delay="indefinite"/>
+                      </p:stCondLst>
+                      <p:childTnLst>
+                        <p:par>
+                          <p:cTn id="10" fill="hold">
+                            <p:stCondLst>
+                              <p:cond delay="0"/>
+                            </p:stCondLst>
+                            <p:childTnLst>
+                              <p:par>
+                                <p:cTn id="11" presetID="1" presetClass="exit" presetSubtype="0" fill="hold" nodeType="clickEffect">
+                                  <p:stCondLst>
+                                    <p:cond delay="0"/>
+                                  </p:stCondLst>
+                                  <p:childTnLst>
+                                    <p:set>
+                                      <p:cBhvr>
+                                        <p:cTn id="12" dur="1" fill="hold">
+                                          <p:stCondLst>
+                                            <p:cond delay="0"/>
+                                          </p:stCondLst>
+                                        </p:cTn>
+                                        <p:tgtEl>
+                                          <p:spTgt spid="14"/>
+                                        </p:tgtEl>
+                                        <p:attrNameLst>
+                                          <p:attrName>style.visibility</p:attrName>
+                                        </p:attrNameLst>
+                                      </p:cBhvr>
+                                      <p:to>
+                                        <p:strVal val="hidden"/>
+                                      </p:to>
+                                    </p:set>
+                                  </p:childTnLst>
+                                </p:cTn>
+                              </p:par>
+                              <p:par>
+                                <p:cTn id="13" presetID="1" presetClass="entr" presetSubtype="0" fill="hold" nodeType="withEffect">
+                                  <p:stCondLst>
+                                    <p:cond delay="0"/>
+                                  </p:stCondLst>
+                                  <p:childTnLst>
+                                    <p:set>
+                                      <p:cBhvr>
+                                        <p:cTn id="14" dur="1" fill="hold">
+                                          <p:stCondLst>
+                                            <p:cond delay="0"/>
+                                          </p:stCondLst>
+                                        </p:cTn>
+                                        <p:tgtEl>
+                                          <p:spTgt spid="17"/>
+                                        </p:tgtEl>
+                                        <p:attrNameLst>
+                                          <p:attrName>style.visibility</p:attrName>
+                                        </p:attrNameLst>
+                                      </p:cBhvr>
+                                      <p:to>
+                                        <p:strVal val="visible"/>
+                                      </p:to>
+                                    </p:set>
+                                  </p:childTnLst>
+                                </p:cTn>
+                              </p:par>
+                            </p:childTnLst>
+                          </p:cTn>
+                        </p:par>
+                      </p:childTnLst>
+                    </p:cTn>
+                  </p:par>
+                </p:childTnLst>
+              </p:cTn>
+              <p:prevCondLst>
+                <p:cond evt="onPrev" delay="0">
+                  <p:tgtEl>
+                    <p:sldTgt/>
+                  </p:tgtEl>
+                </p:cond>
+              </p:prevCondLst>
+              <p:nextCondLst>
+                <p:cond evt="onNext" delay="0">
+                  <p:tgtEl>
+                    <p:sldTgt/>
+                  </p:tgtEl>
+                </p:cond>
+              </p:nextCondLst>
+            </p:seq>
+          </p:childTnLst>
+        </p:cTn>
       </p:par>
     </p:tnLst>
   </p:timing>

--- a/presentation/presentation.pptx
+++ b/presentation/presentation.pptx
@@ -243,7 +243,7 @@
           <a:p>
             <a:fld id="{A8A94D3D-AA65-9D43-9A3A-80711E35FCEA}" type="datetimeFigureOut">
               <a:rPr lang="de-DE" smtClean="0"/>
-              <a:t>05.11.13</a:t>
+              <a:t>06.11.13</a:t>
             </a:fld>
             <a:endParaRPr lang="de-DE"/>
           </a:p>
@@ -408,7 +408,7 @@
           <a:p>
             <a:fld id="{9168441F-F366-E04D-812C-D98FC549B967}" type="datetimeFigureOut">
               <a:rPr lang="de-DE" smtClean="0"/>
-              <a:t>05.11.13</a:t>
+              <a:t>06.11.13</a:t>
             </a:fld>
             <a:endParaRPr lang="de-DE" dirty="0"/>
           </a:p>
@@ -8593,6 +8593,13 @@
           </a:p>
           <a:p>
             <a:r>
+              <a:rPr lang="en-US" dirty="0" smtClean="0">
+                <a:latin typeface="Consolas"/>
+                <a:cs typeface="Consolas"/>
+              </a:rPr>
+              <a:t>(Soot-)</a:t>
+            </a:r>
+            <a:r>
               <a:rPr lang="en-US" dirty="0" err="1" smtClean="0">
                 <a:latin typeface="Consolas"/>
                 <a:cs typeface="Consolas"/>
@@ -11173,17 +11180,16 @@
           <a:p>
             <a:r>
               <a:rPr lang="en-US" dirty="0" smtClean="0"/>
-              <a:t>foundation for </a:t>
-            </a:r>
-            <a:r>
-              <a:rPr lang="en-US" i="1" dirty="0"/>
+              <a:t>basis for a </a:t>
+            </a:r>
+            <a:r>
+              <a:rPr lang="en-US" i="1" dirty="0" smtClean="0"/>
               <a:t>Gradual </a:t>
             </a:r>
             <a:r>
               <a:rPr lang="en-US" i="1" dirty="0" smtClean="0"/>
               <a:t>Type System</a:t>
             </a:r>
-            <a:endParaRPr lang="en-US" i="1" dirty="0" smtClean="0"/>
           </a:p>
           <a:p>
             <a:endParaRPr lang="en-US" dirty="0"/>
@@ -12291,11 +12297,7 @@
             </a:r>
             <a:r>
               <a:rPr lang="en-US" i="1" dirty="0" smtClean="0"/>
-              <a:t>Gradual </a:t>
-            </a:r>
-            <a:r>
-              <a:rPr lang="en-US" i="1" dirty="0" smtClean="0"/>
-              <a:t>Type System</a:t>
+              <a:t>Gradual Type System</a:t>
             </a:r>
             <a:endParaRPr lang="en-US" i="1" dirty="0"/>
           </a:p>
